--- a/4_Presentation/Bakery sales predictions.pptx
+++ b/4_Presentation/Bakery sales predictions.pptx
@@ -4,6 +4,9 @@
   <p:sldMasterIdLst>
     <p:sldMasterId id="2147483648" r:id="rId1"/>
   </p:sldMasterIdLst>
+  <p:notesMasterIdLst>
+    <p:notesMasterId r:id="rId12"/>
+  </p:notesMasterIdLst>
   <p:sldIdLst>
     <p:sldId id="256" r:id="rId2"/>
     <p:sldId id="257" r:id="rId3"/>
@@ -11,9 +14,10 @@
     <p:sldId id="259" r:id="rId5"/>
     <p:sldId id="260" r:id="rId6"/>
     <p:sldId id="261" r:id="rId7"/>
-    <p:sldId id="263" r:id="rId8"/>
-    <p:sldId id="264" r:id="rId9"/>
-    <p:sldId id="262" r:id="rId10"/>
+    <p:sldId id="265" r:id="rId8"/>
+    <p:sldId id="266" r:id="rId9"/>
+    <p:sldId id="264" r:id="rId10"/>
+    <p:sldId id="262" r:id="rId11"/>
   </p:sldIdLst>
   <p:sldSz cx="12192000" cy="6858000"/>
   <p:notesSz cx="6858000" cy="9144000"/>
@@ -112,7 +116,1452 @@
       </a:defRPr>
     </a:lvl9pPr>
   </p:defaultTextStyle>
+  <p:extLst>
+    <p:ext uri="{EFAFB233-063F-42B5-8137-9DF3F51BA10A}">
+      <p15:sldGuideLst xmlns:p15="http://schemas.microsoft.com/office/powerpoint/2012/main"/>
+    </p:ext>
+  </p:extLst>
 </p:presentation>
+</file>
+
+<file path=ppt/notesMasters/notesMaster1.xml><?xml version="1.0" encoding="utf-8"?>
+<p:notesMaster xmlns:a="http://schemas.openxmlformats.org/drawingml/2006/main" xmlns:r="http://schemas.openxmlformats.org/officeDocument/2006/relationships" xmlns:p="http://schemas.openxmlformats.org/presentationml/2006/main">
+  <p:cSld>
+    <p:bg>
+      <p:bgRef idx="1001">
+        <a:schemeClr val="bg1"/>
+      </p:bgRef>
+    </p:bg>
+    <p:spTree>
+      <p:nvGrpSpPr>
+        <p:cNvPr id="1" name=""/>
+        <p:cNvGrpSpPr/>
+        <p:nvPr/>
+      </p:nvGrpSpPr>
+      <p:grpSpPr>
+        <a:xfrm>
+          <a:off x="0" y="0"/>
+          <a:ext cx="0" cy="0"/>
+          <a:chOff x="0" y="0"/>
+          <a:chExt cx="0" cy="0"/>
+        </a:xfrm>
+      </p:grpSpPr>
+      <p:sp>
+        <p:nvSpPr>
+          <p:cNvPr id="2" name="Header Placeholder 1"/>
+          <p:cNvSpPr>
+            <a:spLocks noGrp="1"/>
+          </p:cNvSpPr>
+          <p:nvPr>
+            <p:ph type="hdr" sz="quarter"/>
+          </p:nvPr>
+        </p:nvSpPr>
+        <p:spPr>
+          <a:xfrm>
+            <a:off x="0" y="0"/>
+            <a:ext cx="2971800" cy="458788"/>
+          </a:xfrm>
+          <a:prstGeom prst="rect">
+            <a:avLst/>
+          </a:prstGeom>
+        </p:spPr>
+        <p:txBody>
+          <a:bodyPr vert="horz" lIns="91440" tIns="45720" rIns="91440" bIns="45720" rtlCol="0"/>
+          <a:lstStyle>
+            <a:lvl1pPr algn="l">
+              <a:defRPr sz="1200"/>
+            </a:lvl1pPr>
+          </a:lstStyle>
+          <a:p>
+            <a:endParaRPr lang="en-DE"/>
+          </a:p>
+        </p:txBody>
+      </p:sp>
+      <p:sp>
+        <p:nvSpPr>
+          <p:cNvPr id="3" name="Date Placeholder 2"/>
+          <p:cNvSpPr>
+            <a:spLocks noGrp="1"/>
+          </p:cNvSpPr>
+          <p:nvPr>
+            <p:ph type="dt" idx="1"/>
+          </p:nvPr>
+        </p:nvSpPr>
+        <p:spPr>
+          <a:xfrm>
+            <a:off x="3884613" y="0"/>
+            <a:ext cx="2971800" cy="458788"/>
+          </a:xfrm>
+          <a:prstGeom prst="rect">
+            <a:avLst/>
+          </a:prstGeom>
+        </p:spPr>
+        <p:txBody>
+          <a:bodyPr vert="horz" lIns="91440" tIns="45720" rIns="91440" bIns="45720" rtlCol="0"/>
+          <a:lstStyle>
+            <a:lvl1pPr algn="r">
+              <a:defRPr sz="1200"/>
+            </a:lvl1pPr>
+          </a:lstStyle>
+          <a:p>
+            <a:fld id="{E9AC190B-E092-BD46-995A-C1CFF631AF84}" type="datetimeFigureOut">
+              <a:rPr lang="en-DE" smtClean="0"/>
+              <a:t>08.01.25</a:t>
+            </a:fld>
+            <a:endParaRPr lang="en-DE"/>
+          </a:p>
+        </p:txBody>
+      </p:sp>
+      <p:sp>
+        <p:nvSpPr>
+          <p:cNvPr id="4" name="Slide Image Placeholder 3"/>
+          <p:cNvSpPr>
+            <a:spLocks noGrp="1" noRot="1" noChangeAspect="1"/>
+          </p:cNvSpPr>
+          <p:nvPr>
+            <p:ph type="sldImg" idx="2"/>
+          </p:nvPr>
+        </p:nvSpPr>
+        <p:spPr>
+          <a:xfrm>
+            <a:off x="685800" y="1143000"/>
+            <a:ext cx="5486400" cy="3086100"/>
+          </a:xfrm>
+          <a:prstGeom prst="rect">
+            <a:avLst/>
+          </a:prstGeom>
+          <a:noFill/>
+          <a:ln w="12700">
+            <a:solidFill>
+              <a:prstClr val="black"/>
+            </a:solidFill>
+          </a:ln>
+        </p:spPr>
+        <p:txBody>
+          <a:bodyPr vert="horz" lIns="91440" tIns="45720" rIns="91440" bIns="45720" rtlCol="0" anchor="ctr"/>
+          <a:lstStyle/>
+          <a:p>
+            <a:endParaRPr lang="en-DE"/>
+          </a:p>
+        </p:txBody>
+      </p:sp>
+      <p:sp>
+        <p:nvSpPr>
+          <p:cNvPr id="5" name="Notes Placeholder 4"/>
+          <p:cNvSpPr>
+            <a:spLocks noGrp="1"/>
+          </p:cNvSpPr>
+          <p:nvPr>
+            <p:ph type="body" sz="quarter" idx="3"/>
+          </p:nvPr>
+        </p:nvSpPr>
+        <p:spPr>
+          <a:xfrm>
+            <a:off x="685800" y="4400550"/>
+            <a:ext cx="5486400" cy="3600450"/>
+          </a:xfrm>
+          <a:prstGeom prst="rect">
+            <a:avLst/>
+          </a:prstGeom>
+        </p:spPr>
+        <p:txBody>
+          <a:bodyPr vert="horz" lIns="91440" tIns="45720" rIns="91440" bIns="45720" rtlCol="0"/>
+          <a:lstStyle/>
+          <a:p>
+            <a:pPr lvl="0"/>
+            <a:r>
+              <a:rPr lang="en-GB"/>
+              <a:t>Click to edit Master text styles</a:t>
+            </a:r>
+          </a:p>
+          <a:p>
+            <a:pPr lvl="1"/>
+            <a:r>
+              <a:rPr lang="en-GB"/>
+              <a:t>Second level</a:t>
+            </a:r>
+          </a:p>
+          <a:p>
+            <a:pPr lvl="2"/>
+            <a:r>
+              <a:rPr lang="en-GB"/>
+              <a:t>Third level</a:t>
+            </a:r>
+          </a:p>
+          <a:p>
+            <a:pPr lvl="3"/>
+            <a:r>
+              <a:rPr lang="en-GB"/>
+              <a:t>Fourth level</a:t>
+            </a:r>
+          </a:p>
+          <a:p>
+            <a:pPr lvl="4"/>
+            <a:r>
+              <a:rPr lang="en-GB"/>
+              <a:t>Fifth level</a:t>
+            </a:r>
+            <a:endParaRPr lang="en-DE"/>
+          </a:p>
+        </p:txBody>
+      </p:sp>
+      <p:sp>
+        <p:nvSpPr>
+          <p:cNvPr id="6" name="Footer Placeholder 5"/>
+          <p:cNvSpPr>
+            <a:spLocks noGrp="1"/>
+          </p:cNvSpPr>
+          <p:nvPr>
+            <p:ph type="ftr" sz="quarter" idx="4"/>
+          </p:nvPr>
+        </p:nvSpPr>
+        <p:spPr>
+          <a:xfrm>
+            <a:off x="0" y="8685213"/>
+            <a:ext cx="2971800" cy="458787"/>
+          </a:xfrm>
+          <a:prstGeom prst="rect">
+            <a:avLst/>
+          </a:prstGeom>
+        </p:spPr>
+        <p:txBody>
+          <a:bodyPr vert="horz" lIns="91440" tIns="45720" rIns="91440" bIns="45720" rtlCol="0" anchor="b"/>
+          <a:lstStyle>
+            <a:lvl1pPr algn="l">
+              <a:defRPr sz="1200"/>
+            </a:lvl1pPr>
+          </a:lstStyle>
+          <a:p>
+            <a:endParaRPr lang="en-DE"/>
+          </a:p>
+        </p:txBody>
+      </p:sp>
+      <p:sp>
+        <p:nvSpPr>
+          <p:cNvPr id="7" name="Slide Number Placeholder 6"/>
+          <p:cNvSpPr>
+            <a:spLocks noGrp="1"/>
+          </p:cNvSpPr>
+          <p:nvPr>
+            <p:ph type="sldNum" sz="quarter" idx="5"/>
+          </p:nvPr>
+        </p:nvSpPr>
+        <p:spPr>
+          <a:xfrm>
+            <a:off x="3884613" y="8685213"/>
+            <a:ext cx="2971800" cy="458787"/>
+          </a:xfrm>
+          <a:prstGeom prst="rect">
+            <a:avLst/>
+          </a:prstGeom>
+        </p:spPr>
+        <p:txBody>
+          <a:bodyPr vert="horz" lIns="91440" tIns="45720" rIns="91440" bIns="45720" rtlCol="0" anchor="b"/>
+          <a:lstStyle>
+            <a:lvl1pPr algn="r">
+              <a:defRPr sz="1200"/>
+            </a:lvl1pPr>
+          </a:lstStyle>
+          <a:p>
+            <a:fld id="{A0597DCE-CD42-064F-96DA-441DF0E120C3}" type="slidenum">
+              <a:rPr lang="en-DE" smtClean="0"/>
+              <a:t>‹#›</a:t>
+            </a:fld>
+            <a:endParaRPr lang="en-DE"/>
+          </a:p>
+        </p:txBody>
+      </p:sp>
+    </p:spTree>
+    <p:extLst>
+      <p:ext uri="{BB962C8B-B14F-4D97-AF65-F5344CB8AC3E}">
+        <p14:creationId xmlns:p14="http://schemas.microsoft.com/office/powerpoint/2010/main" val="1263596518"/>
+      </p:ext>
+    </p:extLst>
+  </p:cSld>
+  <p:clrMap bg1="lt1" tx1="dk1" bg2="lt2" tx2="dk2" accent1="accent1" accent2="accent2" accent3="accent3" accent4="accent4" accent5="accent5" accent6="accent6" hlink="hlink" folHlink="folHlink"/>
+  <p:notesStyle>
+    <a:lvl1pPr marL="0" algn="l" defTabSz="914400" rtl="0" eaLnBrk="1" latinLnBrk="0" hangingPunct="1">
+      <a:defRPr sz="1200" kern="1200">
+        <a:solidFill>
+          <a:schemeClr val="tx1"/>
+        </a:solidFill>
+        <a:latin typeface="+mn-lt"/>
+        <a:ea typeface="+mn-ea"/>
+        <a:cs typeface="+mn-cs"/>
+      </a:defRPr>
+    </a:lvl1pPr>
+    <a:lvl2pPr marL="457200" algn="l" defTabSz="914400" rtl="0" eaLnBrk="1" latinLnBrk="0" hangingPunct="1">
+      <a:defRPr sz="1200" kern="1200">
+        <a:solidFill>
+          <a:schemeClr val="tx1"/>
+        </a:solidFill>
+        <a:latin typeface="+mn-lt"/>
+        <a:ea typeface="+mn-ea"/>
+        <a:cs typeface="+mn-cs"/>
+      </a:defRPr>
+    </a:lvl2pPr>
+    <a:lvl3pPr marL="914400" algn="l" defTabSz="914400" rtl="0" eaLnBrk="1" latinLnBrk="0" hangingPunct="1">
+      <a:defRPr sz="1200" kern="1200">
+        <a:solidFill>
+          <a:schemeClr val="tx1"/>
+        </a:solidFill>
+        <a:latin typeface="+mn-lt"/>
+        <a:ea typeface="+mn-ea"/>
+        <a:cs typeface="+mn-cs"/>
+      </a:defRPr>
+    </a:lvl3pPr>
+    <a:lvl4pPr marL="1371600" algn="l" defTabSz="914400" rtl="0" eaLnBrk="1" latinLnBrk="0" hangingPunct="1">
+      <a:defRPr sz="1200" kern="1200">
+        <a:solidFill>
+          <a:schemeClr val="tx1"/>
+        </a:solidFill>
+        <a:latin typeface="+mn-lt"/>
+        <a:ea typeface="+mn-ea"/>
+        <a:cs typeface="+mn-cs"/>
+      </a:defRPr>
+    </a:lvl4pPr>
+    <a:lvl5pPr marL="1828800" algn="l" defTabSz="914400" rtl="0" eaLnBrk="1" latinLnBrk="0" hangingPunct="1">
+      <a:defRPr sz="1200" kern="1200">
+        <a:solidFill>
+          <a:schemeClr val="tx1"/>
+        </a:solidFill>
+        <a:latin typeface="+mn-lt"/>
+        <a:ea typeface="+mn-ea"/>
+        <a:cs typeface="+mn-cs"/>
+      </a:defRPr>
+    </a:lvl5pPr>
+    <a:lvl6pPr marL="2286000" algn="l" defTabSz="914400" rtl="0" eaLnBrk="1" latinLnBrk="0" hangingPunct="1">
+      <a:defRPr sz="1200" kern="1200">
+        <a:solidFill>
+          <a:schemeClr val="tx1"/>
+        </a:solidFill>
+        <a:latin typeface="+mn-lt"/>
+        <a:ea typeface="+mn-ea"/>
+        <a:cs typeface="+mn-cs"/>
+      </a:defRPr>
+    </a:lvl6pPr>
+    <a:lvl7pPr marL="2743200" algn="l" defTabSz="914400" rtl="0" eaLnBrk="1" latinLnBrk="0" hangingPunct="1">
+      <a:defRPr sz="1200" kern="1200">
+        <a:solidFill>
+          <a:schemeClr val="tx1"/>
+        </a:solidFill>
+        <a:latin typeface="+mn-lt"/>
+        <a:ea typeface="+mn-ea"/>
+        <a:cs typeface="+mn-cs"/>
+      </a:defRPr>
+    </a:lvl7pPr>
+    <a:lvl8pPr marL="3200400" algn="l" defTabSz="914400" rtl="0" eaLnBrk="1" latinLnBrk="0" hangingPunct="1">
+      <a:defRPr sz="1200" kern="1200">
+        <a:solidFill>
+          <a:schemeClr val="tx1"/>
+        </a:solidFill>
+        <a:latin typeface="+mn-lt"/>
+        <a:ea typeface="+mn-ea"/>
+        <a:cs typeface="+mn-cs"/>
+      </a:defRPr>
+    </a:lvl8pPr>
+    <a:lvl9pPr marL="3657600" algn="l" defTabSz="914400" rtl="0" eaLnBrk="1" latinLnBrk="0" hangingPunct="1">
+      <a:defRPr sz="1200" kern="1200">
+        <a:solidFill>
+          <a:schemeClr val="tx1"/>
+        </a:solidFill>
+        <a:latin typeface="+mn-lt"/>
+        <a:ea typeface="+mn-ea"/>
+        <a:cs typeface="+mn-cs"/>
+      </a:defRPr>
+    </a:lvl9pPr>
+  </p:notesStyle>
+</p:notesMaster>
+</file>
+
+<file path=ppt/notesSlides/notesSlide1.xml><?xml version="1.0" encoding="utf-8"?>
+<p:notes xmlns:a="http://schemas.openxmlformats.org/drawingml/2006/main" xmlns:r="http://schemas.openxmlformats.org/officeDocument/2006/relationships" xmlns:p="http://schemas.openxmlformats.org/presentationml/2006/main">
+  <p:cSld>
+    <p:spTree>
+      <p:nvGrpSpPr>
+        <p:cNvPr id="1" name=""/>
+        <p:cNvGrpSpPr/>
+        <p:nvPr/>
+      </p:nvGrpSpPr>
+      <p:grpSpPr>
+        <a:xfrm>
+          <a:off x="0" y="0"/>
+          <a:ext cx="0" cy="0"/>
+          <a:chOff x="0" y="0"/>
+          <a:chExt cx="0" cy="0"/>
+        </a:xfrm>
+      </p:grpSpPr>
+      <p:sp>
+        <p:nvSpPr>
+          <p:cNvPr id="2" name="Slide Image Placeholder 1"/>
+          <p:cNvSpPr>
+            <a:spLocks noGrp="1" noRot="1" noChangeAspect="1"/>
+          </p:cNvSpPr>
+          <p:nvPr>
+            <p:ph type="sldImg"/>
+          </p:nvPr>
+        </p:nvSpPr>
+        <p:spPr/>
+      </p:sp>
+      <p:sp>
+        <p:nvSpPr>
+          <p:cNvPr id="3" name="Notes Placeholder 2"/>
+          <p:cNvSpPr>
+            <a:spLocks noGrp="1"/>
+          </p:cNvSpPr>
+          <p:nvPr>
+            <p:ph type="body" idx="1"/>
+          </p:nvPr>
+        </p:nvSpPr>
+        <p:spPr/>
+        <p:txBody>
+          <a:bodyPr/>
+          <a:lstStyle/>
+          <a:p>
+            <a:pPr algn="l" fontAlgn="base">
+              <a:buFont typeface="+mj-lt"/>
+              <a:buAutoNum type="arabicPeriod"/>
+            </a:pPr>
+            <a:r>
+              <a:rPr lang="en-GB" b="0" i="0" dirty="0">
+                <a:solidFill>
+                  <a:srgbClr val="FFFFFF"/>
+                </a:solidFill>
+                <a:effectLst/>
+                <a:latin typeface="var(--sds-font-family-01)"/>
+              </a:rPr>
+              <a:t>LSTM(128, activation='</a:t>
+            </a:r>
+            <a:r>
+              <a:rPr lang="en-GB" b="0" i="0" dirty="0" err="1">
+                <a:solidFill>
+                  <a:srgbClr val="FFFFFF"/>
+                </a:solidFill>
+                <a:effectLst/>
+                <a:latin typeface="var(--sds-font-family-01)"/>
+              </a:rPr>
+              <a:t>relu</a:t>
+            </a:r>
+            <a:r>
+              <a:rPr lang="en-GB" b="0" i="0" dirty="0">
+                <a:solidFill>
+                  <a:srgbClr val="FFFFFF"/>
+                </a:solidFill>
+                <a:effectLst/>
+                <a:latin typeface="var(--sds-font-family-01)"/>
+              </a:rPr>
+              <a:t>', </a:t>
+            </a:r>
+            <a:r>
+              <a:rPr lang="en-GB" b="0" i="0" dirty="0" err="1">
+                <a:solidFill>
+                  <a:srgbClr val="FFFFFF"/>
+                </a:solidFill>
+                <a:effectLst/>
+                <a:latin typeface="var(--sds-font-family-01)"/>
+              </a:rPr>
+              <a:t>input_shape</a:t>
+            </a:r>
+            <a:r>
+              <a:rPr lang="en-GB" b="0" i="0" dirty="0">
+                <a:solidFill>
+                  <a:srgbClr val="FFFFFF"/>
+                </a:solidFill>
+                <a:effectLst/>
+                <a:latin typeface="var(--sds-font-family-01)"/>
+              </a:rPr>
+              <a:t>=(1, </a:t>
+            </a:r>
+            <a:r>
+              <a:rPr lang="en-GB" b="0" i="0" dirty="0" err="1">
+                <a:solidFill>
+                  <a:srgbClr val="FFFFFF"/>
+                </a:solidFill>
+                <a:effectLst/>
+                <a:latin typeface="var(--sds-font-family-01)"/>
+              </a:rPr>
+              <a:t>X_train_seq.shape</a:t>
+            </a:r>
+            <a:r>
+              <a:rPr lang="en-GB" b="0" i="0" dirty="0">
+                <a:solidFill>
+                  <a:srgbClr val="FFFFFF"/>
+                </a:solidFill>
+                <a:effectLst/>
+                <a:latin typeface="var(--sds-font-family-01)"/>
+              </a:rPr>
+              <a:t>[2])): This defines the first layer, which is a Long Short-Term Memory (LSTM) layer with 128 units and a </a:t>
+            </a:r>
+            <a:r>
+              <a:rPr lang="en-GB" b="0" i="0" dirty="0" err="1">
+                <a:solidFill>
+                  <a:srgbClr val="FFFFFF"/>
+                </a:solidFill>
+                <a:effectLst/>
+                <a:latin typeface="var(--sds-font-family-01)"/>
+              </a:rPr>
+              <a:t>ReLU</a:t>
+            </a:r>
+            <a:r>
+              <a:rPr lang="en-GB" b="0" i="0" dirty="0">
+                <a:solidFill>
+                  <a:srgbClr val="FFFFFF"/>
+                </a:solidFill>
+                <a:effectLst/>
+                <a:latin typeface="var(--sds-font-family-01)"/>
+              </a:rPr>
+              <a:t> activation function. The input shape is set to (1, </a:t>
+            </a:r>
+            <a:r>
+              <a:rPr lang="en-GB" b="0" i="0" dirty="0" err="1">
+                <a:solidFill>
+                  <a:srgbClr val="FFFFFF"/>
+                </a:solidFill>
+                <a:effectLst/>
+                <a:latin typeface="var(--sds-font-family-01)"/>
+              </a:rPr>
+              <a:t>X_train_seq.shape</a:t>
+            </a:r>
+            <a:r>
+              <a:rPr lang="en-GB" b="0" i="0" dirty="0">
+                <a:solidFill>
+                  <a:srgbClr val="FFFFFF"/>
+                </a:solidFill>
+                <a:effectLst/>
+                <a:latin typeface="var(--sds-font-family-01)"/>
+              </a:rPr>
+              <a:t>[2]), which means the model expects a sequence of length 1 with the same number of features as the training data.</a:t>
+            </a:r>
+          </a:p>
+          <a:p>
+            <a:pPr algn="l" fontAlgn="base">
+              <a:buFont typeface="+mj-lt"/>
+              <a:buAutoNum type="arabicPeriod"/>
+            </a:pPr>
+            <a:r>
+              <a:rPr lang="en-GB" b="0" i="0" dirty="0">
+                <a:solidFill>
+                  <a:srgbClr val="FFFFFF"/>
+                </a:solidFill>
+                <a:effectLst/>
+                <a:latin typeface="var(--sds-font-family-01)"/>
+              </a:rPr>
+              <a:t>Dropout(0.3): This adds a dropout layer with a dropout rate of 0.3 to the model, which helps prevent overfitting.</a:t>
+            </a:r>
+          </a:p>
+          <a:p>
+            <a:pPr algn="l" fontAlgn="base">
+              <a:buFont typeface="+mj-lt"/>
+              <a:buAutoNum type="arabicPeriod"/>
+            </a:pPr>
+            <a:r>
+              <a:rPr lang="en-GB" b="0" i="0" dirty="0">
+                <a:solidFill>
+                  <a:srgbClr val="FFFFFF"/>
+                </a:solidFill>
+                <a:effectLst/>
+                <a:latin typeface="var(--sds-font-family-01)"/>
+              </a:rPr>
+              <a:t>Dense(64, activation='</a:t>
+            </a:r>
+            <a:r>
+              <a:rPr lang="en-GB" b="0" i="0" dirty="0" err="1">
+                <a:solidFill>
+                  <a:srgbClr val="FFFFFF"/>
+                </a:solidFill>
+                <a:effectLst/>
+                <a:latin typeface="var(--sds-font-family-01)"/>
+              </a:rPr>
+              <a:t>relu</a:t>
+            </a:r>
+            <a:r>
+              <a:rPr lang="en-GB" b="0" i="0" dirty="0">
+                <a:solidFill>
+                  <a:srgbClr val="FFFFFF"/>
+                </a:solidFill>
+                <a:effectLst/>
+                <a:latin typeface="var(--sds-font-family-01)"/>
+              </a:rPr>
+              <a:t>'): This adds a dense (fully connected) layer with 64 units and a </a:t>
+            </a:r>
+            <a:r>
+              <a:rPr lang="en-GB" b="0" i="0" dirty="0" err="1">
+                <a:solidFill>
+                  <a:srgbClr val="FFFFFF"/>
+                </a:solidFill>
+                <a:effectLst/>
+                <a:latin typeface="var(--sds-font-family-01)"/>
+              </a:rPr>
+              <a:t>ReLU</a:t>
+            </a:r>
+            <a:r>
+              <a:rPr lang="en-GB" b="0" i="0" dirty="0">
+                <a:solidFill>
+                  <a:srgbClr val="FFFFFF"/>
+                </a:solidFill>
+                <a:effectLst/>
+                <a:latin typeface="var(--sds-font-family-01)"/>
+              </a:rPr>
+              <a:t> activation function.</a:t>
+            </a:r>
+          </a:p>
+          <a:p>
+            <a:pPr algn="l" fontAlgn="base">
+              <a:buFont typeface="+mj-lt"/>
+              <a:buAutoNum type="arabicPeriod"/>
+            </a:pPr>
+            <a:r>
+              <a:rPr lang="en-GB" b="0" i="0" dirty="0">
+                <a:solidFill>
+                  <a:srgbClr val="FFFFFF"/>
+                </a:solidFill>
+                <a:effectLst/>
+                <a:latin typeface="var(--sds-font-family-01)"/>
+              </a:rPr>
+              <a:t>Dropout(0.2): Another dropout layer with a dropout rate of 0.2.</a:t>
+            </a:r>
+          </a:p>
+          <a:p>
+            <a:pPr algn="l" fontAlgn="base">
+              <a:buFont typeface="+mj-lt"/>
+              <a:buAutoNum type="arabicPeriod"/>
+            </a:pPr>
+            <a:r>
+              <a:rPr lang="en-GB" b="0" i="0" dirty="0">
+                <a:solidFill>
+                  <a:srgbClr val="FFFFFF"/>
+                </a:solidFill>
+                <a:effectLst/>
+                <a:latin typeface="var(--sds-font-family-01)"/>
+              </a:rPr>
+              <a:t>Dense(1): The final dense layer with a single output unit, which represents the predicted sales value.</a:t>
+            </a:r>
+          </a:p>
+        </p:txBody>
+      </p:sp>
+      <p:sp>
+        <p:nvSpPr>
+          <p:cNvPr id="4" name="Slide Number Placeholder 3"/>
+          <p:cNvSpPr>
+            <a:spLocks noGrp="1"/>
+          </p:cNvSpPr>
+          <p:nvPr>
+            <p:ph type="sldNum" sz="quarter" idx="5"/>
+          </p:nvPr>
+        </p:nvSpPr>
+        <p:spPr/>
+        <p:txBody>
+          <a:bodyPr/>
+          <a:lstStyle/>
+          <a:p>
+            <a:fld id="{A0597DCE-CD42-064F-96DA-441DF0E120C3}" type="slidenum">
+              <a:rPr lang="en-DE" smtClean="0"/>
+              <a:t>6</a:t>
+            </a:fld>
+            <a:endParaRPr lang="en-DE"/>
+          </a:p>
+        </p:txBody>
+      </p:sp>
+    </p:spTree>
+    <p:extLst>
+      <p:ext uri="{BB962C8B-B14F-4D97-AF65-F5344CB8AC3E}">
+        <p14:creationId xmlns:p14="http://schemas.microsoft.com/office/powerpoint/2010/main" val="2650645140"/>
+      </p:ext>
+    </p:extLst>
+  </p:cSld>
+  <p:clrMapOvr>
+    <a:masterClrMapping/>
+  </p:clrMapOvr>
+</p:notes>
+</file>
+
+<file path=ppt/notesSlides/notesSlide2.xml><?xml version="1.0" encoding="utf-8"?>
+<p:notes xmlns:a="http://schemas.openxmlformats.org/drawingml/2006/main" xmlns:r="http://schemas.openxmlformats.org/officeDocument/2006/relationships" xmlns:p="http://schemas.openxmlformats.org/presentationml/2006/main">
+  <p:cSld>
+    <p:spTree>
+      <p:nvGrpSpPr>
+        <p:cNvPr id="1" name=""/>
+        <p:cNvGrpSpPr/>
+        <p:nvPr/>
+      </p:nvGrpSpPr>
+      <p:grpSpPr>
+        <a:xfrm>
+          <a:off x="0" y="0"/>
+          <a:ext cx="0" cy="0"/>
+          <a:chOff x="0" y="0"/>
+          <a:chExt cx="0" cy="0"/>
+        </a:xfrm>
+      </p:grpSpPr>
+      <p:sp>
+        <p:nvSpPr>
+          <p:cNvPr id="2" name="Slide Image Placeholder 1"/>
+          <p:cNvSpPr>
+            <a:spLocks noGrp="1" noRot="1" noChangeAspect="1"/>
+          </p:cNvSpPr>
+          <p:nvPr>
+            <p:ph type="sldImg"/>
+          </p:nvPr>
+        </p:nvSpPr>
+        <p:spPr/>
+      </p:sp>
+      <p:sp>
+        <p:nvSpPr>
+          <p:cNvPr id="3" name="Notes Placeholder 2"/>
+          <p:cNvSpPr>
+            <a:spLocks noGrp="1"/>
+          </p:cNvSpPr>
+          <p:nvPr>
+            <p:ph type="body" idx="1"/>
+          </p:nvPr>
+        </p:nvSpPr>
+        <p:spPr/>
+        <p:txBody>
+          <a:bodyPr/>
+          <a:lstStyle/>
+          <a:p>
+            <a:pPr algn="l" fontAlgn="base">
+              <a:buFont typeface="+mj-lt"/>
+              <a:buAutoNum type="arabicPeriod"/>
+            </a:pPr>
+            <a:r>
+              <a:rPr lang="en-GB" b="0" i="0" dirty="0">
+                <a:solidFill>
+                  <a:srgbClr val="FFFFFF"/>
+                </a:solidFill>
+                <a:effectLst/>
+                <a:latin typeface="var(--sds-font-family-01)"/>
+              </a:rPr>
+              <a:t>The model is compiled with the following settings:</a:t>
+            </a:r>
+          </a:p>
+          <a:p>
+            <a:pPr marL="742950" lvl="1" indent="-285750" algn="l" fontAlgn="base">
+              <a:buFont typeface="+mj-lt"/>
+              <a:buAutoNum type="arabicPeriod"/>
+            </a:pPr>
+            <a:r>
+              <a:rPr lang="en-GB" b="1" i="0" dirty="0">
+                <a:solidFill>
+                  <a:srgbClr val="FFFFFF"/>
+                </a:solidFill>
+                <a:effectLst/>
+                <a:latin typeface="Menlo" panose="020B0609030804020204" pitchFamily="49" charset="0"/>
+                <a:ea typeface="Menlo" panose="020B0609030804020204" pitchFamily="49" charset="0"/>
+                <a:cs typeface="Menlo" panose="020B0609030804020204" pitchFamily="49" charset="0"/>
+              </a:rPr>
+              <a:t>optimizer='</a:t>
+            </a:r>
+            <a:r>
+              <a:rPr lang="en-GB" b="1" i="0" dirty="0" err="1">
+                <a:solidFill>
+                  <a:srgbClr val="FFFFFF"/>
+                </a:solidFill>
+                <a:effectLst/>
+                <a:latin typeface="Menlo" panose="020B0609030804020204" pitchFamily="49" charset="0"/>
+                <a:ea typeface="Menlo" panose="020B0609030804020204" pitchFamily="49" charset="0"/>
+                <a:cs typeface="Menlo" panose="020B0609030804020204" pitchFamily="49" charset="0"/>
+              </a:rPr>
+              <a:t>adam</a:t>
+            </a:r>
+            <a:r>
+              <a:rPr lang="en-GB" b="1" i="0" dirty="0">
+                <a:solidFill>
+                  <a:srgbClr val="FFFFFF"/>
+                </a:solidFill>
+                <a:effectLst/>
+                <a:latin typeface="Menlo" panose="020B0609030804020204" pitchFamily="49" charset="0"/>
+                <a:ea typeface="Menlo" panose="020B0609030804020204" pitchFamily="49" charset="0"/>
+                <a:cs typeface="Menlo" panose="020B0609030804020204" pitchFamily="49" charset="0"/>
+              </a:rPr>
+              <a:t>'</a:t>
+            </a:r>
+            <a:r>
+              <a:rPr lang="en-GB" b="0" i="0" dirty="0">
+                <a:solidFill>
+                  <a:srgbClr val="FFFFFF"/>
+                </a:solidFill>
+                <a:effectLst/>
+                <a:latin typeface="Menlo" panose="020B0609030804020204" pitchFamily="49" charset="0"/>
+                <a:ea typeface="Menlo" panose="020B0609030804020204" pitchFamily="49" charset="0"/>
+                <a:cs typeface="Menlo" panose="020B0609030804020204" pitchFamily="49" charset="0"/>
+              </a:rPr>
+              <a:t>: </a:t>
+            </a:r>
+            <a:r>
+              <a:rPr lang="en-GB" b="0" i="0" dirty="0">
+                <a:solidFill>
+                  <a:srgbClr val="FFFFFF"/>
+                </a:solidFill>
+                <a:effectLst/>
+                <a:latin typeface="var(--sds-font-family-01)"/>
+              </a:rPr>
+              <a:t>The Adam optimization algorithm is used to update the model's weights during training.</a:t>
+            </a:r>
+          </a:p>
+          <a:p>
+            <a:pPr marL="742950" lvl="1" indent="-285750" algn="l" fontAlgn="base">
+              <a:buFont typeface="+mj-lt"/>
+              <a:buAutoNum type="arabicPeriod"/>
+            </a:pPr>
+            <a:r>
+              <a:rPr lang="en-GB" b="1" i="0" dirty="0">
+                <a:solidFill>
+                  <a:srgbClr val="FFFFFF"/>
+                </a:solidFill>
+                <a:effectLst/>
+                <a:latin typeface="var(--sds-font-family-01)"/>
+              </a:rPr>
+              <a:t>loss='</a:t>
+            </a:r>
+            <a:r>
+              <a:rPr lang="en-GB" b="1" i="0" dirty="0" err="1">
+                <a:solidFill>
+                  <a:srgbClr val="FFFFFF"/>
+                </a:solidFill>
+                <a:effectLst/>
+                <a:latin typeface="var(--sds-font-family-01)"/>
+              </a:rPr>
+              <a:t>mse</a:t>
+            </a:r>
+            <a:r>
+              <a:rPr lang="en-GB" b="1" i="0" dirty="0">
+                <a:solidFill>
+                  <a:srgbClr val="FFFFFF"/>
+                </a:solidFill>
+                <a:effectLst/>
+                <a:latin typeface="var(--sds-font-family-01)"/>
+              </a:rPr>
+              <a:t>'</a:t>
+            </a:r>
+            <a:r>
+              <a:rPr lang="en-GB" b="0" i="0" dirty="0">
+                <a:solidFill>
+                  <a:srgbClr val="FFFFFF"/>
+                </a:solidFill>
+                <a:effectLst/>
+                <a:latin typeface="var(--sds-font-family-01)"/>
+              </a:rPr>
+              <a:t>: The mean squared error (MSE) loss function is used to measure the difference between the predicted and actual sales values.</a:t>
+            </a:r>
+          </a:p>
+          <a:p>
+            <a:pPr marL="742950" lvl="1" indent="-285750" algn="l" fontAlgn="base">
+              <a:buFont typeface="+mj-lt"/>
+              <a:buAutoNum type="arabicPeriod"/>
+            </a:pPr>
+            <a:r>
+              <a:rPr lang="en-GB" b="1" i="0" dirty="0">
+                <a:solidFill>
+                  <a:srgbClr val="FFFFFF"/>
+                </a:solidFill>
+                <a:effectLst/>
+                <a:latin typeface="Menlo" panose="020B0609030804020204" pitchFamily="49" charset="0"/>
+                <a:ea typeface="Menlo" panose="020B0609030804020204" pitchFamily="49" charset="0"/>
+                <a:cs typeface="Menlo" panose="020B0609030804020204" pitchFamily="49" charset="0"/>
+              </a:rPr>
+              <a:t>metrics=['</a:t>
+            </a:r>
+            <a:r>
+              <a:rPr lang="en-GB" b="1" i="0" dirty="0" err="1">
+                <a:solidFill>
+                  <a:srgbClr val="FFFFFF"/>
+                </a:solidFill>
+                <a:effectLst/>
+                <a:latin typeface="Menlo" panose="020B0609030804020204" pitchFamily="49" charset="0"/>
+                <a:ea typeface="Menlo" panose="020B0609030804020204" pitchFamily="49" charset="0"/>
+                <a:cs typeface="Menlo" panose="020B0609030804020204" pitchFamily="49" charset="0"/>
+              </a:rPr>
+              <a:t>mean_absolute_percentage_error</a:t>
+            </a:r>
+            <a:r>
+              <a:rPr lang="en-GB" b="1" i="0" dirty="0">
+                <a:solidFill>
+                  <a:srgbClr val="FFFFFF"/>
+                </a:solidFill>
+                <a:effectLst/>
+                <a:latin typeface="Menlo" panose="020B0609030804020204" pitchFamily="49" charset="0"/>
+                <a:ea typeface="Menlo" panose="020B0609030804020204" pitchFamily="49" charset="0"/>
+                <a:cs typeface="Menlo" panose="020B0609030804020204" pitchFamily="49" charset="0"/>
+              </a:rPr>
+              <a:t>']</a:t>
+            </a:r>
+            <a:r>
+              <a:rPr lang="en-GB" b="0" i="0" dirty="0">
+                <a:solidFill>
+                  <a:srgbClr val="FFFFFF"/>
+                </a:solidFill>
+                <a:effectLst/>
+                <a:latin typeface="Menlo" panose="020B0609030804020204" pitchFamily="49" charset="0"/>
+                <a:ea typeface="Menlo" panose="020B0609030804020204" pitchFamily="49" charset="0"/>
+                <a:cs typeface="Menlo" panose="020B0609030804020204" pitchFamily="49" charset="0"/>
+              </a:rPr>
+              <a:t>: </a:t>
+            </a:r>
+            <a:r>
+              <a:rPr lang="en-GB" b="0" i="0" dirty="0">
+                <a:solidFill>
+                  <a:srgbClr val="FFFFFF"/>
+                </a:solidFill>
+                <a:effectLst/>
+                <a:latin typeface="var(--sds-font-family-01)"/>
+              </a:rPr>
+              <a:t>(MAPE) metric is used to evaluate the model's performance during training and validation.</a:t>
+            </a:r>
+          </a:p>
+          <a:p>
+            <a:pPr algn="l" fontAlgn="base">
+              <a:buFont typeface="+mj-lt"/>
+              <a:buAutoNum type="arabicPeriod"/>
+            </a:pPr>
+            <a:r>
+              <a:rPr lang="en-GB" b="0" i="0" dirty="0">
+                <a:solidFill>
+                  <a:srgbClr val="FFFFFF"/>
+                </a:solidFill>
+                <a:effectLst/>
+                <a:latin typeface="var(--sds-font-family-01)"/>
+              </a:rPr>
+              <a:t>The </a:t>
+            </a:r>
+            <a:r>
+              <a:rPr lang="en-GB" b="0" i="0" dirty="0" err="1">
+                <a:solidFill>
+                  <a:srgbClr val="FFFFFF"/>
+                </a:solidFill>
+                <a:effectLst/>
+                <a:latin typeface="var(--sds-font-family-01)"/>
+              </a:rPr>
+              <a:t>callbacks</a:t>
+            </a:r>
+            <a:r>
+              <a:rPr lang="en-GB" b="0" i="0" dirty="0">
+                <a:solidFill>
+                  <a:srgbClr val="FFFFFF"/>
+                </a:solidFill>
+                <a:effectLst/>
+                <a:latin typeface="var(--sds-font-family-01)"/>
+              </a:rPr>
+              <a:t> list includes two important </a:t>
+            </a:r>
+            <a:r>
+              <a:rPr lang="en-GB" b="0" i="0" dirty="0" err="1">
+                <a:solidFill>
+                  <a:srgbClr val="FFFFFF"/>
+                </a:solidFill>
+                <a:effectLst/>
+                <a:latin typeface="var(--sds-font-family-01)"/>
+              </a:rPr>
+              <a:t>callbacks</a:t>
+            </a:r>
+            <a:r>
+              <a:rPr lang="en-GB" b="0" i="0" dirty="0">
+                <a:solidFill>
+                  <a:srgbClr val="FFFFFF"/>
+                </a:solidFill>
+                <a:effectLst/>
+                <a:latin typeface="var(--sds-font-family-01)"/>
+              </a:rPr>
+              <a:t>:</a:t>
+            </a:r>
+          </a:p>
+          <a:p>
+            <a:pPr marL="742950" lvl="1" indent="-285750" algn="l" fontAlgn="base">
+              <a:buFont typeface="+mj-lt"/>
+              <a:buAutoNum type="arabicPeriod"/>
+            </a:pPr>
+            <a:r>
+              <a:rPr lang="en-GB" b="1" i="0" dirty="0" err="1">
+                <a:solidFill>
+                  <a:srgbClr val="FFFFFF"/>
+                </a:solidFill>
+                <a:effectLst/>
+                <a:latin typeface="var(--sds-font-family-01)"/>
+              </a:rPr>
+              <a:t>EarlyStopping</a:t>
+            </a:r>
+            <a:r>
+              <a:rPr lang="en-GB" b="1" i="0" dirty="0">
+                <a:solidFill>
+                  <a:srgbClr val="FFFFFF"/>
+                </a:solidFill>
+                <a:effectLst/>
+                <a:latin typeface="var(--sds-font-family-01)"/>
+              </a:rPr>
+              <a:t>(monitor='</a:t>
+            </a:r>
+            <a:r>
+              <a:rPr lang="en-GB" b="1" i="0" dirty="0" err="1">
+                <a:solidFill>
+                  <a:srgbClr val="FFFFFF"/>
+                </a:solidFill>
+                <a:effectLst/>
+                <a:latin typeface="var(--sds-font-family-01)"/>
+              </a:rPr>
+              <a:t>val_loss</a:t>
+            </a:r>
+            <a:r>
+              <a:rPr lang="en-GB" b="1" i="0" dirty="0">
+                <a:solidFill>
+                  <a:srgbClr val="FFFFFF"/>
+                </a:solidFill>
+                <a:effectLst/>
+                <a:latin typeface="var(--sds-font-family-01)"/>
+              </a:rPr>
+              <a:t>', patience=20, </a:t>
+            </a:r>
+            <a:r>
+              <a:rPr lang="en-GB" b="1" i="0" dirty="0" err="1">
+                <a:solidFill>
+                  <a:srgbClr val="FFFFFF"/>
+                </a:solidFill>
+                <a:effectLst/>
+                <a:latin typeface="var(--sds-font-family-01)"/>
+              </a:rPr>
+              <a:t>restore_best_weights</a:t>
+            </a:r>
+            <a:r>
+              <a:rPr lang="en-GB" b="1" i="0" dirty="0">
+                <a:solidFill>
+                  <a:srgbClr val="FFFFFF"/>
+                </a:solidFill>
+                <a:effectLst/>
+                <a:latin typeface="var(--sds-font-family-01)"/>
+              </a:rPr>
+              <a:t>=True)</a:t>
+            </a:r>
+            <a:r>
+              <a:rPr lang="en-GB" b="0" i="0" dirty="0">
+                <a:solidFill>
+                  <a:srgbClr val="FFFFFF"/>
+                </a:solidFill>
+                <a:effectLst/>
+                <a:latin typeface="var(--sds-font-family-01)"/>
+              </a:rPr>
+              <a:t>: This </a:t>
+            </a:r>
+            <a:r>
+              <a:rPr lang="en-GB" b="0" i="0" dirty="0" err="1">
+                <a:solidFill>
+                  <a:srgbClr val="FFFFFF"/>
+                </a:solidFill>
+                <a:effectLst/>
+                <a:latin typeface="var(--sds-font-family-01)"/>
+              </a:rPr>
+              <a:t>callback</a:t>
+            </a:r>
+            <a:r>
+              <a:rPr lang="en-GB" b="0" i="0" dirty="0">
+                <a:solidFill>
+                  <a:srgbClr val="FFFFFF"/>
+                </a:solidFill>
+                <a:effectLst/>
+                <a:latin typeface="var(--sds-font-family-01)"/>
+              </a:rPr>
+              <a:t> monitors the validation loss and stops the training if the validation loss does not improve for 20 epochs. It also restores the weights of the best-performing model.</a:t>
+            </a:r>
+          </a:p>
+          <a:p>
+            <a:pPr marL="742950" lvl="1" indent="-285750" algn="l" fontAlgn="base">
+              <a:buFont typeface="+mj-lt"/>
+              <a:buAutoNum type="arabicPeriod"/>
+            </a:pPr>
+            <a:r>
+              <a:rPr lang="en-GB" b="1" i="0" dirty="0" err="1">
+                <a:solidFill>
+                  <a:srgbClr val="FFFFFF"/>
+                </a:solidFill>
+                <a:effectLst/>
+                <a:latin typeface="var(--sds-font-family-01)"/>
+              </a:rPr>
+              <a:t>ModelCheckpoint</a:t>
+            </a:r>
+            <a:r>
+              <a:rPr lang="en-GB" b="1" i="0" dirty="0">
+                <a:solidFill>
+                  <a:srgbClr val="FFFFFF"/>
+                </a:solidFill>
+                <a:effectLst/>
+                <a:latin typeface="var(--sds-font-family-01)"/>
+              </a:rPr>
+              <a:t>('</a:t>
+            </a:r>
+            <a:r>
+              <a:rPr lang="en-GB" b="1" i="0" dirty="0" err="1">
+                <a:solidFill>
+                  <a:srgbClr val="FFFFFF"/>
+                </a:solidFill>
+                <a:effectLst/>
+                <a:latin typeface="var(--sds-font-family-01)"/>
+              </a:rPr>
+              <a:t>best_model.keras</a:t>
+            </a:r>
+            <a:r>
+              <a:rPr lang="en-GB" b="1" i="0" dirty="0">
+                <a:solidFill>
+                  <a:srgbClr val="FFFFFF"/>
+                </a:solidFill>
+                <a:effectLst/>
+                <a:latin typeface="var(--sds-font-family-01)"/>
+              </a:rPr>
+              <a:t>', monitor='</a:t>
+            </a:r>
+            <a:r>
+              <a:rPr lang="en-GB" b="1" i="0" dirty="0" err="1">
+                <a:solidFill>
+                  <a:srgbClr val="FFFFFF"/>
+                </a:solidFill>
+                <a:effectLst/>
+                <a:latin typeface="var(--sds-font-family-01)"/>
+              </a:rPr>
+              <a:t>val_loss</a:t>
+            </a:r>
+            <a:r>
+              <a:rPr lang="en-GB" b="1" i="0" dirty="0">
+                <a:solidFill>
+                  <a:srgbClr val="FFFFFF"/>
+                </a:solidFill>
+                <a:effectLst/>
+                <a:latin typeface="var(--sds-font-family-01)"/>
+              </a:rPr>
+              <a:t>', </a:t>
+            </a:r>
+            <a:r>
+              <a:rPr lang="en-GB" b="1" i="0" dirty="0" err="1">
+                <a:solidFill>
+                  <a:srgbClr val="FFFFFF"/>
+                </a:solidFill>
+                <a:effectLst/>
+                <a:latin typeface="var(--sds-font-family-01)"/>
+              </a:rPr>
+              <a:t>save_best_only</a:t>
+            </a:r>
+            <a:r>
+              <a:rPr lang="en-GB" b="1" i="0" dirty="0">
+                <a:solidFill>
+                  <a:srgbClr val="FFFFFF"/>
+                </a:solidFill>
+                <a:effectLst/>
+                <a:latin typeface="var(--sds-font-family-01)"/>
+              </a:rPr>
+              <a:t>=True)</a:t>
+            </a:r>
+            <a:r>
+              <a:rPr lang="en-GB" b="0" i="0" dirty="0">
+                <a:solidFill>
+                  <a:srgbClr val="FFFFFF"/>
+                </a:solidFill>
+                <a:effectLst/>
+                <a:latin typeface="var(--sds-font-family-01)"/>
+              </a:rPr>
+              <a:t>: This </a:t>
+            </a:r>
+            <a:r>
+              <a:rPr lang="en-GB" b="0" i="0" dirty="0" err="1">
+                <a:solidFill>
+                  <a:srgbClr val="FFFFFF"/>
+                </a:solidFill>
+                <a:effectLst/>
+                <a:latin typeface="var(--sds-font-family-01)"/>
+              </a:rPr>
+              <a:t>callback</a:t>
+            </a:r>
+            <a:r>
+              <a:rPr lang="en-GB" b="0" i="0" dirty="0">
+                <a:solidFill>
+                  <a:srgbClr val="FFFFFF"/>
+                </a:solidFill>
+                <a:effectLst/>
+                <a:latin typeface="var(--sds-font-family-01)"/>
+              </a:rPr>
+              <a:t> saves the best-performing model (based on the validation loss) to the file '</a:t>
+            </a:r>
+            <a:r>
+              <a:rPr lang="en-GB" b="0" i="0" dirty="0" err="1">
+                <a:solidFill>
+                  <a:srgbClr val="FFFFFF"/>
+                </a:solidFill>
+                <a:effectLst/>
+                <a:latin typeface="var(--sds-font-family-01)"/>
+              </a:rPr>
+              <a:t>best_model.keras</a:t>
+            </a:r>
+            <a:r>
+              <a:rPr lang="en-GB" b="0" i="0" dirty="0">
+                <a:solidFill>
+                  <a:srgbClr val="FFFFFF"/>
+                </a:solidFill>
+                <a:effectLst/>
+                <a:latin typeface="var(--sds-font-family-01)"/>
+              </a:rPr>
+              <a:t>'.</a:t>
+            </a:r>
+          </a:p>
+          <a:p>
+            <a:pPr algn="l" fontAlgn="base">
+              <a:buFont typeface="+mj-lt"/>
+              <a:buAutoNum type="arabicPeriod"/>
+            </a:pPr>
+            <a:r>
+              <a:rPr lang="en-GB" b="0" i="0" dirty="0">
+                <a:solidFill>
+                  <a:srgbClr val="FFFFFF"/>
+                </a:solidFill>
+                <a:effectLst/>
+                <a:latin typeface="var(--sds-font-family-01)"/>
+              </a:rPr>
+              <a:t>The </a:t>
+            </a:r>
+            <a:r>
+              <a:rPr lang="en-GB" b="0" i="0" dirty="0" err="1">
+                <a:solidFill>
+                  <a:srgbClr val="FFFFFF"/>
+                </a:solidFill>
+                <a:effectLst/>
+                <a:latin typeface="var(--sds-font-family-01)"/>
+              </a:rPr>
+              <a:t>model.fit</a:t>
+            </a:r>
+            <a:r>
+              <a:rPr lang="en-GB" b="0" i="0" dirty="0">
+                <a:solidFill>
+                  <a:srgbClr val="FFFFFF"/>
+                </a:solidFill>
+                <a:effectLst/>
+                <a:latin typeface="var(--sds-font-family-01)"/>
+              </a:rPr>
+              <a:t>() function is called to train the model. It takes the following arguments:</a:t>
+            </a:r>
+          </a:p>
+          <a:p>
+            <a:pPr marL="742950" lvl="1" indent="-285750" algn="l" fontAlgn="base">
+              <a:buFont typeface="+mj-lt"/>
+              <a:buAutoNum type="arabicPeriod"/>
+            </a:pPr>
+            <a:r>
+              <a:rPr lang="en-GB" b="1" i="0" dirty="0" err="1">
+                <a:solidFill>
+                  <a:srgbClr val="FFFFFF"/>
+                </a:solidFill>
+                <a:effectLst/>
+                <a:latin typeface="var(--sds-font-family-01)"/>
+              </a:rPr>
+              <a:t>X_train_seq</a:t>
+            </a:r>
+            <a:r>
+              <a:rPr lang="en-GB" b="1" i="0" dirty="0">
+                <a:solidFill>
+                  <a:srgbClr val="FFFFFF"/>
+                </a:solidFill>
+                <a:effectLst/>
+                <a:latin typeface="var(--sds-font-family-01)"/>
+              </a:rPr>
+              <a:t> </a:t>
+            </a:r>
+            <a:r>
+              <a:rPr lang="en-GB" b="0" i="0" dirty="0">
+                <a:solidFill>
+                  <a:srgbClr val="FFFFFF"/>
+                </a:solidFill>
+                <a:effectLst/>
+                <a:latin typeface="var(--sds-font-family-01)"/>
+              </a:rPr>
+              <a:t>and </a:t>
+            </a:r>
+            <a:r>
+              <a:rPr lang="en-GB" b="1" i="0" dirty="0" err="1">
+                <a:solidFill>
+                  <a:srgbClr val="FFFFFF"/>
+                </a:solidFill>
+                <a:effectLst/>
+                <a:latin typeface="var(--sds-font-family-01)"/>
+              </a:rPr>
+              <a:t>y_train_seq</a:t>
+            </a:r>
+            <a:r>
+              <a:rPr lang="en-GB" b="0" i="0" dirty="0">
+                <a:solidFill>
+                  <a:srgbClr val="FFFFFF"/>
+                </a:solidFill>
+                <a:effectLst/>
+                <a:latin typeface="var(--sds-font-family-01)"/>
+              </a:rPr>
+              <a:t>: The training input and target data.</a:t>
+            </a:r>
+          </a:p>
+          <a:p>
+            <a:pPr marL="742950" lvl="1" indent="-285750" algn="l" fontAlgn="base">
+              <a:buFont typeface="+mj-lt"/>
+              <a:buAutoNum type="arabicPeriod"/>
+            </a:pPr>
+            <a:r>
+              <a:rPr lang="en-GB" b="1" i="0" dirty="0">
+                <a:solidFill>
+                  <a:srgbClr val="FFFFFF"/>
+                </a:solidFill>
+                <a:effectLst/>
+                <a:latin typeface="var(--sds-font-family-01)"/>
+              </a:rPr>
+              <a:t>epochs=150</a:t>
+            </a:r>
+            <a:r>
+              <a:rPr lang="en-GB" b="0" i="0" dirty="0">
+                <a:solidFill>
+                  <a:srgbClr val="FFFFFF"/>
+                </a:solidFill>
+                <a:effectLst/>
+                <a:latin typeface="var(--sds-font-family-01)"/>
+              </a:rPr>
+              <a:t>: The number of training epochs.</a:t>
+            </a:r>
+          </a:p>
+          <a:p>
+            <a:pPr marL="742950" lvl="1" indent="-285750" algn="l" fontAlgn="base">
+              <a:buFont typeface="+mj-lt"/>
+              <a:buAutoNum type="arabicPeriod"/>
+            </a:pPr>
+            <a:r>
+              <a:rPr lang="en-GB" b="1" i="0" dirty="0" err="1">
+                <a:solidFill>
+                  <a:srgbClr val="FFFFFF"/>
+                </a:solidFill>
+                <a:effectLst/>
+                <a:latin typeface="var(--sds-font-family-01)"/>
+              </a:rPr>
+              <a:t>batch_size</a:t>
+            </a:r>
+            <a:r>
+              <a:rPr lang="en-GB" b="1" i="0" dirty="0">
+                <a:solidFill>
+                  <a:srgbClr val="FFFFFF"/>
+                </a:solidFill>
+                <a:effectLst/>
+                <a:latin typeface="var(--sds-font-family-01)"/>
+              </a:rPr>
+              <a:t>=32</a:t>
+            </a:r>
+            <a:r>
+              <a:rPr lang="en-GB" b="0" i="0" dirty="0">
+                <a:solidFill>
+                  <a:srgbClr val="FFFFFF"/>
+                </a:solidFill>
+                <a:effectLst/>
+                <a:latin typeface="var(--sds-font-family-01)"/>
+              </a:rPr>
+              <a:t>: The batch size used during training.</a:t>
+            </a:r>
+          </a:p>
+          <a:p>
+            <a:pPr marL="742950" lvl="1" indent="-285750" algn="l" fontAlgn="base">
+              <a:buFont typeface="+mj-lt"/>
+              <a:buAutoNum type="arabicPeriod"/>
+            </a:pPr>
+            <a:r>
+              <a:rPr lang="en-GB" b="1" i="0" dirty="0" err="1">
+                <a:solidFill>
+                  <a:srgbClr val="FFFFFF"/>
+                </a:solidFill>
+                <a:effectLst/>
+                <a:latin typeface="var(--sds-font-family-01)"/>
+              </a:rPr>
+              <a:t>validation_data</a:t>
+            </a:r>
+            <a:r>
+              <a:rPr lang="en-GB" b="1" i="0" dirty="0">
+                <a:solidFill>
+                  <a:srgbClr val="FFFFFF"/>
+                </a:solidFill>
+                <a:effectLst/>
+                <a:latin typeface="var(--sds-font-family-01)"/>
+              </a:rPr>
+              <a:t>=(</a:t>
+            </a:r>
+            <a:r>
+              <a:rPr lang="en-GB" b="1" i="0" dirty="0" err="1">
+                <a:solidFill>
+                  <a:srgbClr val="FFFFFF"/>
+                </a:solidFill>
+                <a:effectLst/>
+                <a:latin typeface="var(--sds-font-family-01)"/>
+              </a:rPr>
+              <a:t>X_val_seq</a:t>
+            </a:r>
+            <a:r>
+              <a:rPr lang="en-GB" b="1" i="0" dirty="0">
+                <a:solidFill>
+                  <a:srgbClr val="FFFFFF"/>
+                </a:solidFill>
+                <a:effectLst/>
+                <a:latin typeface="var(--sds-font-family-01)"/>
+              </a:rPr>
+              <a:t>, </a:t>
+            </a:r>
+            <a:r>
+              <a:rPr lang="en-GB" b="1" i="0" dirty="0" err="1">
+                <a:solidFill>
+                  <a:srgbClr val="FFFFFF"/>
+                </a:solidFill>
+                <a:effectLst/>
+                <a:latin typeface="var(--sds-font-family-01)"/>
+              </a:rPr>
+              <a:t>y_val_seq</a:t>
+            </a:r>
+            <a:r>
+              <a:rPr lang="en-GB" b="1" i="0" dirty="0">
+                <a:solidFill>
+                  <a:srgbClr val="FFFFFF"/>
+                </a:solidFill>
+                <a:effectLst/>
+                <a:latin typeface="var(--sds-font-family-01)"/>
+              </a:rPr>
+              <a:t>)</a:t>
+            </a:r>
+            <a:r>
+              <a:rPr lang="en-GB" b="0" i="0" dirty="0">
+                <a:solidFill>
+                  <a:srgbClr val="FFFFFF"/>
+                </a:solidFill>
+                <a:effectLst/>
+                <a:latin typeface="var(--sds-font-family-01)"/>
+              </a:rPr>
+              <a:t>: The validation input and target data.</a:t>
+            </a:r>
+          </a:p>
+        </p:txBody>
+      </p:sp>
+      <p:sp>
+        <p:nvSpPr>
+          <p:cNvPr id="4" name="Slide Number Placeholder 3"/>
+          <p:cNvSpPr>
+            <a:spLocks noGrp="1"/>
+          </p:cNvSpPr>
+          <p:nvPr>
+            <p:ph type="sldNum" sz="quarter" idx="5"/>
+          </p:nvPr>
+        </p:nvSpPr>
+        <p:spPr/>
+        <p:txBody>
+          <a:bodyPr/>
+          <a:lstStyle/>
+          <a:p>
+            <a:fld id="{A0597DCE-CD42-064F-96DA-441DF0E120C3}" type="slidenum">
+              <a:rPr lang="en-DE" smtClean="0"/>
+              <a:t>7</a:t>
+            </a:fld>
+            <a:endParaRPr lang="en-DE"/>
+          </a:p>
+        </p:txBody>
+      </p:sp>
+    </p:spTree>
+    <p:extLst>
+      <p:ext uri="{BB962C8B-B14F-4D97-AF65-F5344CB8AC3E}">
+        <p14:creationId xmlns:p14="http://schemas.microsoft.com/office/powerpoint/2010/main" val="2817831938"/>
+      </p:ext>
+    </p:extLst>
+  </p:cSld>
+  <p:clrMapOvr>
+    <a:masterClrMapping/>
+  </p:clrMapOvr>
+</p:notes>
 </file>
 
 <file path=ppt/slideLayouts/slideLayout1.xml><?xml version="1.0" encoding="utf-8"?>
@@ -264,7 +1713,7 @@
           <a:p>
             <a:fld id="{DD07FE25-1F89-43A2-9B43-88BD93BA2E34}" type="datetimeFigureOut">
               <a:rPr lang="LID4096" smtClean="0"/>
-              <a:t>01/08/2025</a:t>
+              <a:t>1/8/25</a:t>
             </a:fld>
             <a:endParaRPr lang="LID4096"/>
           </a:p>
@@ -464,7 +1913,7 @@
           <a:p>
             <a:fld id="{DD07FE25-1F89-43A2-9B43-88BD93BA2E34}" type="datetimeFigureOut">
               <a:rPr lang="LID4096" smtClean="0"/>
-              <a:t>01/08/2025</a:t>
+              <a:t>1/8/25</a:t>
             </a:fld>
             <a:endParaRPr lang="LID4096"/>
           </a:p>
@@ -674,7 +2123,7 @@
           <a:p>
             <a:fld id="{DD07FE25-1F89-43A2-9B43-88BD93BA2E34}" type="datetimeFigureOut">
               <a:rPr lang="LID4096" smtClean="0"/>
-              <a:t>01/08/2025</a:t>
+              <a:t>1/8/25</a:t>
             </a:fld>
             <a:endParaRPr lang="LID4096"/>
           </a:p>
@@ -874,7 +2323,7 @@
           <a:p>
             <a:fld id="{DD07FE25-1F89-43A2-9B43-88BD93BA2E34}" type="datetimeFigureOut">
               <a:rPr lang="LID4096" smtClean="0"/>
-              <a:t>01/08/2025</a:t>
+              <a:t>1/8/25</a:t>
             </a:fld>
             <a:endParaRPr lang="LID4096"/>
           </a:p>
@@ -1150,7 +2599,7 @@
           <a:p>
             <a:fld id="{DD07FE25-1F89-43A2-9B43-88BD93BA2E34}" type="datetimeFigureOut">
               <a:rPr lang="LID4096" smtClean="0"/>
-              <a:t>01/08/2025</a:t>
+              <a:t>1/8/25</a:t>
             </a:fld>
             <a:endParaRPr lang="LID4096"/>
           </a:p>
@@ -1418,7 +2867,7 @@
           <a:p>
             <a:fld id="{DD07FE25-1F89-43A2-9B43-88BD93BA2E34}" type="datetimeFigureOut">
               <a:rPr lang="LID4096" smtClean="0"/>
-              <a:t>01/08/2025</a:t>
+              <a:t>1/8/25</a:t>
             </a:fld>
             <a:endParaRPr lang="LID4096"/>
           </a:p>
@@ -1833,7 +3282,7 @@
           <a:p>
             <a:fld id="{DD07FE25-1F89-43A2-9B43-88BD93BA2E34}" type="datetimeFigureOut">
               <a:rPr lang="LID4096" smtClean="0"/>
-              <a:t>01/08/2025</a:t>
+              <a:t>1/8/25</a:t>
             </a:fld>
             <a:endParaRPr lang="LID4096"/>
           </a:p>
@@ -1975,7 +3424,7 @@
           <a:p>
             <a:fld id="{DD07FE25-1F89-43A2-9B43-88BD93BA2E34}" type="datetimeFigureOut">
               <a:rPr lang="LID4096" smtClean="0"/>
-              <a:t>01/08/2025</a:t>
+              <a:t>1/8/25</a:t>
             </a:fld>
             <a:endParaRPr lang="LID4096"/>
           </a:p>
@@ -2088,7 +3537,7 @@
           <a:p>
             <a:fld id="{DD07FE25-1F89-43A2-9B43-88BD93BA2E34}" type="datetimeFigureOut">
               <a:rPr lang="LID4096" smtClean="0"/>
-              <a:t>01/08/2025</a:t>
+              <a:t>1/8/25</a:t>
             </a:fld>
             <a:endParaRPr lang="LID4096"/>
           </a:p>
@@ -2401,7 +3850,7 @@
           <a:p>
             <a:fld id="{DD07FE25-1F89-43A2-9B43-88BD93BA2E34}" type="datetimeFigureOut">
               <a:rPr lang="LID4096" smtClean="0"/>
-              <a:t>01/08/2025</a:t>
+              <a:t>1/8/25</a:t>
             </a:fld>
             <a:endParaRPr lang="LID4096"/>
           </a:p>
@@ -2690,7 +4139,7 @@
           <a:p>
             <a:fld id="{DD07FE25-1F89-43A2-9B43-88BD93BA2E34}" type="datetimeFigureOut">
               <a:rPr lang="LID4096" smtClean="0"/>
-              <a:t>01/08/2025</a:t>
+              <a:t>1/8/25</a:t>
             </a:fld>
             <a:endParaRPr lang="LID4096"/>
           </a:p>
@@ -2933,7 +4382,7 @@
           <a:p>
             <a:fld id="{DD07FE25-1F89-43A2-9B43-88BD93BA2E34}" type="datetimeFigureOut">
               <a:rPr lang="LID4096" smtClean="0"/>
-              <a:t>01/08/2025</a:t>
+              <a:t>1/8/25</a:t>
             </a:fld>
             <a:endParaRPr lang="LID4096"/>
           </a:p>
@@ -3350,6 +4799,54 @@
           <a:chExt cx="0" cy="0"/>
         </a:xfrm>
       </p:grpSpPr>
+      <p:pic>
+        <p:nvPicPr>
+          <p:cNvPr id="1026" name="Picture 2" descr="Pastries GIFs | Tenor">
+            <a:extLst>
+              <a:ext uri="{FF2B5EF4-FFF2-40B4-BE49-F238E27FC236}">
+                <a16:creationId xmlns:a16="http://schemas.microsoft.com/office/drawing/2014/main" id="{F4C98316-6E50-6149-9DBD-44F1F70E70CC}"/>
+              </a:ext>
+            </a:extLst>
+          </p:cNvPr>
+          <p:cNvPicPr>
+            <a:picLocks noChangeAspect="1" noChangeArrowheads="1"/>
+          </p:cNvPicPr>
+          <p:nvPr/>
+        </p:nvPicPr>
+        <p:blipFill>
+          <a:blip r:embed="rId2">
+            <a:alphaModFix amt="82000"/>
+            <a:extLst>
+              <a:ext uri="{28A0092B-C50C-407E-A947-70E740481C1C}">
+                <a14:useLocalDpi xmlns:a14="http://schemas.microsoft.com/office/drawing/2010/main" val="0"/>
+              </a:ext>
+            </a:extLst>
+          </a:blip>
+          <a:srcRect/>
+          <a:stretch>
+            <a:fillRect/>
+          </a:stretch>
+        </p:blipFill>
+        <p:spPr bwMode="auto">
+          <a:xfrm>
+            <a:off x="130629" y="0"/>
+            <a:ext cx="4764928" cy="6949600"/>
+          </a:xfrm>
+          <a:prstGeom prst="rect">
+            <a:avLst/>
+          </a:prstGeom>
+          <a:noFill/>
+          <a:extLst>
+            <a:ext uri="{909E8E84-426E-40DD-AFC4-6F175D3DCCD1}">
+              <a14:hiddenFill xmlns:a14="http://schemas.microsoft.com/office/drawing/2010/main">
+                <a:solidFill>
+                  <a:srgbClr val="FFFFFF"/>
+                </a:solidFill>
+              </a14:hiddenFill>
+            </a:ext>
+          </a:extLst>
+        </p:spPr>
+      </p:pic>
       <p:sp>
         <p:nvSpPr>
           <p:cNvPr id="2" name="Title 1">
@@ -3371,6 +4868,7 @@
           <a:bodyPr/>
           <a:lstStyle/>
           <a:p>
+            <a:pPr algn="r"/>
             <a:r>
               <a:rPr lang="en-US" dirty="0"/>
               <a:t>Bakery sales predictions</a:t>
@@ -3431,6 +4929,581 @@
     <p:extLst>
       <p:ext uri="{BB962C8B-B14F-4D97-AF65-F5344CB8AC3E}">
         <p14:creationId xmlns:p14="http://schemas.microsoft.com/office/powerpoint/2010/main" val="440567249"/>
+      </p:ext>
+    </p:extLst>
+  </p:cSld>
+  <p:clrMapOvr>
+    <a:masterClrMapping/>
+  </p:clrMapOvr>
+</p:sld>
+</file>
+
+<file path=ppt/slides/slide10.xml><?xml version="1.0" encoding="utf-8"?>
+<p:sld xmlns:a="http://schemas.openxmlformats.org/drawingml/2006/main" xmlns:r="http://schemas.openxmlformats.org/officeDocument/2006/relationships" xmlns:p="http://schemas.openxmlformats.org/presentationml/2006/main">
+  <p:cSld>
+    <p:spTree>
+      <p:nvGrpSpPr>
+        <p:cNvPr id="1" name=""/>
+        <p:cNvGrpSpPr/>
+        <p:nvPr/>
+      </p:nvGrpSpPr>
+      <p:grpSpPr>
+        <a:xfrm>
+          <a:off x="0" y="0"/>
+          <a:ext cx="0" cy="0"/>
+          <a:chOff x="0" y="0"/>
+          <a:chExt cx="0" cy="0"/>
+        </a:xfrm>
+      </p:grpSpPr>
+      <p:sp>
+        <p:nvSpPr>
+          <p:cNvPr id="2" name="Title 1">
+            <a:extLst>
+              <a:ext uri="{FF2B5EF4-FFF2-40B4-BE49-F238E27FC236}">
+                <a16:creationId xmlns:a16="http://schemas.microsoft.com/office/drawing/2014/main" id="{8DEDDB36-B4E7-4A0C-90B0-08C2C5BACC71}"/>
+              </a:ext>
+            </a:extLst>
+          </p:cNvPr>
+          <p:cNvSpPr>
+            <a:spLocks noGrp="1"/>
+          </p:cNvSpPr>
+          <p:nvPr>
+            <p:ph type="title"/>
+          </p:nvPr>
+        </p:nvSpPr>
+        <p:spPr/>
+        <p:txBody>
+          <a:bodyPr/>
+          <a:lstStyle/>
+          <a:p>
+            <a:r>
+              <a:rPr lang="en-GB" dirty="0"/>
+              <a:t>Worst Fail / Best Improvement</a:t>
+            </a:r>
+            <a:endParaRPr lang="LID4096" dirty="0"/>
+          </a:p>
+        </p:txBody>
+      </p:sp>
+      <p:sp>
+        <p:nvSpPr>
+          <p:cNvPr id="3" name="Content Placeholder 2">
+            <a:extLst>
+              <a:ext uri="{FF2B5EF4-FFF2-40B4-BE49-F238E27FC236}">
+                <a16:creationId xmlns:a16="http://schemas.microsoft.com/office/drawing/2014/main" id="{04AAD76D-5C72-4595-9658-BFE4D84616B8}"/>
+              </a:ext>
+            </a:extLst>
+          </p:cNvPr>
+          <p:cNvSpPr>
+            <a:spLocks noGrp="1"/>
+          </p:cNvSpPr>
+          <p:nvPr>
+            <p:ph idx="1"/>
+          </p:nvPr>
+        </p:nvSpPr>
+        <p:spPr/>
+        <p:txBody>
+          <a:bodyPr>
+            <a:normAutofit/>
+          </a:bodyPr>
+          <a:lstStyle/>
+          <a:p>
+            <a:pPr marL="0" indent="0">
+              <a:buNone/>
+            </a:pPr>
+            <a:r>
+              <a:rPr lang="en-US" b="1" dirty="0"/>
+              <a:t>Worst fail: </a:t>
+            </a:r>
+            <a:r>
+              <a:rPr lang="en-US" dirty="0"/>
+              <a:t>insufficient data inspection/visualization</a:t>
+            </a:r>
+          </a:p>
+          <a:p>
+            <a:pPr lvl="1"/>
+            <a:r>
+              <a:rPr lang="en-US" i="1" dirty="0"/>
+              <a:t>“Hey Steffen, </a:t>
+            </a:r>
+            <a:r>
+              <a:rPr lang="en-US" i="1" dirty="0" err="1"/>
+              <a:t>kann</a:t>
+            </a:r>
+            <a:r>
+              <a:rPr lang="en-US" i="1" dirty="0"/>
+              <a:t> es sein, </a:t>
+            </a:r>
+            <a:r>
+              <a:rPr lang="en-US" i="1" dirty="0" err="1"/>
+              <a:t>dass</a:t>
+            </a:r>
+            <a:r>
+              <a:rPr lang="en-US" i="1" dirty="0"/>
+              <a:t> da </a:t>
+            </a:r>
+            <a:r>
+              <a:rPr lang="en-US" i="1" dirty="0" err="1"/>
+              <a:t>Daten</a:t>
+            </a:r>
+            <a:r>
+              <a:rPr lang="en-US" i="1" dirty="0"/>
+              <a:t> </a:t>
+            </a:r>
+            <a:r>
+              <a:rPr lang="en-US" i="1" dirty="0" err="1"/>
+              <a:t>fehlen</a:t>
+            </a:r>
+            <a:r>
+              <a:rPr lang="en-US" i="1" dirty="0"/>
+              <a:t>?”</a:t>
+            </a:r>
+          </a:p>
+          <a:p>
+            <a:pPr lvl="1"/>
+            <a:r>
+              <a:rPr lang="en-US" i="1" dirty="0" err="1"/>
+              <a:t>Warengruppe</a:t>
+            </a:r>
+            <a:r>
+              <a:rPr lang="en-US" i="1" dirty="0"/>
+              <a:t> 6 (MAPE 50%)</a:t>
+            </a:r>
+          </a:p>
+          <a:p>
+            <a:pPr marL="0" indent="0">
+              <a:buNone/>
+            </a:pPr>
+            <a:endParaRPr lang="en-US" dirty="0"/>
+          </a:p>
+          <a:p>
+            <a:pPr marL="0" indent="0">
+              <a:buNone/>
+            </a:pPr>
+            <a:r>
+              <a:rPr lang="en-US" b="1" dirty="0"/>
+              <a:t>Best improvement:</a:t>
+            </a:r>
+            <a:r>
+              <a:rPr lang="en-US" dirty="0"/>
+              <a:t> learning rate scheduler</a:t>
+            </a:r>
+          </a:p>
+          <a:p>
+            <a:pPr marL="457200" lvl="1" indent="0">
+              <a:buNone/>
+            </a:pPr>
+            <a:r>
+              <a:rPr lang="en-GB" sz="1800" b="0" dirty="0">
+                <a:solidFill>
+                  <a:srgbClr val="0000FF"/>
+                </a:solidFill>
+                <a:effectLst/>
+                <a:latin typeface="Menlo" panose="020B0609030804020204" pitchFamily="49" charset="0"/>
+              </a:rPr>
+              <a:t>def</a:t>
+            </a:r>
+            <a:r>
+              <a:rPr lang="en-GB" sz="1800" b="0" dirty="0">
+                <a:solidFill>
+                  <a:srgbClr val="000000"/>
+                </a:solidFill>
+                <a:effectLst/>
+                <a:latin typeface="Menlo" panose="020B0609030804020204" pitchFamily="49" charset="0"/>
+              </a:rPr>
+              <a:t> </a:t>
+            </a:r>
+            <a:r>
+              <a:rPr lang="en-GB" sz="1800" b="0" dirty="0" err="1">
+                <a:solidFill>
+                  <a:srgbClr val="795E26"/>
+                </a:solidFill>
+                <a:effectLst/>
+                <a:latin typeface="Menlo" panose="020B0609030804020204" pitchFamily="49" charset="0"/>
+              </a:rPr>
+              <a:t>lr_schedule</a:t>
+            </a:r>
+            <a:r>
+              <a:rPr lang="en-GB" sz="1800" b="0" dirty="0">
+                <a:solidFill>
+                  <a:srgbClr val="000000"/>
+                </a:solidFill>
+                <a:effectLst/>
+                <a:latin typeface="Menlo" panose="020B0609030804020204" pitchFamily="49" charset="0"/>
+              </a:rPr>
+              <a:t>(</a:t>
+            </a:r>
+            <a:r>
+              <a:rPr lang="en-GB" sz="1800" b="0" dirty="0">
+                <a:solidFill>
+                  <a:srgbClr val="001080"/>
+                </a:solidFill>
+                <a:effectLst/>
+                <a:latin typeface="Menlo" panose="020B0609030804020204" pitchFamily="49" charset="0"/>
+              </a:rPr>
+              <a:t>epoch</a:t>
+            </a:r>
+            <a:r>
+              <a:rPr lang="en-GB" sz="1800" b="0" dirty="0">
+                <a:solidFill>
+                  <a:srgbClr val="000000"/>
+                </a:solidFill>
+                <a:effectLst/>
+                <a:latin typeface="Menlo" panose="020B0609030804020204" pitchFamily="49" charset="0"/>
+              </a:rPr>
+              <a:t>, </a:t>
+            </a:r>
+            <a:r>
+              <a:rPr lang="en-GB" sz="1800" b="0" dirty="0" err="1">
+                <a:solidFill>
+                  <a:srgbClr val="001080"/>
+                </a:solidFill>
+                <a:effectLst/>
+                <a:latin typeface="Menlo" panose="020B0609030804020204" pitchFamily="49" charset="0"/>
+              </a:rPr>
+              <a:t>lr</a:t>
+            </a:r>
+            <a:r>
+              <a:rPr lang="en-GB" sz="1800" b="0" dirty="0">
+                <a:solidFill>
+                  <a:srgbClr val="000000"/>
+                </a:solidFill>
+                <a:effectLst/>
+                <a:latin typeface="Menlo" panose="020B0609030804020204" pitchFamily="49" charset="0"/>
+              </a:rPr>
+              <a:t>):</a:t>
+            </a:r>
+          </a:p>
+          <a:p>
+            <a:pPr marL="457200" lvl="1" indent="0">
+              <a:buNone/>
+            </a:pPr>
+            <a:r>
+              <a:rPr lang="en-GB" sz="1800" b="0" dirty="0" err="1">
+                <a:solidFill>
+                  <a:srgbClr val="001080"/>
+                </a:solidFill>
+                <a:effectLst/>
+                <a:latin typeface="Menlo" panose="020B0609030804020204" pitchFamily="49" charset="0"/>
+              </a:rPr>
+              <a:t>initial_lr</a:t>
+            </a:r>
+            <a:r>
+              <a:rPr lang="en-GB" sz="1800" b="0" dirty="0">
+                <a:solidFill>
+                  <a:srgbClr val="000000"/>
+                </a:solidFill>
+                <a:effectLst/>
+                <a:latin typeface="Menlo" panose="020B0609030804020204" pitchFamily="49" charset="0"/>
+              </a:rPr>
+              <a:t> = </a:t>
+            </a:r>
+            <a:r>
+              <a:rPr lang="en-GB" sz="1800" b="0" dirty="0">
+                <a:solidFill>
+                  <a:srgbClr val="098658"/>
+                </a:solidFill>
+                <a:effectLst/>
+                <a:latin typeface="Menlo" panose="020B0609030804020204" pitchFamily="49" charset="0"/>
+              </a:rPr>
+              <a:t>0.01</a:t>
+            </a:r>
+            <a:r>
+              <a:rPr lang="en-GB" sz="1800" b="0" dirty="0">
+                <a:solidFill>
+                  <a:srgbClr val="000000"/>
+                </a:solidFill>
+                <a:effectLst/>
+                <a:latin typeface="Menlo" panose="020B0609030804020204" pitchFamily="49" charset="0"/>
+              </a:rPr>
+              <a:t> </a:t>
+            </a:r>
+            <a:r>
+              <a:rPr lang="en-GB" sz="1800" b="0" dirty="0">
+                <a:solidFill>
+                  <a:srgbClr val="008000"/>
+                </a:solidFill>
+                <a:effectLst/>
+                <a:latin typeface="Menlo" panose="020B0609030804020204" pitchFamily="49" charset="0"/>
+              </a:rPr>
+              <a:t># Start with this learning rate</a:t>
+            </a:r>
+            <a:endParaRPr lang="en-GB" sz="1800" b="0" dirty="0">
+              <a:solidFill>
+                <a:srgbClr val="000000"/>
+              </a:solidFill>
+              <a:effectLst/>
+              <a:latin typeface="Menlo" panose="020B0609030804020204" pitchFamily="49" charset="0"/>
+            </a:endParaRPr>
+          </a:p>
+          <a:p>
+            <a:pPr marL="457200" lvl="1" indent="0">
+              <a:buNone/>
+            </a:pPr>
+            <a:r>
+              <a:rPr lang="en-GB" sz="1800" b="0" dirty="0" err="1">
+                <a:solidFill>
+                  <a:srgbClr val="001080"/>
+                </a:solidFill>
+                <a:effectLst/>
+                <a:latin typeface="Menlo" panose="020B0609030804020204" pitchFamily="49" charset="0"/>
+              </a:rPr>
+              <a:t>decay_rate</a:t>
+            </a:r>
+            <a:r>
+              <a:rPr lang="en-GB" sz="1800" b="0" dirty="0">
+                <a:solidFill>
+                  <a:srgbClr val="000000"/>
+                </a:solidFill>
+                <a:effectLst/>
+                <a:latin typeface="Menlo" panose="020B0609030804020204" pitchFamily="49" charset="0"/>
+              </a:rPr>
+              <a:t> = </a:t>
+            </a:r>
+            <a:r>
+              <a:rPr lang="en-GB" sz="1800" b="0" dirty="0">
+                <a:solidFill>
+                  <a:srgbClr val="098658"/>
+                </a:solidFill>
+                <a:effectLst/>
+                <a:latin typeface="Menlo" panose="020B0609030804020204" pitchFamily="49" charset="0"/>
+              </a:rPr>
+              <a:t>0.1</a:t>
+            </a:r>
+            <a:r>
+              <a:rPr lang="en-GB" sz="1800" b="0" dirty="0">
+                <a:solidFill>
+                  <a:srgbClr val="000000"/>
+                </a:solidFill>
+                <a:effectLst/>
+                <a:latin typeface="Menlo" panose="020B0609030804020204" pitchFamily="49" charset="0"/>
+              </a:rPr>
+              <a:t> </a:t>
+            </a:r>
+            <a:r>
+              <a:rPr lang="en-GB" sz="1800" b="0" dirty="0">
+                <a:solidFill>
+                  <a:srgbClr val="008000"/>
+                </a:solidFill>
+                <a:effectLst/>
+                <a:latin typeface="Menlo" panose="020B0609030804020204" pitchFamily="49" charset="0"/>
+              </a:rPr>
+              <a:t># Decay rate</a:t>
+            </a:r>
+            <a:endParaRPr lang="en-GB" sz="1800" b="0" dirty="0">
+              <a:solidFill>
+                <a:srgbClr val="000000"/>
+              </a:solidFill>
+              <a:effectLst/>
+              <a:latin typeface="Menlo" panose="020B0609030804020204" pitchFamily="49" charset="0"/>
+            </a:endParaRPr>
+          </a:p>
+          <a:p>
+            <a:pPr marL="457200" lvl="1" indent="0">
+              <a:buNone/>
+            </a:pPr>
+            <a:r>
+              <a:rPr lang="en-GB" sz="1800" b="0" dirty="0" err="1">
+                <a:solidFill>
+                  <a:srgbClr val="001080"/>
+                </a:solidFill>
+                <a:effectLst/>
+                <a:latin typeface="Menlo" panose="020B0609030804020204" pitchFamily="49" charset="0"/>
+              </a:rPr>
+              <a:t>decay_steps</a:t>
+            </a:r>
+            <a:r>
+              <a:rPr lang="en-GB" sz="1800" b="0" dirty="0">
+                <a:solidFill>
+                  <a:srgbClr val="000000"/>
+                </a:solidFill>
+                <a:effectLst/>
+                <a:latin typeface="Menlo" panose="020B0609030804020204" pitchFamily="49" charset="0"/>
+              </a:rPr>
+              <a:t> = </a:t>
+            </a:r>
+            <a:r>
+              <a:rPr lang="en-GB" sz="1800" b="0" dirty="0">
+                <a:solidFill>
+                  <a:srgbClr val="098658"/>
+                </a:solidFill>
+                <a:effectLst/>
+                <a:latin typeface="Menlo" panose="020B0609030804020204" pitchFamily="49" charset="0"/>
+              </a:rPr>
+              <a:t>10</a:t>
+            </a:r>
+            <a:r>
+              <a:rPr lang="en-GB" sz="1800" b="0" dirty="0">
+                <a:solidFill>
+                  <a:srgbClr val="000000"/>
+                </a:solidFill>
+                <a:effectLst/>
+                <a:latin typeface="Menlo" panose="020B0609030804020204" pitchFamily="49" charset="0"/>
+              </a:rPr>
+              <a:t> </a:t>
+            </a:r>
+            <a:r>
+              <a:rPr lang="en-GB" sz="1800" b="0" dirty="0">
+                <a:solidFill>
+                  <a:srgbClr val="008000"/>
+                </a:solidFill>
+                <a:effectLst/>
+                <a:latin typeface="Menlo" panose="020B0609030804020204" pitchFamily="49" charset="0"/>
+              </a:rPr>
+              <a:t># Epochs after which to decay</a:t>
+            </a:r>
+            <a:endParaRPr lang="en-GB" sz="1800" b="0" dirty="0">
+              <a:solidFill>
+                <a:srgbClr val="000000"/>
+              </a:solidFill>
+              <a:effectLst/>
+              <a:latin typeface="Menlo" panose="020B0609030804020204" pitchFamily="49" charset="0"/>
+            </a:endParaRPr>
+          </a:p>
+          <a:p>
+            <a:pPr marL="457200" lvl="1" indent="0">
+              <a:buNone/>
+            </a:pPr>
+            <a:r>
+              <a:rPr lang="en-GB" sz="1800" b="0" dirty="0">
+                <a:solidFill>
+                  <a:srgbClr val="AF00DB"/>
+                </a:solidFill>
+                <a:effectLst/>
+                <a:latin typeface="Menlo" panose="020B0609030804020204" pitchFamily="49" charset="0"/>
+              </a:rPr>
+              <a:t>return</a:t>
+            </a:r>
+            <a:r>
+              <a:rPr lang="en-GB" sz="1800" b="0" dirty="0">
+                <a:solidFill>
+                  <a:srgbClr val="000000"/>
+                </a:solidFill>
+                <a:effectLst/>
+                <a:latin typeface="Menlo" panose="020B0609030804020204" pitchFamily="49" charset="0"/>
+              </a:rPr>
+              <a:t> </a:t>
+            </a:r>
+            <a:r>
+              <a:rPr lang="en-GB" sz="1800" b="0" dirty="0" err="1">
+                <a:solidFill>
+                  <a:srgbClr val="001080"/>
+                </a:solidFill>
+                <a:effectLst/>
+                <a:latin typeface="Menlo" panose="020B0609030804020204" pitchFamily="49" charset="0"/>
+              </a:rPr>
+              <a:t>initial_lr</a:t>
+            </a:r>
+            <a:r>
+              <a:rPr lang="en-GB" sz="1800" b="0" dirty="0">
+                <a:solidFill>
+                  <a:srgbClr val="000000"/>
+                </a:solidFill>
+                <a:effectLst/>
+                <a:latin typeface="Menlo" panose="020B0609030804020204" pitchFamily="49" charset="0"/>
+              </a:rPr>
+              <a:t> * </a:t>
+            </a:r>
+            <a:r>
+              <a:rPr lang="en-GB" sz="1800" b="0" dirty="0" err="1">
+                <a:solidFill>
+                  <a:srgbClr val="267F99"/>
+                </a:solidFill>
+                <a:effectLst/>
+                <a:latin typeface="Menlo" panose="020B0609030804020204" pitchFamily="49" charset="0"/>
+              </a:rPr>
+              <a:t>np</a:t>
+            </a:r>
+            <a:r>
+              <a:rPr lang="en-GB" sz="1800" b="0" dirty="0" err="1">
+                <a:solidFill>
+                  <a:srgbClr val="000000"/>
+                </a:solidFill>
+                <a:effectLst/>
+                <a:latin typeface="Menlo" panose="020B0609030804020204" pitchFamily="49" charset="0"/>
+              </a:rPr>
+              <a:t>.exp</a:t>
+            </a:r>
+            <a:r>
+              <a:rPr lang="en-GB" sz="1800" b="0" dirty="0">
+                <a:solidFill>
+                  <a:srgbClr val="000000"/>
+                </a:solidFill>
+                <a:effectLst/>
+                <a:latin typeface="Menlo" panose="020B0609030804020204" pitchFamily="49" charset="0"/>
+              </a:rPr>
+              <a:t>(-</a:t>
+            </a:r>
+            <a:r>
+              <a:rPr lang="en-GB" sz="1800" b="0" dirty="0" err="1">
+                <a:solidFill>
+                  <a:srgbClr val="001080"/>
+                </a:solidFill>
+                <a:effectLst/>
+                <a:latin typeface="Menlo" panose="020B0609030804020204" pitchFamily="49" charset="0"/>
+              </a:rPr>
+              <a:t>decay_rate</a:t>
+            </a:r>
+            <a:r>
+              <a:rPr lang="en-GB" sz="1800" b="0" dirty="0">
+                <a:solidFill>
+                  <a:srgbClr val="000000"/>
+                </a:solidFill>
+                <a:effectLst/>
+                <a:latin typeface="Menlo" panose="020B0609030804020204" pitchFamily="49" charset="0"/>
+              </a:rPr>
+              <a:t> * (</a:t>
+            </a:r>
+            <a:r>
+              <a:rPr lang="en-GB" sz="1800" b="0" dirty="0">
+                <a:solidFill>
+                  <a:srgbClr val="001080"/>
+                </a:solidFill>
+                <a:effectLst/>
+                <a:latin typeface="Menlo" panose="020B0609030804020204" pitchFamily="49" charset="0"/>
+              </a:rPr>
+              <a:t>epoch</a:t>
+            </a:r>
+            <a:r>
+              <a:rPr lang="en-GB" sz="1800" b="0" dirty="0">
+                <a:solidFill>
+                  <a:srgbClr val="000000"/>
+                </a:solidFill>
+                <a:effectLst/>
+                <a:latin typeface="Menlo" panose="020B0609030804020204" pitchFamily="49" charset="0"/>
+              </a:rPr>
+              <a:t> / </a:t>
+            </a:r>
+            <a:r>
+              <a:rPr lang="en-GB" sz="1800" b="0" dirty="0" err="1">
+                <a:solidFill>
+                  <a:srgbClr val="001080"/>
+                </a:solidFill>
+                <a:effectLst/>
+                <a:latin typeface="Menlo" panose="020B0609030804020204" pitchFamily="49" charset="0"/>
+              </a:rPr>
+              <a:t>decay_steps</a:t>
+            </a:r>
+            <a:r>
+              <a:rPr lang="en-GB" sz="1800" b="0" dirty="0">
+                <a:solidFill>
+                  <a:srgbClr val="000000"/>
+                </a:solidFill>
+                <a:effectLst/>
+                <a:latin typeface="Menlo" panose="020B0609030804020204" pitchFamily="49" charset="0"/>
+              </a:rPr>
+              <a:t>))</a:t>
+            </a:r>
+          </a:p>
+          <a:p>
+            <a:pPr lvl="1"/>
+            <a:endParaRPr lang="LID4096" dirty="0"/>
+          </a:p>
+        </p:txBody>
+      </p:sp>
+    </p:spTree>
+    <p:extLst>
+      <p:ext uri="{BB962C8B-B14F-4D97-AF65-F5344CB8AC3E}">
+        <p14:creationId xmlns:p14="http://schemas.microsoft.com/office/powerpoint/2010/main" val="3383484908"/>
       </p:ext>
     </p:extLst>
   </p:cSld>
@@ -3457,75 +5530,6 @@
           <a:chExt cx="0" cy="0"/>
         </a:xfrm>
       </p:grpSpPr>
-      <p:sp>
-        <p:nvSpPr>
-          <p:cNvPr id="2" name="Title 1">
-            <a:extLst>
-              <a:ext uri="{FF2B5EF4-FFF2-40B4-BE49-F238E27FC236}">
-                <a16:creationId xmlns:a16="http://schemas.microsoft.com/office/drawing/2014/main" id="{A967FBF6-688E-40E2-BED3-004C4987CC92}"/>
-              </a:ext>
-            </a:extLst>
-          </p:cNvPr>
-          <p:cNvSpPr>
-            <a:spLocks noGrp="1"/>
-          </p:cNvSpPr>
-          <p:nvPr>
-            <p:ph type="title"/>
-          </p:nvPr>
-        </p:nvSpPr>
-        <p:spPr/>
-        <p:txBody>
-          <a:bodyPr/>
-          <a:lstStyle/>
-          <a:p>
-            <a:r>
-              <a:rPr lang="en-US" dirty="0"/>
-              <a:t>Self-made variables</a:t>
-            </a:r>
-            <a:endParaRPr lang="LID4096" dirty="0"/>
-          </a:p>
-        </p:txBody>
-      </p:sp>
-      <p:sp>
-        <p:nvSpPr>
-          <p:cNvPr id="3" name="Content Placeholder 2">
-            <a:extLst>
-              <a:ext uri="{FF2B5EF4-FFF2-40B4-BE49-F238E27FC236}">
-                <a16:creationId xmlns:a16="http://schemas.microsoft.com/office/drawing/2014/main" id="{A71F65C3-081D-4541-ADD5-E1D82EA942A3}"/>
-              </a:ext>
-            </a:extLst>
-          </p:cNvPr>
-          <p:cNvSpPr>
-            <a:spLocks noGrp="1"/>
-          </p:cNvSpPr>
-          <p:nvPr>
-            <p:ph idx="1"/>
-          </p:nvPr>
-        </p:nvSpPr>
-        <p:spPr>
-          <a:xfrm>
-            <a:off x="838200" y="1825625"/>
-            <a:ext cx="5645151" cy="4351338"/>
-          </a:xfrm>
-        </p:spPr>
-        <p:txBody>
-          <a:bodyPr/>
-          <a:lstStyle/>
-          <a:p>
-            <a:r>
-              <a:rPr lang="en-US" dirty="0"/>
-              <a:t>Day of the week (Monday – Sunday)</a:t>
-            </a:r>
-          </a:p>
-          <a:p>
-            <a:pPr lvl="1"/>
-            <a:r>
-              <a:rPr lang="en-US" dirty="0"/>
-              <a:t>Day_0 … Day_7; type – Boolean</a:t>
-            </a:r>
-          </a:p>
-        </p:txBody>
-      </p:sp>
       <p:pic>
         <p:nvPicPr>
           <p:cNvPr id="5" name="Picture 4">
@@ -3548,14 +5552,83 @@
         </p:blipFill>
         <p:spPr>
           <a:xfrm>
-            <a:off x="3433150" y="2603229"/>
-            <a:ext cx="5325700" cy="4254771"/>
+            <a:off x="5036234" y="1081984"/>
+            <a:ext cx="6772817" cy="5410892"/>
           </a:xfrm>
           <a:prstGeom prst="rect">
             <a:avLst/>
           </a:prstGeom>
         </p:spPr>
       </p:pic>
+      <p:sp>
+        <p:nvSpPr>
+          <p:cNvPr id="2" name="Title 1">
+            <a:extLst>
+              <a:ext uri="{FF2B5EF4-FFF2-40B4-BE49-F238E27FC236}">
+                <a16:creationId xmlns:a16="http://schemas.microsoft.com/office/drawing/2014/main" id="{A967FBF6-688E-40E2-BED3-004C4987CC92}"/>
+              </a:ext>
+            </a:extLst>
+          </p:cNvPr>
+          <p:cNvSpPr>
+            <a:spLocks noGrp="1"/>
+          </p:cNvSpPr>
+          <p:nvPr>
+            <p:ph type="title"/>
+          </p:nvPr>
+        </p:nvSpPr>
+        <p:spPr/>
+        <p:txBody>
+          <a:bodyPr/>
+          <a:lstStyle/>
+          <a:p>
+            <a:r>
+              <a:rPr lang="en-US" dirty="0"/>
+              <a:t>Self-made variables</a:t>
+            </a:r>
+            <a:endParaRPr lang="LID4096" dirty="0"/>
+          </a:p>
+        </p:txBody>
+      </p:sp>
+      <p:sp>
+        <p:nvSpPr>
+          <p:cNvPr id="3" name="Content Placeholder 2">
+            <a:extLst>
+              <a:ext uri="{FF2B5EF4-FFF2-40B4-BE49-F238E27FC236}">
+                <a16:creationId xmlns:a16="http://schemas.microsoft.com/office/drawing/2014/main" id="{A71F65C3-081D-4541-ADD5-E1D82EA942A3}"/>
+              </a:ext>
+            </a:extLst>
+          </p:cNvPr>
+          <p:cNvSpPr>
+            <a:spLocks noGrp="1"/>
+          </p:cNvSpPr>
+          <p:nvPr>
+            <p:ph idx="1"/>
+          </p:nvPr>
+        </p:nvSpPr>
+        <p:spPr>
+          <a:xfrm>
+            <a:off x="838201" y="1825625"/>
+            <a:ext cx="4198034" cy="4351338"/>
+          </a:xfrm>
+        </p:spPr>
+        <p:txBody>
+          <a:bodyPr/>
+          <a:lstStyle/>
+          <a:p>
+            <a:r>
+              <a:rPr lang="en-US" dirty="0"/>
+              <a:t>Day of the week (Monday – Sunday)</a:t>
+            </a:r>
+          </a:p>
+          <a:p>
+            <a:pPr lvl="1"/>
+            <a:r>
+              <a:rPr lang="en-US" dirty="0"/>
+              <a:t>Day_0 … Day_7; type – Boolean</a:t>
+            </a:r>
+          </a:p>
+        </p:txBody>
+      </p:sp>
     </p:spTree>
     <p:extLst>
       <p:ext uri="{BB962C8B-B14F-4D97-AF65-F5344CB8AC3E}">
@@ -3634,7 +5707,7 @@
         <p:spPr>
           <a:xfrm>
             <a:off x="713398" y="1834418"/>
-            <a:ext cx="5747238" cy="4351338"/>
+            <a:ext cx="4208930" cy="4351338"/>
           </a:xfrm>
         </p:spPr>
         <p:txBody>
@@ -3680,8 +5753,8 @@
         </p:blipFill>
         <p:spPr>
           <a:xfrm>
-            <a:off x="3578654" y="2621174"/>
-            <a:ext cx="5763963" cy="4236826"/>
+            <a:off x="4922328" y="1561514"/>
+            <a:ext cx="6937635" cy="5099539"/>
           </a:xfrm>
           <a:prstGeom prst="rect">
             <a:avLst/>
@@ -4277,27 +6350,587 @@
             </a:r>
           </a:p>
           <a:p>
-            <a:pPr>
-              <a:buFont typeface="Arial" panose="020B0604020202020204" pitchFamily="34" charset="0"/>
-              <a:buChar char="•"/>
-            </a:pPr>
-            <a:r>
-              <a:rPr lang="de-DE" dirty="0"/>
-              <a:t>Darstellung der Loss-Funktionen für Trainings- und Validierungsdatensatz</a:t>
-            </a:r>
-          </a:p>
-          <a:p>
-            <a:pPr>
-              <a:buFont typeface="Arial" panose="020B0604020202020204" pitchFamily="34" charset="0"/>
-              <a:buChar char="•"/>
-            </a:pPr>
-            <a:r>
-              <a:rPr lang="de-DE" dirty="0"/>
-              <a:t>MAPEs für den Validierungsdatensatz insgesamt und für jede Warengruppe einzeln</a:t>
-            </a:r>
-          </a:p>
-          <a:p>
             <a:endParaRPr lang="LID4096" dirty="0"/>
+          </a:p>
+        </p:txBody>
+      </p:sp>
+      <p:sp>
+        <p:nvSpPr>
+          <p:cNvPr id="4" name="TextBox 3">
+            <a:extLst>
+              <a:ext uri="{FF2B5EF4-FFF2-40B4-BE49-F238E27FC236}">
+                <a16:creationId xmlns:a16="http://schemas.microsoft.com/office/drawing/2014/main" id="{6D60A8B7-E09A-6D47-84D8-39216EE1B07B}"/>
+              </a:ext>
+            </a:extLst>
+          </p:cNvPr>
+          <p:cNvSpPr txBox="1"/>
+          <p:nvPr/>
+        </p:nvSpPr>
+        <p:spPr>
+          <a:xfrm>
+            <a:off x="838199" y="2333685"/>
+            <a:ext cx="11353801" cy="3139321"/>
+          </a:xfrm>
+          <a:prstGeom prst="rect">
+            <a:avLst/>
+          </a:prstGeom>
+          <a:noFill/>
+        </p:spPr>
+        <p:txBody>
+          <a:bodyPr wrap="square" rtlCol="0">
+            <a:spAutoFit/>
+          </a:bodyPr>
+          <a:lstStyle/>
+          <a:p>
+            <a:r>
+              <a:rPr lang="en-GB" b="0" dirty="0">
+                <a:solidFill>
+                  <a:srgbClr val="001080"/>
+                </a:solidFill>
+                <a:effectLst/>
+                <a:latin typeface="Menlo" panose="020B0609030804020204" pitchFamily="49" charset="0"/>
+              </a:rPr>
+              <a:t># </a:t>
+            </a:r>
+            <a:r>
+              <a:rPr lang="en-GB" b="0" dirty="0" err="1">
+                <a:solidFill>
+                  <a:srgbClr val="001080"/>
+                </a:solidFill>
+                <a:effectLst/>
+                <a:latin typeface="Menlo" panose="020B0609030804020204" pitchFamily="49" charset="0"/>
+              </a:rPr>
+              <a:t>Tensorflow</a:t>
+            </a:r>
+            <a:endParaRPr lang="en-GB" b="0" dirty="0">
+              <a:solidFill>
+                <a:srgbClr val="001080"/>
+              </a:solidFill>
+              <a:effectLst/>
+              <a:latin typeface="Menlo" panose="020B0609030804020204" pitchFamily="49" charset="0"/>
+            </a:endParaRPr>
+          </a:p>
+          <a:p>
+            <a:r>
+              <a:rPr lang="en-GB" b="0" dirty="0">
+                <a:solidFill>
+                  <a:srgbClr val="001080"/>
+                </a:solidFill>
+                <a:effectLst/>
+                <a:latin typeface="Menlo" panose="020B0609030804020204" pitchFamily="49" charset="0"/>
+              </a:rPr>
+              <a:t>model</a:t>
+            </a:r>
+            <a:r>
+              <a:rPr lang="en-GB" b="0" dirty="0">
+                <a:solidFill>
+                  <a:srgbClr val="000000"/>
+                </a:solidFill>
+                <a:effectLst/>
+                <a:latin typeface="Menlo" panose="020B0609030804020204" pitchFamily="49" charset="0"/>
+              </a:rPr>
+              <a:t> = </a:t>
+            </a:r>
+            <a:r>
+              <a:rPr lang="en-GB" b="0" dirty="0" err="1">
+                <a:solidFill>
+                  <a:srgbClr val="267F99"/>
+                </a:solidFill>
+                <a:effectLst/>
+                <a:latin typeface="Menlo" panose="020B0609030804020204" pitchFamily="49" charset="0"/>
+              </a:rPr>
+              <a:t>tf</a:t>
+            </a:r>
+            <a:r>
+              <a:rPr lang="en-GB" b="0" dirty="0" err="1">
+                <a:solidFill>
+                  <a:srgbClr val="000000"/>
+                </a:solidFill>
+                <a:effectLst/>
+                <a:latin typeface="Menlo" panose="020B0609030804020204" pitchFamily="49" charset="0"/>
+              </a:rPr>
+              <a:t>.keras.Sequential</a:t>
+            </a:r>
+            <a:r>
+              <a:rPr lang="en-GB" b="0" dirty="0">
+                <a:solidFill>
+                  <a:srgbClr val="000000"/>
+                </a:solidFill>
+                <a:effectLst/>
+                <a:latin typeface="Menlo" panose="020B0609030804020204" pitchFamily="49" charset="0"/>
+              </a:rPr>
+              <a:t>([</a:t>
+            </a:r>
+          </a:p>
+          <a:p>
+            <a:r>
+              <a:rPr lang="en-GB" b="0" dirty="0">
+                <a:solidFill>
+                  <a:schemeClr val="tx1">
+                    <a:lumMod val="50000"/>
+                    <a:lumOff val="50000"/>
+                  </a:schemeClr>
+                </a:solidFill>
+                <a:effectLst/>
+                <a:latin typeface="Menlo" panose="020B0609030804020204" pitchFamily="49" charset="0"/>
+              </a:rPr>
+              <a:t>	# Long Short-Term Memory (LSTM) layer w/ 128 units </a:t>
+            </a:r>
+            <a:br>
+              <a:rPr lang="en-GB" b="0" dirty="0">
+                <a:solidFill>
+                  <a:schemeClr val="tx1">
+                    <a:lumMod val="50000"/>
+                    <a:lumOff val="50000"/>
+                  </a:schemeClr>
+                </a:solidFill>
+                <a:effectLst/>
+                <a:latin typeface="Menlo" panose="020B0609030804020204" pitchFamily="49" charset="0"/>
+              </a:rPr>
+            </a:br>
+            <a:r>
+              <a:rPr lang="en-GB" b="0" dirty="0">
+                <a:solidFill>
+                  <a:schemeClr val="tx1">
+                    <a:lumMod val="50000"/>
+                    <a:lumOff val="50000"/>
+                  </a:schemeClr>
+                </a:solidFill>
+                <a:effectLst/>
+                <a:latin typeface="Menlo" panose="020B0609030804020204" pitchFamily="49" charset="0"/>
+              </a:rPr>
+              <a:t>	and a </a:t>
+            </a:r>
+            <a:r>
+              <a:rPr lang="en-GB" b="0" dirty="0" err="1">
+                <a:solidFill>
+                  <a:schemeClr val="tx1">
+                    <a:lumMod val="50000"/>
+                    <a:lumOff val="50000"/>
+                  </a:schemeClr>
+                </a:solidFill>
+                <a:effectLst/>
+                <a:latin typeface="Menlo" panose="020B0609030804020204" pitchFamily="49" charset="0"/>
+              </a:rPr>
+              <a:t>ReLU</a:t>
+            </a:r>
+            <a:r>
+              <a:rPr lang="en-GB" b="0" dirty="0">
+                <a:solidFill>
+                  <a:schemeClr val="tx1">
+                    <a:lumMod val="50000"/>
+                    <a:lumOff val="50000"/>
+                  </a:schemeClr>
+                </a:solidFill>
+                <a:effectLst/>
+                <a:latin typeface="Menlo" panose="020B0609030804020204" pitchFamily="49" charset="0"/>
+              </a:rPr>
+              <a:t> activation function</a:t>
+            </a:r>
+            <a:endParaRPr lang="en-GB" b="0" dirty="0">
+              <a:solidFill>
+                <a:srgbClr val="000000"/>
+              </a:solidFill>
+              <a:effectLst/>
+              <a:latin typeface="Menlo" panose="020B0609030804020204" pitchFamily="49" charset="0"/>
+            </a:endParaRPr>
+          </a:p>
+          <a:p>
+            <a:r>
+              <a:rPr lang="en-GB" b="0" dirty="0">
+                <a:solidFill>
+                  <a:srgbClr val="000000"/>
+                </a:solidFill>
+                <a:effectLst/>
+                <a:latin typeface="Menlo" panose="020B0609030804020204" pitchFamily="49" charset="0"/>
+              </a:rPr>
+              <a:t>LSTM(</a:t>
+            </a:r>
+            <a:r>
+              <a:rPr lang="en-GB" b="0" dirty="0">
+                <a:solidFill>
+                  <a:srgbClr val="098658"/>
+                </a:solidFill>
+                <a:effectLst/>
+                <a:latin typeface="Menlo" panose="020B0609030804020204" pitchFamily="49" charset="0"/>
+              </a:rPr>
+              <a:t>128</a:t>
+            </a:r>
+            <a:r>
+              <a:rPr lang="en-GB" b="0" dirty="0">
+                <a:solidFill>
+                  <a:srgbClr val="000000"/>
+                </a:solidFill>
+                <a:effectLst/>
+                <a:latin typeface="Menlo" panose="020B0609030804020204" pitchFamily="49" charset="0"/>
+              </a:rPr>
+              <a:t>, </a:t>
+            </a:r>
+            <a:r>
+              <a:rPr lang="en-GB" b="0" dirty="0">
+                <a:solidFill>
+                  <a:srgbClr val="001080"/>
+                </a:solidFill>
+                <a:effectLst/>
+                <a:latin typeface="Menlo" panose="020B0609030804020204" pitchFamily="49" charset="0"/>
+              </a:rPr>
+              <a:t>activation</a:t>
+            </a:r>
+            <a:r>
+              <a:rPr lang="en-GB" b="0" dirty="0">
+                <a:solidFill>
+                  <a:srgbClr val="000000"/>
+                </a:solidFill>
+                <a:effectLst/>
+                <a:latin typeface="Menlo" panose="020B0609030804020204" pitchFamily="49" charset="0"/>
+              </a:rPr>
+              <a:t>=</a:t>
+            </a:r>
+            <a:r>
+              <a:rPr lang="en-GB" b="0" dirty="0">
+                <a:solidFill>
+                  <a:srgbClr val="A31515"/>
+                </a:solidFill>
+                <a:effectLst/>
+                <a:latin typeface="Menlo" panose="020B0609030804020204" pitchFamily="49" charset="0"/>
+              </a:rPr>
+              <a:t>'</a:t>
+            </a:r>
+            <a:r>
+              <a:rPr lang="en-GB" b="0" dirty="0" err="1">
+                <a:solidFill>
+                  <a:srgbClr val="A31515"/>
+                </a:solidFill>
+                <a:effectLst/>
+                <a:latin typeface="Menlo" panose="020B0609030804020204" pitchFamily="49" charset="0"/>
+              </a:rPr>
+              <a:t>relu</a:t>
+            </a:r>
+            <a:r>
+              <a:rPr lang="en-GB" b="0" dirty="0">
+                <a:solidFill>
+                  <a:srgbClr val="A31515"/>
+                </a:solidFill>
+                <a:effectLst/>
+                <a:latin typeface="Menlo" panose="020B0609030804020204" pitchFamily="49" charset="0"/>
+              </a:rPr>
+              <a:t>'</a:t>
+            </a:r>
+            <a:r>
+              <a:rPr lang="en-GB" b="0" dirty="0">
+                <a:solidFill>
+                  <a:srgbClr val="000000"/>
+                </a:solidFill>
+                <a:effectLst/>
+                <a:latin typeface="Menlo" panose="020B0609030804020204" pitchFamily="49" charset="0"/>
+              </a:rPr>
+              <a:t>, </a:t>
+            </a:r>
+            <a:r>
+              <a:rPr lang="en-GB" b="0" dirty="0" err="1">
+                <a:solidFill>
+                  <a:srgbClr val="001080"/>
+                </a:solidFill>
+                <a:effectLst/>
+                <a:latin typeface="Menlo" panose="020B0609030804020204" pitchFamily="49" charset="0"/>
+              </a:rPr>
+              <a:t>input_shape</a:t>
+            </a:r>
+            <a:r>
+              <a:rPr lang="en-GB" b="0" dirty="0">
+                <a:solidFill>
+                  <a:srgbClr val="000000"/>
+                </a:solidFill>
+                <a:effectLst/>
+                <a:latin typeface="Menlo" panose="020B0609030804020204" pitchFamily="49" charset="0"/>
+              </a:rPr>
+              <a:t>=(</a:t>
+            </a:r>
+            <a:r>
+              <a:rPr lang="en-GB" b="0" dirty="0">
+                <a:solidFill>
+                  <a:srgbClr val="098658"/>
+                </a:solidFill>
+                <a:effectLst/>
+                <a:latin typeface="Menlo" panose="020B0609030804020204" pitchFamily="49" charset="0"/>
+              </a:rPr>
+              <a:t>1</a:t>
+            </a:r>
+            <a:r>
+              <a:rPr lang="en-GB" b="0" dirty="0">
+                <a:solidFill>
+                  <a:srgbClr val="000000"/>
+                </a:solidFill>
+                <a:effectLst/>
+                <a:latin typeface="Menlo" panose="020B0609030804020204" pitchFamily="49" charset="0"/>
+              </a:rPr>
+              <a:t>, </a:t>
+            </a:r>
+            <a:r>
+              <a:rPr lang="en-GB" b="0" dirty="0" err="1">
+                <a:solidFill>
+                  <a:srgbClr val="001080"/>
+                </a:solidFill>
+                <a:effectLst/>
+                <a:latin typeface="Menlo" panose="020B0609030804020204" pitchFamily="49" charset="0"/>
+              </a:rPr>
+              <a:t>X_train_seq</a:t>
+            </a:r>
+            <a:r>
+              <a:rPr lang="en-GB" b="0" dirty="0" err="1">
+                <a:solidFill>
+                  <a:srgbClr val="000000"/>
+                </a:solidFill>
+                <a:effectLst/>
+                <a:latin typeface="Menlo" panose="020B0609030804020204" pitchFamily="49" charset="0"/>
+              </a:rPr>
+              <a:t>.shape</a:t>
+            </a:r>
+            <a:r>
+              <a:rPr lang="en-GB" b="0" dirty="0">
+                <a:solidFill>
+                  <a:srgbClr val="000000"/>
+                </a:solidFill>
+                <a:effectLst/>
+                <a:latin typeface="Menlo" panose="020B0609030804020204" pitchFamily="49" charset="0"/>
+              </a:rPr>
+              <a:t>[</a:t>
+            </a:r>
+            <a:r>
+              <a:rPr lang="en-GB" b="0" dirty="0">
+                <a:solidFill>
+                  <a:srgbClr val="098658"/>
+                </a:solidFill>
+                <a:effectLst/>
+                <a:latin typeface="Menlo" panose="020B0609030804020204" pitchFamily="49" charset="0"/>
+              </a:rPr>
+              <a:t>2</a:t>
+            </a:r>
+            <a:r>
+              <a:rPr lang="en-GB" b="0" dirty="0">
+                <a:solidFill>
+                  <a:srgbClr val="000000"/>
+                </a:solidFill>
+                <a:effectLst/>
+                <a:latin typeface="Menlo" panose="020B0609030804020204" pitchFamily="49" charset="0"/>
+              </a:rPr>
+              <a:t>])),</a:t>
+            </a:r>
+          </a:p>
+          <a:p>
+            <a:r>
+              <a:rPr lang="en-GB" b="0" dirty="0">
+                <a:solidFill>
+                  <a:srgbClr val="000000"/>
+                </a:solidFill>
+                <a:effectLst/>
+                <a:latin typeface="Menlo" panose="020B0609030804020204" pitchFamily="49" charset="0"/>
+              </a:rPr>
+              <a:t>Dropout(</a:t>
+            </a:r>
+            <a:r>
+              <a:rPr lang="en-GB" b="0" dirty="0">
+                <a:solidFill>
+                  <a:srgbClr val="098658"/>
+                </a:solidFill>
+                <a:effectLst/>
+                <a:latin typeface="Menlo" panose="020B0609030804020204" pitchFamily="49" charset="0"/>
+              </a:rPr>
+              <a:t>0.3</a:t>
+            </a:r>
+            <a:r>
+              <a:rPr lang="en-GB" b="0" dirty="0">
+                <a:solidFill>
+                  <a:srgbClr val="000000"/>
+                </a:solidFill>
+                <a:effectLst/>
+                <a:latin typeface="Menlo" panose="020B0609030804020204" pitchFamily="49" charset="0"/>
+              </a:rPr>
+              <a:t>),</a:t>
+            </a:r>
+          </a:p>
+          <a:p>
+            <a:r>
+              <a:rPr lang="en-GB" b="0" dirty="0">
+                <a:solidFill>
+                  <a:srgbClr val="000000"/>
+                </a:solidFill>
+                <a:effectLst/>
+                <a:latin typeface="Menlo" panose="020B0609030804020204" pitchFamily="49" charset="0"/>
+              </a:rPr>
+              <a:t>Dense(</a:t>
+            </a:r>
+            <a:r>
+              <a:rPr lang="en-GB" b="0" dirty="0">
+                <a:solidFill>
+                  <a:srgbClr val="098658"/>
+                </a:solidFill>
+                <a:effectLst/>
+                <a:latin typeface="Menlo" panose="020B0609030804020204" pitchFamily="49" charset="0"/>
+              </a:rPr>
+              <a:t>64</a:t>
+            </a:r>
+            <a:r>
+              <a:rPr lang="en-GB" b="0" dirty="0">
+                <a:solidFill>
+                  <a:srgbClr val="000000"/>
+                </a:solidFill>
+                <a:effectLst/>
+                <a:latin typeface="Menlo" panose="020B0609030804020204" pitchFamily="49" charset="0"/>
+              </a:rPr>
+              <a:t>, </a:t>
+            </a:r>
+            <a:r>
+              <a:rPr lang="en-GB" b="0" dirty="0">
+                <a:solidFill>
+                  <a:srgbClr val="001080"/>
+                </a:solidFill>
+                <a:effectLst/>
+                <a:latin typeface="Menlo" panose="020B0609030804020204" pitchFamily="49" charset="0"/>
+              </a:rPr>
+              <a:t>activation</a:t>
+            </a:r>
+            <a:r>
+              <a:rPr lang="en-GB" b="0" dirty="0">
+                <a:solidFill>
+                  <a:srgbClr val="000000"/>
+                </a:solidFill>
+                <a:effectLst/>
+                <a:latin typeface="Menlo" panose="020B0609030804020204" pitchFamily="49" charset="0"/>
+              </a:rPr>
+              <a:t>=</a:t>
+            </a:r>
+            <a:r>
+              <a:rPr lang="en-GB" b="0" dirty="0">
+                <a:solidFill>
+                  <a:srgbClr val="A31515"/>
+                </a:solidFill>
+                <a:effectLst/>
+                <a:latin typeface="Menlo" panose="020B0609030804020204" pitchFamily="49" charset="0"/>
+              </a:rPr>
+              <a:t>'</a:t>
+            </a:r>
+            <a:r>
+              <a:rPr lang="en-GB" b="0" dirty="0" err="1">
+                <a:solidFill>
+                  <a:srgbClr val="A31515"/>
+                </a:solidFill>
+                <a:effectLst/>
+                <a:latin typeface="Menlo" panose="020B0609030804020204" pitchFamily="49" charset="0"/>
+              </a:rPr>
+              <a:t>relu</a:t>
+            </a:r>
+            <a:r>
+              <a:rPr lang="en-GB" b="0" dirty="0">
+                <a:solidFill>
+                  <a:srgbClr val="A31515"/>
+                </a:solidFill>
+                <a:effectLst/>
+                <a:latin typeface="Menlo" panose="020B0609030804020204" pitchFamily="49" charset="0"/>
+              </a:rPr>
+              <a:t>’</a:t>
+            </a:r>
+            <a:r>
+              <a:rPr lang="en-GB" b="0" dirty="0">
+                <a:solidFill>
+                  <a:srgbClr val="000000"/>
+                </a:solidFill>
+                <a:effectLst/>
+                <a:latin typeface="Menlo" panose="020B0609030804020204" pitchFamily="49" charset="0"/>
+              </a:rPr>
+              <a:t>),</a:t>
+            </a:r>
+          </a:p>
+          <a:p>
+            <a:r>
+              <a:rPr lang="en-GB" b="0" dirty="0">
+                <a:solidFill>
+                  <a:srgbClr val="000000"/>
+                </a:solidFill>
+                <a:effectLst/>
+                <a:latin typeface="Menlo" panose="020B0609030804020204" pitchFamily="49" charset="0"/>
+              </a:rPr>
+              <a:t>Dropout(</a:t>
+            </a:r>
+            <a:r>
+              <a:rPr lang="en-GB" b="0" dirty="0">
+                <a:solidFill>
+                  <a:srgbClr val="098658"/>
+                </a:solidFill>
+                <a:effectLst/>
+                <a:latin typeface="Menlo" panose="020B0609030804020204" pitchFamily="49" charset="0"/>
+              </a:rPr>
+              <a:t>0.2</a:t>
+            </a:r>
+            <a:r>
+              <a:rPr lang="en-GB" b="0" dirty="0">
+                <a:solidFill>
+                  <a:srgbClr val="000000"/>
+                </a:solidFill>
+                <a:effectLst/>
+                <a:latin typeface="Menlo" panose="020B0609030804020204" pitchFamily="49" charset="0"/>
+              </a:rPr>
+              <a:t>),</a:t>
+            </a:r>
+          </a:p>
+          <a:p>
+            <a:r>
+              <a:rPr lang="en-GB" b="0" dirty="0">
+                <a:solidFill>
+                  <a:schemeClr val="tx1">
+                    <a:lumMod val="50000"/>
+                    <a:lumOff val="50000"/>
+                  </a:schemeClr>
+                </a:solidFill>
+                <a:effectLst/>
+                <a:latin typeface="Menlo" panose="020B0609030804020204" pitchFamily="49" charset="0"/>
+              </a:rPr>
+              <a:t>	# Final output: predicted sales value</a:t>
+            </a:r>
+          </a:p>
+          <a:p>
+            <a:r>
+              <a:rPr lang="en-GB" b="0" dirty="0">
+                <a:solidFill>
+                  <a:srgbClr val="000000"/>
+                </a:solidFill>
+                <a:effectLst/>
+                <a:latin typeface="Menlo" panose="020B0609030804020204" pitchFamily="49" charset="0"/>
+              </a:rPr>
+              <a:t>Dense(</a:t>
+            </a:r>
+            <a:r>
+              <a:rPr lang="en-GB" b="0" dirty="0">
+                <a:solidFill>
+                  <a:srgbClr val="098658"/>
+                </a:solidFill>
+                <a:effectLst/>
+                <a:latin typeface="Menlo" panose="020B0609030804020204" pitchFamily="49" charset="0"/>
+              </a:rPr>
+              <a:t>1</a:t>
+            </a:r>
+            <a:r>
+              <a:rPr lang="en-GB" b="0" dirty="0">
+                <a:solidFill>
+                  <a:srgbClr val="000000"/>
+                </a:solidFill>
+                <a:effectLst/>
+                <a:latin typeface="Menlo" panose="020B0609030804020204" pitchFamily="49" charset="0"/>
+              </a:rPr>
+              <a:t>)</a:t>
+            </a:r>
+          </a:p>
+          <a:p>
+            <a:r>
+              <a:rPr lang="en-GB" b="0" dirty="0">
+                <a:solidFill>
+                  <a:srgbClr val="000000"/>
+                </a:solidFill>
+                <a:effectLst/>
+                <a:latin typeface="Menlo" panose="020B0609030804020204" pitchFamily="49" charset="0"/>
+              </a:rPr>
+              <a:t>])</a:t>
+            </a:r>
           </a:p>
         </p:txBody>
       </p:sp>
@@ -4336,7 +6969,7 @@
           <p:cNvPr id="2" name="Title 1">
             <a:extLst>
               <a:ext uri="{FF2B5EF4-FFF2-40B4-BE49-F238E27FC236}">
-                <a16:creationId xmlns:a16="http://schemas.microsoft.com/office/drawing/2014/main" id="{4ED147D0-CF2C-4110-8AA1-B4146BB763BA}"/>
+                <a16:creationId xmlns:a16="http://schemas.microsoft.com/office/drawing/2014/main" id="{5975FA0C-7299-4942-AAF2-AA1A7DB25708}"/>
               </a:ext>
             </a:extLst>
           </p:cNvPr>
@@ -4353,47 +6986,1050 @@
           <a:lstStyle/>
           <a:p>
             <a:r>
-              <a:rPr lang="en-US" dirty="0"/>
-              <a:t>Validation dataset MAPE = 21.65% </a:t>
+              <a:rPr lang="en-GB" dirty="0" err="1"/>
+              <a:t>Optimierung</a:t>
+            </a:r>
+            <a:r>
+              <a:rPr lang="en-GB" dirty="0"/>
+              <a:t> des </a:t>
+            </a:r>
+            <a:r>
+              <a:rPr lang="en-GB" dirty="0" err="1"/>
+              <a:t>neuronalen</a:t>
+            </a:r>
+            <a:r>
+              <a:rPr lang="en-GB" dirty="0"/>
+              <a:t> </a:t>
+            </a:r>
+            <a:r>
+              <a:rPr lang="en-GB" dirty="0" err="1"/>
+              <a:t>Netzes</a:t>
             </a:r>
             <a:endParaRPr lang="LID4096" dirty="0"/>
           </a:p>
         </p:txBody>
       </p:sp>
-      <p:pic>
-        <p:nvPicPr>
-          <p:cNvPr id="5" name="Picture 4">
-            <a:extLst>
-              <a:ext uri="{FF2B5EF4-FFF2-40B4-BE49-F238E27FC236}">
-                <a16:creationId xmlns:a16="http://schemas.microsoft.com/office/drawing/2014/main" id="{9C3F73FE-0667-43A8-9DEA-22D96A33F684}"/>
-              </a:ext>
-            </a:extLst>
-          </p:cNvPr>
-          <p:cNvPicPr>
-            <a:picLocks noChangeAspect="1"/>
-          </p:cNvPicPr>
-          <p:nvPr/>
-        </p:nvPicPr>
-        <p:blipFill>
-          <a:blip r:embed="rId2"/>
-          <a:stretch>
-            <a:fillRect/>
-          </a:stretch>
-        </p:blipFill>
+      <p:sp>
+        <p:nvSpPr>
+          <p:cNvPr id="3" name="Content Placeholder 2">
+            <a:extLst>
+              <a:ext uri="{FF2B5EF4-FFF2-40B4-BE49-F238E27FC236}">
+                <a16:creationId xmlns:a16="http://schemas.microsoft.com/office/drawing/2014/main" id="{9F74683C-77D8-4373-8EBD-97834308510E}"/>
+              </a:ext>
+            </a:extLst>
+          </p:cNvPr>
+          <p:cNvSpPr>
+            <a:spLocks noGrp="1"/>
+          </p:cNvSpPr>
+          <p:nvPr>
+            <p:ph idx="1"/>
+          </p:nvPr>
+        </p:nvSpPr>
         <p:spPr>
           <a:xfrm>
-            <a:off x="1167933" y="1687895"/>
-            <a:ext cx="9856134" cy="4804980"/>
+            <a:off x="838200" y="1448972"/>
+            <a:ext cx="10515600" cy="5043903"/>
           </a:xfrm>
-          <a:prstGeom prst="rect">
-            <a:avLst/>
-          </a:prstGeom>
         </p:spPr>
-      </p:pic>
+        <p:txBody>
+          <a:bodyPr>
+            <a:noAutofit/>
+          </a:bodyPr>
+          <a:lstStyle/>
+          <a:p>
+            <a:pPr marL="0" indent="0">
+              <a:buNone/>
+            </a:pPr>
+            <a:r>
+              <a:rPr lang="de-DE" sz="2600" dirty="0"/>
+              <a:t>Darstellung der Loss-Funktionen für Trainings- und Validierungsdatensatz</a:t>
+            </a:r>
+          </a:p>
+          <a:p>
+            <a:pPr marL="0" indent="0">
+              <a:buNone/>
+            </a:pPr>
+            <a:r>
+              <a:rPr lang="en-GB" sz="1800" b="0" dirty="0">
+                <a:solidFill>
+                  <a:srgbClr val="008000"/>
+                </a:solidFill>
+                <a:effectLst/>
+                <a:latin typeface="Menlo" panose="020B0609030804020204" pitchFamily="49" charset="0"/>
+              </a:rPr>
+              <a:t># mean squared error</a:t>
+            </a:r>
+            <a:endParaRPr lang="en-GB" sz="1800" b="0" dirty="0">
+              <a:solidFill>
+                <a:srgbClr val="000000"/>
+              </a:solidFill>
+              <a:effectLst/>
+              <a:latin typeface="Menlo" panose="020B0609030804020204" pitchFamily="49" charset="0"/>
+            </a:endParaRPr>
+          </a:p>
+          <a:p>
+            <a:pPr marL="0" indent="0">
+              <a:buNone/>
+            </a:pPr>
+            <a:r>
+              <a:rPr lang="en-GB" sz="1800" b="0" dirty="0" err="1">
+                <a:solidFill>
+                  <a:srgbClr val="001080"/>
+                </a:solidFill>
+                <a:effectLst/>
+                <a:latin typeface="Menlo" panose="020B0609030804020204" pitchFamily="49" charset="0"/>
+              </a:rPr>
+              <a:t>model</a:t>
+            </a:r>
+            <a:r>
+              <a:rPr lang="en-GB" sz="1800" b="0" dirty="0" err="1">
+                <a:solidFill>
+                  <a:srgbClr val="000000"/>
+                </a:solidFill>
+                <a:effectLst/>
+                <a:latin typeface="Menlo" panose="020B0609030804020204" pitchFamily="49" charset="0"/>
+              </a:rPr>
+              <a:t>.compile</a:t>
+            </a:r>
+            <a:r>
+              <a:rPr lang="en-GB" sz="1800" b="0" dirty="0">
+                <a:solidFill>
+                  <a:srgbClr val="000000"/>
+                </a:solidFill>
+                <a:effectLst/>
+                <a:latin typeface="Menlo" panose="020B0609030804020204" pitchFamily="49" charset="0"/>
+              </a:rPr>
+              <a:t>(</a:t>
+            </a:r>
+            <a:r>
+              <a:rPr lang="en-GB" sz="1800" b="0" dirty="0">
+                <a:solidFill>
+                  <a:srgbClr val="001080"/>
+                </a:solidFill>
+                <a:effectLst/>
+                <a:latin typeface="Menlo" panose="020B0609030804020204" pitchFamily="49" charset="0"/>
+              </a:rPr>
+              <a:t>optimizer</a:t>
+            </a:r>
+            <a:r>
+              <a:rPr lang="en-GB" sz="1800" b="0" dirty="0">
+                <a:solidFill>
+                  <a:srgbClr val="000000"/>
+                </a:solidFill>
+                <a:effectLst/>
+                <a:latin typeface="Menlo" panose="020B0609030804020204" pitchFamily="49" charset="0"/>
+              </a:rPr>
+              <a:t>=</a:t>
+            </a:r>
+            <a:r>
+              <a:rPr lang="en-GB" sz="1800" b="0" dirty="0">
+                <a:solidFill>
+                  <a:srgbClr val="A31515"/>
+                </a:solidFill>
+                <a:effectLst/>
+                <a:latin typeface="Menlo" panose="020B0609030804020204" pitchFamily="49" charset="0"/>
+              </a:rPr>
+              <a:t>'</a:t>
+            </a:r>
+            <a:r>
+              <a:rPr lang="en-GB" sz="1800" b="0" dirty="0" err="1">
+                <a:solidFill>
+                  <a:srgbClr val="A31515"/>
+                </a:solidFill>
+                <a:effectLst/>
+                <a:latin typeface="Menlo" panose="020B0609030804020204" pitchFamily="49" charset="0"/>
+              </a:rPr>
+              <a:t>adam</a:t>
+            </a:r>
+            <a:r>
+              <a:rPr lang="en-GB" sz="1800" b="0" dirty="0">
+                <a:solidFill>
+                  <a:srgbClr val="A31515"/>
+                </a:solidFill>
+                <a:effectLst/>
+                <a:latin typeface="Menlo" panose="020B0609030804020204" pitchFamily="49" charset="0"/>
+              </a:rPr>
+              <a:t>'</a:t>
+            </a:r>
+            <a:r>
+              <a:rPr lang="en-GB" sz="1800" b="0" dirty="0">
+                <a:solidFill>
+                  <a:srgbClr val="000000"/>
+                </a:solidFill>
+                <a:effectLst/>
+                <a:latin typeface="Menlo" panose="020B0609030804020204" pitchFamily="49" charset="0"/>
+              </a:rPr>
+              <a:t>, </a:t>
+            </a:r>
+            <a:r>
+              <a:rPr lang="en-GB" sz="1800" b="0" dirty="0">
+                <a:solidFill>
+                  <a:srgbClr val="001080"/>
+                </a:solidFill>
+                <a:effectLst/>
+                <a:latin typeface="Menlo" panose="020B0609030804020204" pitchFamily="49" charset="0"/>
+              </a:rPr>
+              <a:t>loss</a:t>
+            </a:r>
+            <a:r>
+              <a:rPr lang="en-GB" sz="1800" b="0" dirty="0">
+                <a:solidFill>
+                  <a:srgbClr val="000000"/>
+                </a:solidFill>
+                <a:effectLst/>
+                <a:latin typeface="Menlo" panose="020B0609030804020204" pitchFamily="49" charset="0"/>
+              </a:rPr>
+              <a:t>=</a:t>
+            </a:r>
+            <a:r>
+              <a:rPr lang="en-GB" sz="1800" b="0" dirty="0">
+                <a:solidFill>
+                  <a:srgbClr val="A31515"/>
+                </a:solidFill>
+                <a:effectLst/>
+                <a:latin typeface="Menlo" panose="020B0609030804020204" pitchFamily="49" charset="0"/>
+              </a:rPr>
+              <a:t>'</a:t>
+            </a:r>
+            <a:r>
+              <a:rPr lang="en-GB" sz="1800" b="0" dirty="0" err="1">
+                <a:solidFill>
+                  <a:srgbClr val="A31515"/>
+                </a:solidFill>
+                <a:effectLst/>
+                <a:latin typeface="Menlo" panose="020B0609030804020204" pitchFamily="49" charset="0"/>
+              </a:rPr>
+              <a:t>mse</a:t>
+            </a:r>
+            <a:r>
+              <a:rPr lang="en-GB" sz="1800" b="0" dirty="0">
+                <a:solidFill>
+                  <a:srgbClr val="A31515"/>
+                </a:solidFill>
+                <a:effectLst/>
+                <a:latin typeface="Menlo" panose="020B0609030804020204" pitchFamily="49" charset="0"/>
+              </a:rPr>
+              <a:t>'</a:t>
+            </a:r>
+            <a:r>
+              <a:rPr lang="en-GB" sz="1800" b="0" dirty="0">
+                <a:solidFill>
+                  <a:srgbClr val="000000"/>
+                </a:solidFill>
+                <a:effectLst/>
+                <a:latin typeface="Menlo" panose="020B0609030804020204" pitchFamily="49" charset="0"/>
+              </a:rPr>
+              <a:t>, </a:t>
+            </a:r>
+            <a:r>
+              <a:rPr lang="en-GB" sz="1800" b="0" dirty="0">
+                <a:solidFill>
+                  <a:srgbClr val="001080"/>
+                </a:solidFill>
+                <a:effectLst/>
+                <a:latin typeface="Menlo" panose="020B0609030804020204" pitchFamily="49" charset="0"/>
+              </a:rPr>
+              <a:t>metrics</a:t>
+            </a:r>
+            <a:r>
+              <a:rPr lang="en-GB" sz="1800" b="0" dirty="0">
+                <a:solidFill>
+                  <a:srgbClr val="000000"/>
+                </a:solidFill>
+                <a:effectLst/>
+                <a:latin typeface="Menlo" panose="020B0609030804020204" pitchFamily="49" charset="0"/>
+              </a:rPr>
+              <a:t>=[</a:t>
+            </a:r>
+            <a:r>
+              <a:rPr lang="en-GB" sz="1800" b="0" dirty="0">
+                <a:solidFill>
+                  <a:srgbClr val="A31515"/>
+                </a:solidFill>
+                <a:effectLst/>
+                <a:latin typeface="Menlo" panose="020B0609030804020204" pitchFamily="49" charset="0"/>
+              </a:rPr>
+              <a:t>'</a:t>
+            </a:r>
+            <a:r>
+              <a:rPr lang="en-GB" sz="1800" b="0" dirty="0" err="1">
+                <a:solidFill>
+                  <a:srgbClr val="A31515"/>
+                </a:solidFill>
+                <a:effectLst/>
+                <a:latin typeface="Menlo" panose="020B0609030804020204" pitchFamily="49" charset="0"/>
+              </a:rPr>
+              <a:t>mean_absolute_percentage_error</a:t>
+            </a:r>
+            <a:r>
+              <a:rPr lang="en-GB" sz="1800" b="0" dirty="0">
+                <a:solidFill>
+                  <a:srgbClr val="A31515"/>
+                </a:solidFill>
+                <a:effectLst/>
+                <a:latin typeface="Menlo" panose="020B0609030804020204" pitchFamily="49" charset="0"/>
+              </a:rPr>
+              <a:t>'</a:t>
+            </a:r>
+            <a:r>
+              <a:rPr lang="en-GB" sz="1800" b="0" dirty="0">
+                <a:solidFill>
+                  <a:srgbClr val="000000"/>
+                </a:solidFill>
+                <a:effectLst/>
+                <a:latin typeface="Menlo" panose="020B0609030804020204" pitchFamily="49" charset="0"/>
+              </a:rPr>
+              <a:t>])</a:t>
+            </a:r>
+          </a:p>
+          <a:p>
+            <a:pPr marL="0" indent="0">
+              <a:lnSpc>
+                <a:spcPct val="100000"/>
+              </a:lnSpc>
+              <a:buNone/>
+            </a:pPr>
+            <a:r>
+              <a:rPr lang="en-GB" sz="1800" b="0" dirty="0" err="1">
+                <a:solidFill>
+                  <a:srgbClr val="001080"/>
+                </a:solidFill>
+                <a:effectLst/>
+                <a:latin typeface="Menlo" panose="020B0609030804020204" pitchFamily="49" charset="0"/>
+              </a:rPr>
+              <a:t>callbacks</a:t>
+            </a:r>
+            <a:r>
+              <a:rPr lang="en-GB" sz="1800" b="0" dirty="0">
+                <a:solidFill>
+                  <a:srgbClr val="000000"/>
+                </a:solidFill>
+                <a:effectLst/>
+                <a:latin typeface="Menlo" panose="020B0609030804020204" pitchFamily="49" charset="0"/>
+              </a:rPr>
+              <a:t> = [</a:t>
+            </a:r>
+          </a:p>
+          <a:p>
+            <a:pPr marL="0" indent="0">
+              <a:lnSpc>
+                <a:spcPct val="100000"/>
+              </a:lnSpc>
+              <a:buNone/>
+            </a:pPr>
+            <a:r>
+              <a:rPr lang="en-GB" sz="1800" b="0" dirty="0" err="1">
+                <a:solidFill>
+                  <a:srgbClr val="000000"/>
+                </a:solidFill>
+                <a:effectLst/>
+                <a:latin typeface="Menlo" panose="020B0609030804020204" pitchFamily="49" charset="0"/>
+              </a:rPr>
+              <a:t>EarlyStopping</a:t>
+            </a:r>
+            <a:r>
+              <a:rPr lang="en-GB" sz="1800" b="0" dirty="0">
+                <a:solidFill>
+                  <a:srgbClr val="000000"/>
+                </a:solidFill>
+                <a:effectLst/>
+                <a:latin typeface="Menlo" panose="020B0609030804020204" pitchFamily="49" charset="0"/>
+              </a:rPr>
+              <a:t>(</a:t>
+            </a:r>
+            <a:r>
+              <a:rPr lang="en-GB" sz="1800" b="0" dirty="0">
+                <a:solidFill>
+                  <a:srgbClr val="001080"/>
+                </a:solidFill>
+                <a:effectLst/>
+                <a:latin typeface="Menlo" panose="020B0609030804020204" pitchFamily="49" charset="0"/>
+              </a:rPr>
+              <a:t>monitor</a:t>
+            </a:r>
+            <a:r>
+              <a:rPr lang="en-GB" sz="1800" b="0" dirty="0">
+                <a:solidFill>
+                  <a:srgbClr val="000000"/>
+                </a:solidFill>
+                <a:effectLst/>
+                <a:latin typeface="Menlo" panose="020B0609030804020204" pitchFamily="49" charset="0"/>
+              </a:rPr>
+              <a:t>=</a:t>
+            </a:r>
+            <a:r>
+              <a:rPr lang="en-GB" sz="1800" b="0" dirty="0">
+                <a:solidFill>
+                  <a:srgbClr val="A31515"/>
+                </a:solidFill>
+                <a:effectLst/>
+                <a:latin typeface="Menlo" panose="020B0609030804020204" pitchFamily="49" charset="0"/>
+              </a:rPr>
+              <a:t>'</a:t>
+            </a:r>
+            <a:r>
+              <a:rPr lang="en-GB" sz="1800" b="0" dirty="0" err="1">
+                <a:solidFill>
+                  <a:srgbClr val="A31515"/>
+                </a:solidFill>
+                <a:effectLst/>
+                <a:latin typeface="Menlo" panose="020B0609030804020204" pitchFamily="49" charset="0"/>
+              </a:rPr>
+              <a:t>val_loss</a:t>
+            </a:r>
+            <a:r>
+              <a:rPr lang="en-GB" sz="1800" b="0" dirty="0">
+                <a:solidFill>
+                  <a:srgbClr val="A31515"/>
+                </a:solidFill>
+                <a:effectLst/>
+                <a:latin typeface="Menlo" panose="020B0609030804020204" pitchFamily="49" charset="0"/>
+              </a:rPr>
+              <a:t>'</a:t>
+            </a:r>
+            <a:r>
+              <a:rPr lang="en-GB" sz="1800" b="0" dirty="0">
+                <a:solidFill>
+                  <a:srgbClr val="000000"/>
+                </a:solidFill>
+                <a:effectLst/>
+                <a:latin typeface="Menlo" panose="020B0609030804020204" pitchFamily="49" charset="0"/>
+              </a:rPr>
+              <a:t>, </a:t>
+            </a:r>
+            <a:r>
+              <a:rPr lang="en-GB" sz="1800" b="0" dirty="0">
+                <a:solidFill>
+                  <a:srgbClr val="001080"/>
+                </a:solidFill>
+                <a:effectLst/>
+                <a:latin typeface="Menlo" panose="020B0609030804020204" pitchFamily="49" charset="0"/>
+              </a:rPr>
+              <a:t>patience</a:t>
+            </a:r>
+            <a:r>
+              <a:rPr lang="en-GB" sz="1800" b="0" dirty="0">
+                <a:solidFill>
+                  <a:srgbClr val="000000"/>
+                </a:solidFill>
+                <a:effectLst/>
+                <a:latin typeface="Menlo" panose="020B0609030804020204" pitchFamily="49" charset="0"/>
+              </a:rPr>
+              <a:t>=</a:t>
+            </a:r>
+            <a:r>
+              <a:rPr lang="en-GB" sz="1800" b="0" dirty="0">
+                <a:solidFill>
+                  <a:srgbClr val="098658"/>
+                </a:solidFill>
+                <a:effectLst/>
+                <a:latin typeface="Menlo" panose="020B0609030804020204" pitchFamily="49" charset="0"/>
+              </a:rPr>
+              <a:t>20</a:t>
+            </a:r>
+            <a:r>
+              <a:rPr lang="en-GB" sz="1800" b="0" dirty="0">
+                <a:solidFill>
+                  <a:srgbClr val="000000"/>
+                </a:solidFill>
+                <a:effectLst/>
+                <a:latin typeface="Menlo" panose="020B0609030804020204" pitchFamily="49" charset="0"/>
+              </a:rPr>
+              <a:t>, </a:t>
+            </a:r>
+            <a:r>
+              <a:rPr lang="en-GB" sz="1800" b="0" dirty="0" err="1">
+                <a:solidFill>
+                  <a:srgbClr val="001080"/>
+                </a:solidFill>
+                <a:effectLst/>
+                <a:latin typeface="Menlo" panose="020B0609030804020204" pitchFamily="49" charset="0"/>
+              </a:rPr>
+              <a:t>restore_best_weights</a:t>
+            </a:r>
+            <a:r>
+              <a:rPr lang="en-GB" sz="1800" b="0" dirty="0">
+                <a:solidFill>
+                  <a:srgbClr val="000000"/>
+                </a:solidFill>
+                <a:effectLst/>
+                <a:latin typeface="Menlo" panose="020B0609030804020204" pitchFamily="49" charset="0"/>
+              </a:rPr>
+              <a:t>=</a:t>
+            </a:r>
+            <a:r>
+              <a:rPr lang="en-GB" sz="1800" b="0" dirty="0">
+                <a:solidFill>
+                  <a:srgbClr val="0000FF"/>
+                </a:solidFill>
+                <a:effectLst/>
+                <a:latin typeface="Menlo" panose="020B0609030804020204" pitchFamily="49" charset="0"/>
+              </a:rPr>
+              <a:t>True</a:t>
+            </a:r>
+            <a:r>
+              <a:rPr lang="en-GB" sz="1800" b="0" dirty="0">
+                <a:solidFill>
+                  <a:srgbClr val="000000"/>
+                </a:solidFill>
+                <a:effectLst/>
+                <a:latin typeface="Menlo" panose="020B0609030804020204" pitchFamily="49" charset="0"/>
+              </a:rPr>
+              <a:t>),</a:t>
+            </a:r>
+          </a:p>
+          <a:p>
+            <a:pPr marL="0" indent="0">
+              <a:lnSpc>
+                <a:spcPct val="100000"/>
+              </a:lnSpc>
+              <a:buNone/>
+            </a:pPr>
+            <a:r>
+              <a:rPr lang="en-GB" sz="1800" b="0" dirty="0" err="1">
+                <a:solidFill>
+                  <a:srgbClr val="000000"/>
+                </a:solidFill>
+                <a:effectLst/>
+                <a:latin typeface="Menlo" panose="020B0609030804020204" pitchFamily="49" charset="0"/>
+              </a:rPr>
+              <a:t>ModelCheckpoint</a:t>
+            </a:r>
+            <a:r>
+              <a:rPr lang="en-GB" sz="1800" b="0" dirty="0">
+                <a:solidFill>
+                  <a:srgbClr val="000000"/>
+                </a:solidFill>
+                <a:effectLst/>
+                <a:latin typeface="Menlo" panose="020B0609030804020204" pitchFamily="49" charset="0"/>
+              </a:rPr>
+              <a:t>(</a:t>
+            </a:r>
+            <a:r>
+              <a:rPr lang="en-GB" sz="1800" b="0" dirty="0">
+                <a:solidFill>
+                  <a:srgbClr val="A31515"/>
+                </a:solidFill>
+                <a:effectLst/>
+                <a:latin typeface="Menlo" panose="020B0609030804020204" pitchFamily="49" charset="0"/>
+              </a:rPr>
+              <a:t>'</a:t>
+            </a:r>
+            <a:r>
+              <a:rPr lang="en-GB" sz="1800" b="0" dirty="0" err="1">
+                <a:solidFill>
+                  <a:srgbClr val="A31515"/>
+                </a:solidFill>
+                <a:effectLst/>
+                <a:latin typeface="Menlo" panose="020B0609030804020204" pitchFamily="49" charset="0"/>
+              </a:rPr>
+              <a:t>best_model.keras</a:t>
+            </a:r>
+            <a:r>
+              <a:rPr lang="en-GB" sz="1800" b="0" dirty="0">
+                <a:solidFill>
+                  <a:srgbClr val="A31515"/>
+                </a:solidFill>
+                <a:effectLst/>
+                <a:latin typeface="Menlo" panose="020B0609030804020204" pitchFamily="49" charset="0"/>
+              </a:rPr>
+              <a:t>'</a:t>
+            </a:r>
+            <a:r>
+              <a:rPr lang="en-GB" sz="1800" b="0" dirty="0">
+                <a:solidFill>
+                  <a:srgbClr val="000000"/>
+                </a:solidFill>
+                <a:effectLst/>
+                <a:latin typeface="Menlo" panose="020B0609030804020204" pitchFamily="49" charset="0"/>
+              </a:rPr>
+              <a:t>, </a:t>
+            </a:r>
+            <a:r>
+              <a:rPr lang="en-GB" sz="1800" b="0" dirty="0">
+                <a:solidFill>
+                  <a:srgbClr val="001080"/>
+                </a:solidFill>
+                <a:effectLst/>
+                <a:latin typeface="Menlo" panose="020B0609030804020204" pitchFamily="49" charset="0"/>
+              </a:rPr>
+              <a:t>monitor</a:t>
+            </a:r>
+            <a:r>
+              <a:rPr lang="en-GB" sz="1800" b="0" dirty="0">
+                <a:solidFill>
+                  <a:srgbClr val="000000"/>
+                </a:solidFill>
+                <a:effectLst/>
+                <a:latin typeface="Menlo" panose="020B0609030804020204" pitchFamily="49" charset="0"/>
+              </a:rPr>
+              <a:t>=</a:t>
+            </a:r>
+            <a:r>
+              <a:rPr lang="en-GB" sz="1800" b="0" dirty="0">
+                <a:solidFill>
+                  <a:srgbClr val="A31515"/>
+                </a:solidFill>
+                <a:effectLst/>
+                <a:latin typeface="Menlo" panose="020B0609030804020204" pitchFamily="49" charset="0"/>
+              </a:rPr>
+              <a:t>'</a:t>
+            </a:r>
+            <a:r>
+              <a:rPr lang="en-GB" sz="1800" b="0" dirty="0" err="1">
+                <a:solidFill>
+                  <a:srgbClr val="A31515"/>
+                </a:solidFill>
+                <a:effectLst/>
+                <a:latin typeface="Menlo" panose="020B0609030804020204" pitchFamily="49" charset="0"/>
+              </a:rPr>
+              <a:t>val_loss</a:t>
+            </a:r>
+            <a:r>
+              <a:rPr lang="en-GB" sz="1800" b="0" dirty="0">
+                <a:solidFill>
+                  <a:srgbClr val="A31515"/>
+                </a:solidFill>
+                <a:effectLst/>
+                <a:latin typeface="Menlo" panose="020B0609030804020204" pitchFamily="49" charset="0"/>
+              </a:rPr>
+              <a:t>'</a:t>
+            </a:r>
+            <a:r>
+              <a:rPr lang="en-GB" sz="1800" b="0" dirty="0">
+                <a:solidFill>
+                  <a:srgbClr val="000000"/>
+                </a:solidFill>
+                <a:effectLst/>
+                <a:latin typeface="Menlo" panose="020B0609030804020204" pitchFamily="49" charset="0"/>
+              </a:rPr>
+              <a:t>, </a:t>
+            </a:r>
+            <a:r>
+              <a:rPr lang="en-GB" sz="1800" b="0" dirty="0" err="1">
+                <a:solidFill>
+                  <a:srgbClr val="001080"/>
+                </a:solidFill>
+                <a:effectLst/>
+                <a:latin typeface="Menlo" panose="020B0609030804020204" pitchFamily="49" charset="0"/>
+              </a:rPr>
+              <a:t>save_best_only</a:t>
+            </a:r>
+            <a:r>
+              <a:rPr lang="en-GB" sz="1800" b="0" dirty="0">
+                <a:solidFill>
+                  <a:srgbClr val="000000"/>
+                </a:solidFill>
+                <a:effectLst/>
+                <a:latin typeface="Menlo" panose="020B0609030804020204" pitchFamily="49" charset="0"/>
+              </a:rPr>
+              <a:t>=</a:t>
+            </a:r>
+            <a:r>
+              <a:rPr lang="en-GB" sz="1800" b="0" dirty="0">
+                <a:solidFill>
+                  <a:srgbClr val="0000FF"/>
+                </a:solidFill>
+                <a:effectLst/>
+                <a:latin typeface="Menlo" panose="020B0609030804020204" pitchFamily="49" charset="0"/>
+              </a:rPr>
+              <a:t>True</a:t>
+            </a:r>
+            <a:r>
+              <a:rPr lang="en-GB" sz="1800" b="0" dirty="0">
+                <a:solidFill>
+                  <a:srgbClr val="000000"/>
+                </a:solidFill>
+                <a:effectLst/>
+                <a:latin typeface="Menlo" panose="020B0609030804020204" pitchFamily="49" charset="0"/>
+              </a:rPr>
+              <a:t>)]</a:t>
+            </a:r>
+          </a:p>
+          <a:p>
+            <a:pPr marL="0" indent="0">
+              <a:lnSpc>
+                <a:spcPct val="50000"/>
+              </a:lnSpc>
+              <a:buNone/>
+            </a:pPr>
+            <a:br>
+              <a:rPr lang="en-GB" sz="1800" b="0" dirty="0">
+                <a:solidFill>
+                  <a:srgbClr val="000000"/>
+                </a:solidFill>
+                <a:effectLst/>
+                <a:latin typeface="Menlo" panose="020B0609030804020204" pitchFamily="49" charset="0"/>
+              </a:rPr>
+            </a:br>
+            <a:r>
+              <a:rPr lang="en-GB" sz="1800" b="0" dirty="0">
+                <a:solidFill>
+                  <a:srgbClr val="001080"/>
+                </a:solidFill>
+                <a:effectLst/>
+                <a:latin typeface="Menlo" panose="020B0609030804020204" pitchFamily="49" charset="0"/>
+              </a:rPr>
+              <a:t>history</a:t>
+            </a:r>
+            <a:r>
+              <a:rPr lang="en-GB" sz="1800" b="0" dirty="0">
+                <a:solidFill>
+                  <a:srgbClr val="000000"/>
+                </a:solidFill>
+                <a:effectLst/>
+                <a:latin typeface="Menlo" panose="020B0609030804020204" pitchFamily="49" charset="0"/>
+              </a:rPr>
+              <a:t> = </a:t>
+            </a:r>
+            <a:r>
+              <a:rPr lang="en-GB" sz="1800" b="0" dirty="0" err="1">
+                <a:solidFill>
+                  <a:srgbClr val="001080"/>
+                </a:solidFill>
+                <a:effectLst/>
+                <a:latin typeface="Menlo" panose="020B0609030804020204" pitchFamily="49" charset="0"/>
+              </a:rPr>
+              <a:t>model</a:t>
+            </a:r>
+            <a:r>
+              <a:rPr lang="en-GB" sz="1800" b="0" dirty="0" err="1">
+                <a:solidFill>
+                  <a:srgbClr val="000000"/>
+                </a:solidFill>
+                <a:effectLst/>
+                <a:latin typeface="Menlo" panose="020B0609030804020204" pitchFamily="49" charset="0"/>
+              </a:rPr>
+              <a:t>.fit</a:t>
+            </a:r>
+            <a:r>
+              <a:rPr lang="en-GB" sz="1800" b="0" dirty="0">
+                <a:solidFill>
+                  <a:srgbClr val="000000"/>
+                </a:solidFill>
+                <a:effectLst/>
+                <a:latin typeface="Menlo" panose="020B0609030804020204" pitchFamily="49" charset="0"/>
+              </a:rPr>
+              <a:t>(</a:t>
+            </a:r>
+          </a:p>
+          <a:p>
+            <a:pPr marL="0" indent="0">
+              <a:lnSpc>
+                <a:spcPct val="50000"/>
+              </a:lnSpc>
+              <a:buNone/>
+            </a:pPr>
+            <a:r>
+              <a:rPr lang="en-GB" sz="1800" b="0" dirty="0" err="1">
+                <a:solidFill>
+                  <a:srgbClr val="001080"/>
+                </a:solidFill>
+                <a:effectLst/>
+                <a:latin typeface="Menlo" panose="020B0609030804020204" pitchFamily="49" charset="0"/>
+              </a:rPr>
+              <a:t>X_train_seq</a:t>
+            </a:r>
+            <a:r>
+              <a:rPr lang="en-GB" sz="1800" b="0" dirty="0">
+                <a:solidFill>
+                  <a:srgbClr val="000000"/>
+                </a:solidFill>
+                <a:effectLst/>
+                <a:latin typeface="Menlo" panose="020B0609030804020204" pitchFamily="49" charset="0"/>
+              </a:rPr>
+              <a:t>, </a:t>
+            </a:r>
+            <a:r>
+              <a:rPr lang="en-GB" sz="1800" b="0" dirty="0" err="1">
+                <a:solidFill>
+                  <a:srgbClr val="001080"/>
+                </a:solidFill>
+                <a:effectLst/>
+                <a:latin typeface="Menlo" panose="020B0609030804020204" pitchFamily="49" charset="0"/>
+              </a:rPr>
+              <a:t>y_train_seq</a:t>
+            </a:r>
+            <a:r>
+              <a:rPr lang="en-GB" sz="1800" b="0" dirty="0">
+                <a:solidFill>
+                  <a:srgbClr val="000000"/>
+                </a:solidFill>
+                <a:effectLst/>
+                <a:latin typeface="Menlo" panose="020B0609030804020204" pitchFamily="49" charset="0"/>
+              </a:rPr>
+              <a:t>,</a:t>
+            </a:r>
+          </a:p>
+          <a:p>
+            <a:pPr marL="0" indent="0">
+              <a:lnSpc>
+                <a:spcPct val="50000"/>
+              </a:lnSpc>
+              <a:buNone/>
+            </a:pPr>
+            <a:r>
+              <a:rPr lang="en-GB" sz="1800" b="0" dirty="0">
+                <a:solidFill>
+                  <a:srgbClr val="001080"/>
+                </a:solidFill>
+                <a:effectLst/>
+                <a:latin typeface="Menlo" panose="020B0609030804020204" pitchFamily="49" charset="0"/>
+              </a:rPr>
+              <a:t>epochs</a:t>
+            </a:r>
+            <a:r>
+              <a:rPr lang="en-GB" sz="1800" b="0" dirty="0">
+                <a:solidFill>
+                  <a:srgbClr val="000000"/>
+                </a:solidFill>
+                <a:effectLst/>
+                <a:latin typeface="Menlo" panose="020B0609030804020204" pitchFamily="49" charset="0"/>
+              </a:rPr>
+              <a:t>=</a:t>
+            </a:r>
+            <a:r>
+              <a:rPr lang="en-GB" sz="1800" b="0" dirty="0">
+                <a:solidFill>
+                  <a:srgbClr val="098658"/>
+                </a:solidFill>
+                <a:effectLst/>
+                <a:latin typeface="Menlo" panose="020B0609030804020204" pitchFamily="49" charset="0"/>
+              </a:rPr>
+              <a:t>150</a:t>
+            </a:r>
+            <a:r>
+              <a:rPr lang="en-GB" sz="1800" b="0" dirty="0">
+                <a:solidFill>
+                  <a:srgbClr val="000000"/>
+                </a:solidFill>
+                <a:effectLst/>
+                <a:latin typeface="Menlo" panose="020B0609030804020204" pitchFamily="49" charset="0"/>
+              </a:rPr>
+              <a:t>,</a:t>
+            </a:r>
+          </a:p>
+          <a:p>
+            <a:pPr marL="0" indent="0">
+              <a:lnSpc>
+                <a:spcPct val="50000"/>
+              </a:lnSpc>
+              <a:buNone/>
+            </a:pPr>
+            <a:r>
+              <a:rPr lang="en-GB" sz="1800" b="0" dirty="0" err="1">
+                <a:solidFill>
+                  <a:srgbClr val="001080"/>
+                </a:solidFill>
+                <a:effectLst/>
+                <a:latin typeface="Menlo" panose="020B0609030804020204" pitchFamily="49" charset="0"/>
+              </a:rPr>
+              <a:t>batch_size</a:t>
+            </a:r>
+            <a:r>
+              <a:rPr lang="en-GB" sz="1800" b="0" dirty="0">
+                <a:solidFill>
+                  <a:srgbClr val="000000"/>
+                </a:solidFill>
+                <a:effectLst/>
+                <a:latin typeface="Menlo" panose="020B0609030804020204" pitchFamily="49" charset="0"/>
+              </a:rPr>
+              <a:t>=</a:t>
+            </a:r>
+            <a:r>
+              <a:rPr lang="en-GB" sz="1800" b="0" dirty="0">
+                <a:solidFill>
+                  <a:srgbClr val="098658"/>
+                </a:solidFill>
+                <a:effectLst/>
+                <a:latin typeface="Menlo" panose="020B0609030804020204" pitchFamily="49" charset="0"/>
+              </a:rPr>
+              <a:t>32</a:t>
+            </a:r>
+            <a:r>
+              <a:rPr lang="en-GB" sz="1800" b="0" dirty="0">
+                <a:solidFill>
+                  <a:srgbClr val="000000"/>
+                </a:solidFill>
+                <a:effectLst/>
+                <a:latin typeface="Menlo" panose="020B0609030804020204" pitchFamily="49" charset="0"/>
+              </a:rPr>
+              <a:t>,</a:t>
+            </a:r>
+          </a:p>
+          <a:p>
+            <a:pPr marL="0" indent="0">
+              <a:lnSpc>
+                <a:spcPct val="50000"/>
+              </a:lnSpc>
+              <a:buNone/>
+            </a:pPr>
+            <a:r>
+              <a:rPr lang="en-GB" sz="1800" b="0" dirty="0" err="1">
+                <a:solidFill>
+                  <a:srgbClr val="001080"/>
+                </a:solidFill>
+                <a:effectLst/>
+                <a:latin typeface="Menlo" panose="020B0609030804020204" pitchFamily="49" charset="0"/>
+              </a:rPr>
+              <a:t>validation_data</a:t>
+            </a:r>
+            <a:r>
+              <a:rPr lang="en-GB" sz="1800" b="0" dirty="0">
+                <a:solidFill>
+                  <a:srgbClr val="000000"/>
+                </a:solidFill>
+                <a:effectLst/>
+                <a:latin typeface="Menlo" panose="020B0609030804020204" pitchFamily="49" charset="0"/>
+              </a:rPr>
+              <a:t>=(</a:t>
+            </a:r>
+            <a:r>
+              <a:rPr lang="en-GB" sz="1800" b="0" dirty="0" err="1">
+                <a:solidFill>
+                  <a:srgbClr val="001080"/>
+                </a:solidFill>
+                <a:effectLst/>
+                <a:latin typeface="Menlo" panose="020B0609030804020204" pitchFamily="49" charset="0"/>
+              </a:rPr>
+              <a:t>X_val_seq</a:t>
+            </a:r>
+            <a:r>
+              <a:rPr lang="en-GB" sz="1800" b="0" dirty="0">
+                <a:solidFill>
+                  <a:srgbClr val="000000"/>
+                </a:solidFill>
+                <a:effectLst/>
+                <a:latin typeface="Menlo" panose="020B0609030804020204" pitchFamily="49" charset="0"/>
+              </a:rPr>
+              <a:t>, </a:t>
+            </a:r>
+            <a:r>
+              <a:rPr lang="en-GB" sz="1800" b="0" dirty="0" err="1">
+                <a:solidFill>
+                  <a:srgbClr val="001080"/>
+                </a:solidFill>
+                <a:effectLst/>
+                <a:latin typeface="Menlo" panose="020B0609030804020204" pitchFamily="49" charset="0"/>
+              </a:rPr>
+              <a:t>y_val_seq</a:t>
+            </a:r>
+            <a:r>
+              <a:rPr lang="en-GB" sz="1800" b="0" dirty="0">
+                <a:solidFill>
+                  <a:srgbClr val="000000"/>
+                </a:solidFill>
+                <a:effectLst/>
+                <a:latin typeface="Menlo" panose="020B0609030804020204" pitchFamily="49" charset="0"/>
+              </a:rPr>
+              <a:t>),</a:t>
+            </a:r>
+          </a:p>
+          <a:p>
+            <a:pPr marL="0" indent="0">
+              <a:lnSpc>
+                <a:spcPct val="50000"/>
+              </a:lnSpc>
+              <a:buNone/>
+            </a:pPr>
+            <a:r>
+              <a:rPr lang="en-GB" sz="1800" b="0" dirty="0" err="1">
+                <a:solidFill>
+                  <a:srgbClr val="001080"/>
+                </a:solidFill>
+                <a:effectLst/>
+                <a:latin typeface="Menlo" panose="020B0609030804020204" pitchFamily="49" charset="0"/>
+              </a:rPr>
+              <a:t>callbacks</a:t>
+            </a:r>
+            <a:r>
+              <a:rPr lang="en-GB" sz="1800" b="0" dirty="0">
+                <a:solidFill>
+                  <a:srgbClr val="000000"/>
+                </a:solidFill>
+                <a:effectLst/>
+                <a:latin typeface="Menlo" panose="020B0609030804020204" pitchFamily="49" charset="0"/>
+              </a:rPr>
+              <a:t>=</a:t>
+            </a:r>
+            <a:r>
+              <a:rPr lang="en-GB" sz="1800" b="0" dirty="0" err="1">
+                <a:solidFill>
+                  <a:srgbClr val="001080"/>
+                </a:solidFill>
+                <a:effectLst/>
+                <a:latin typeface="Menlo" panose="020B0609030804020204" pitchFamily="49" charset="0"/>
+              </a:rPr>
+              <a:t>callbacks</a:t>
+            </a:r>
+            <a:r>
+              <a:rPr lang="en-GB" sz="1800" b="0" dirty="0">
+                <a:solidFill>
+                  <a:srgbClr val="000000"/>
+                </a:solidFill>
+                <a:effectLst/>
+                <a:latin typeface="Menlo" panose="020B0609030804020204" pitchFamily="49" charset="0"/>
+              </a:rPr>
+              <a:t>,</a:t>
+            </a:r>
+          </a:p>
+          <a:p>
+            <a:pPr marL="0" indent="0">
+              <a:lnSpc>
+                <a:spcPct val="50000"/>
+              </a:lnSpc>
+              <a:buNone/>
+            </a:pPr>
+            <a:r>
+              <a:rPr lang="en-GB" sz="1800" b="0" dirty="0">
+                <a:solidFill>
+                  <a:srgbClr val="001080"/>
+                </a:solidFill>
+                <a:effectLst/>
+                <a:latin typeface="Menlo" panose="020B0609030804020204" pitchFamily="49" charset="0"/>
+              </a:rPr>
+              <a:t>verbose</a:t>
+            </a:r>
+            <a:r>
+              <a:rPr lang="en-GB" sz="1800" b="0" dirty="0">
+                <a:solidFill>
+                  <a:srgbClr val="000000"/>
+                </a:solidFill>
+                <a:effectLst/>
+                <a:latin typeface="Menlo" panose="020B0609030804020204" pitchFamily="49" charset="0"/>
+              </a:rPr>
+              <a:t>=</a:t>
+            </a:r>
+            <a:r>
+              <a:rPr lang="en-GB" sz="1800" b="0" dirty="0">
+                <a:solidFill>
+                  <a:srgbClr val="098658"/>
+                </a:solidFill>
+                <a:effectLst/>
+                <a:latin typeface="Menlo" panose="020B0609030804020204" pitchFamily="49" charset="0"/>
+              </a:rPr>
+              <a:t>1</a:t>
+            </a:r>
+            <a:r>
+              <a:rPr lang="en-GB" sz="1800" b="0" dirty="0">
+                <a:solidFill>
+                  <a:srgbClr val="000000"/>
+                </a:solidFill>
+                <a:effectLst/>
+                <a:latin typeface="Menlo" panose="020B0609030804020204" pitchFamily="49" charset="0"/>
+              </a:rPr>
+              <a:t>)</a:t>
+            </a:r>
+          </a:p>
+          <a:p>
+            <a:endParaRPr lang="LID4096" sz="1800" dirty="0"/>
+          </a:p>
+        </p:txBody>
+      </p:sp>
     </p:spTree>
     <p:extLst>
       <p:ext uri="{BB962C8B-B14F-4D97-AF65-F5344CB8AC3E}">
-        <p14:creationId xmlns:p14="http://schemas.microsoft.com/office/powerpoint/2010/main" val="1675197077"/>
+        <p14:creationId xmlns:p14="http://schemas.microsoft.com/office/powerpoint/2010/main" val="1530685462"/>
       </p:ext>
     </p:extLst>
   </p:cSld>
@@ -4425,7 +8061,7 @@
           <p:cNvPr id="2" name="Title 1">
             <a:extLst>
               <a:ext uri="{FF2B5EF4-FFF2-40B4-BE49-F238E27FC236}">
-                <a16:creationId xmlns:a16="http://schemas.microsoft.com/office/drawing/2014/main" id="{B8A8C6EC-17C7-42DE-8B67-165E7489BC7C}"/>
+                <a16:creationId xmlns:a16="http://schemas.microsoft.com/office/drawing/2014/main" id="{5975FA0C-7299-4942-AAF2-AA1A7DB25708}"/>
               </a:ext>
             </a:extLst>
           </p:cNvPr>
@@ -4442,12 +8078,24 @@
           <a:lstStyle/>
           <a:p>
             <a:r>
-              <a:rPr lang="en-US" dirty="0" err="1"/>
-              <a:t>Warengruppen</a:t>
-            </a:r>
-            <a:r>
-              <a:rPr lang="en-US" dirty="0"/>
-              <a:t> MAPEs</a:t>
+              <a:rPr lang="en-GB" dirty="0" err="1"/>
+              <a:t>Optimierung</a:t>
+            </a:r>
+            <a:r>
+              <a:rPr lang="en-GB" dirty="0"/>
+              <a:t> des </a:t>
+            </a:r>
+            <a:r>
+              <a:rPr lang="en-GB" dirty="0" err="1"/>
+              <a:t>neuronalen</a:t>
+            </a:r>
+            <a:r>
+              <a:rPr lang="en-GB" dirty="0"/>
+              <a:t> </a:t>
+            </a:r>
+            <a:r>
+              <a:rPr lang="en-GB" dirty="0" err="1"/>
+              <a:t>Netzes</a:t>
             </a:r>
             <a:endParaRPr lang="LID4096" dirty="0"/>
           </a:p>
@@ -4455,259 +8103,93 @@
       </p:sp>
       <p:pic>
         <p:nvPicPr>
-          <p:cNvPr id="11" name="Content Placeholder 10">
-            <a:extLst>
-              <a:ext uri="{FF2B5EF4-FFF2-40B4-BE49-F238E27FC236}">
-                <a16:creationId xmlns:a16="http://schemas.microsoft.com/office/drawing/2014/main" id="{F5E48BCB-5241-4C25-B796-51534DE98A19}"/>
+          <p:cNvPr id="5" name="Picture 4">
+            <a:extLst>
+              <a:ext uri="{FF2B5EF4-FFF2-40B4-BE49-F238E27FC236}">
+                <a16:creationId xmlns:a16="http://schemas.microsoft.com/office/drawing/2014/main" id="{1B67670B-A4B5-AE40-B700-E79FB2A52705}"/>
               </a:ext>
             </a:extLst>
           </p:cNvPr>
           <p:cNvPicPr>
-            <a:picLocks noGrp="1" noChangeAspect="1"/>
+            <a:picLocks noChangeAspect="1"/>
           </p:cNvPicPr>
-          <p:nvPr>
-            <p:ph idx="1"/>
-          </p:nvPr>
+          <p:nvPr/>
         </p:nvPicPr>
         <p:blipFill>
-          <a:blip r:embed="rId2">
-            <a:extLst>
-              <a:ext uri="{28A0092B-C50C-407E-A947-70E740481C1C}">
-                <a14:useLocalDpi xmlns:a14="http://schemas.microsoft.com/office/drawing/2010/main" val="0"/>
-              </a:ext>
-            </a:extLst>
-          </a:blip>
+          <a:blip r:embed="rId2"/>
           <a:stretch>
             <a:fillRect/>
           </a:stretch>
         </p:blipFill>
         <p:spPr>
           <a:xfrm>
-            <a:off x="3393311" y="1307917"/>
-            <a:ext cx="5405377" cy="5405377"/>
-          </a:xfrm>
-        </p:spPr>
-      </p:pic>
-      <p:sp>
-        <p:nvSpPr>
-          <p:cNvPr id="12" name="TextBox 11">
-            <a:extLst>
-              <a:ext uri="{FF2B5EF4-FFF2-40B4-BE49-F238E27FC236}">
-                <a16:creationId xmlns:a16="http://schemas.microsoft.com/office/drawing/2014/main" id="{66B21DF3-FA28-479D-8E83-70F97F3C7004}"/>
-              </a:ext>
-            </a:extLst>
-          </p:cNvPr>
-          <p:cNvSpPr txBox="1"/>
-          <p:nvPr/>
-        </p:nvSpPr>
-        <p:spPr>
-          <a:xfrm>
-            <a:off x="1766734" y="1690688"/>
-            <a:ext cx="1776566" cy="830997"/>
+            <a:off x="838200" y="1899138"/>
+            <a:ext cx="9912078" cy="4832253"/>
           </a:xfrm>
           <a:prstGeom prst="rect">
             <a:avLst/>
           </a:prstGeom>
-          <a:noFill/>
         </p:spPr>
-        <p:txBody>
-          <a:bodyPr wrap="square" rtlCol="0">
-            <a:spAutoFit/>
-          </a:bodyPr>
-          <a:lstStyle/>
-          <a:p>
-            <a:r>
-              <a:rPr lang="en-US" sz="4800" dirty="0"/>
-              <a:t>20.9%</a:t>
-            </a:r>
-            <a:endParaRPr lang="LID4096" sz="4800" dirty="0"/>
-          </a:p>
-        </p:txBody>
-      </p:sp>
-      <p:sp>
-        <p:nvSpPr>
-          <p:cNvPr id="13" name="TextBox 12">
-            <a:extLst>
-              <a:ext uri="{FF2B5EF4-FFF2-40B4-BE49-F238E27FC236}">
-                <a16:creationId xmlns:a16="http://schemas.microsoft.com/office/drawing/2014/main" id="{90ABEB81-A327-4D5C-AC56-80B773C986B3}"/>
-              </a:ext>
-            </a:extLst>
-          </p:cNvPr>
-          <p:cNvSpPr txBox="1"/>
+      </p:pic>
+      <p:sp>
+        <p:nvSpPr>
+          <p:cNvPr id="4" name="Title 1">
+            <a:extLst>
+              <a:ext uri="{FF2B5EF4-FFF2-40B4-BE49-F238E27FC236}">
+                <a16:creationId xmlns:a16="http://schemas.microsoft.com/office/drawing/2014/main" id="{E6A41BB3-5E16-5B4D-AA92-4B947B3188ED}"/>
+              </a:ext>
+            </a:extLst>
+          </p:cNvPr>
+          <p:cNvSpPr txBox="1">
+            <a:spLocks/>
+          </p:cNvSpPr>
           <p:nvPr/>
         </p:nvSpPr>
         <p:spPr>
           <a:xfrm>
-            <a:off x="8798688" y="1690687"/>
-            <a:ext cx="1776566" cy="830997"/>
+            <a:off x="838200" y="1239635"/>
+            <a:ext cx="8333935" cy="902106"/>
           </a:xfrm>
           <a:prstGeom prst="rect">
             <a:avLst/>
           </a:prstGeom>
-          <a:noFill/>
         </p:spPr>
         <p:txBody>
-          <a:bodyPr wrap="square" rtlCol="0">
-            <a:spAutoFit/>
+          <a:bodyPr vert="horz" lIns="91440" tIns="45720" rIns="91440" bIns="45720" rtlCol="0" anchor="ctr">
+            <a:normAutofit/>
           </a:bodyPr>
-          <a:lstStyle/>
-          <a:p>
-            <a:r>
-              <a:rPr lang="en-US" sz="4800" dirty="0"/>
-              <a:t>18.6%</a:t>
-            </a:r>
-            <a:endParaRPr lang="LID4096" sz="4800" dirty="0"/>
-          </a:p>
-        </p:txBody>
-      </p:sp>
-      <p:sp>
-        <p:nvSpPr>
-          <p:cNvPr id="14" name="TextBox 13">
-            <a:extLst>
-              <a:ext uri="{FF2B5EF4-FFF2-40B4-BE49-F238E27FC236}">
-                <a16:creationId xmlns:a16="http://schemas.microsoft.com/office/drawing/2014/main" id="{26FB1BC8-979D-428A-A7E0-EAB632C358AC}"/>
-              </a:ext>
-            </a:extLst>
-          </p:cNvPr>
-          <p:cNvSpPr txBox="1"/>
-          <p:nvPr/>
-        </p:nvSpPr>
-        <p:spPr>
-          <a:xfrm>
-            <a:off x="1766734" y="3595106"/>
-            <a:ext cx="1776566" cy="830997"/>
-          </a:xfrm>
-          <a:prstGeom prst="rect">
-            <a:avLst/>
-          </a:prstGeom>
-          <a:noFill/>
-        </p:spPr>
-        <p:txBody>
-          <a:bodyPr wrap="square" rtlCol="0">
-            <a:spAutoFit/>
-          </a:bodyPr>
-          <a:lstStyle/>
-          <a:p>
-            <a:r>
-              <a:rPr lang="en-US" sz="4800" dirty="0"/>
-              <a:t>19.4%</a:t>
-            </a:r>
-            <a:endParaRPr lang="LID4096" sz="4800" dirty="0"/>
-          </a:p>
-        </p:txBody>
-      </p:sp>
-      <p:sp>
-        <p:nvSpPr>
-          <p:cNvPr id="15" name="TextBox 14">
-            <a:extLst>
-              <a:ext uri="{FF2B5EF4-FFF2-40B4-BE49-F238E27FC236}">
-                <a16:creationId xmlns:a16="http://schemas.microsoft.com/office/drawing/2014/main" id="{485AE0E1-87BC-4EF3-849A-BF8840A4BC02}"/>
-              </a:ext>
-            </a:extLst>
-          </p:cNvPr>
-          <p:cNvSpPr txBox="1"/>
-          <p:nvPr/>
-        </p:nvSpPr>
-        <p:spPr>
-          <a:xfrm>
-            <a:off x="8798688" y="3505320"/>
-            <a:ext cx="1776566" cy="830997"/>
-          </a:xfrm>
-          <a:prstGeom prst="rect">
-            <a:avLst/>
-          </a:prstGeom>
-          <a:noFill/>
-        </p:spPr>
-        <p:txBody>
-          <a:bodyPr wrap="square" rtlCol="0">
-            <a:spAutoFit/>
-          </a:bodyPr>
-          <a:lstStyle/>
-          <a:p>
-            <a:r>
-              <a:rPr lang="en-US" sz="4800" dirty="0"/>
-              <a:t>25.4%</a:t>
-            </a:r>
-            <a:endParaRPr lang="LID4096" sz="4800" dirty="0"/>
-          </a:p>
-        </p:txBody>
-      </p:sp>
-      <p:sp>
-        <p:nvSpPr>
-          <p:cNvPr id="16" name="TextBox 15">
-            <a:extLst>
-              <a:ext uri="{FF2B5EF4-FFF2-40B4-BE49-F238E27FC236}">
-                <a16:creationId xmlns:a16="http://schemas.microsoft.com/office/drawing/2014/main" id="{8533BFD0-9D04-42B2-B47C-F6F3C28E29CA}"/>
-              </a:ext>
-            </a:extLst>
-          </p:cNvPr>
-          <p:cNvSpPr txBox="1"/>
-          <p:nvPr/>
-        </p:nvSpPr>
-        <p:spPr>
-          <a:xfrm>
-            <a:off x="1766734" y="5308033"/>
-            <a:ext cx="1776566" cy="830997"/>
-          </a:xfrm>
-          <a:prstGeom prst="rect">
-            <a:avLst/>
-          </a:prstGeom>
-          <a:noFill/>
-        </p:spPr>
-        <p:txBody>
-          <a:bodyPr wrap="square" rtlCol="0">
-            <a:spAutoFit/>
-          </a:bodyPr>
-          <a:lstStyle/>
-          <a:p>
-            <a:r>
-              <a:rPr lang="en-US" sz="4800" dirty="0"/>
-              <a:t>17.2%</a:t>
-            </a:r>
-            <a:endParaRPr lang="LID4096" sz="4800" dirty="0"/>
-          </a:p>
-        </p:txBody>
-      </p:sp>
-      <p:sp>
-        <p:nvSpPr>
-          <p:cNvPr id="17" name="TextBox 16">
-            <a:extLst>
-              <a:ext uri="{FF2B5EF4-FFF2-40B4-BE49-F238E27FC236}">
-                <a16:creationId xmlns:a16="http://schemas.microsoft.com/office/drawing/2014/main" id="{1548E990-BBAA-4880-A937-B215061DDE4C}"/>
-              </a:ext>
-            </a:extLst>
-          </p:cNvPr>
-          <p:cNvSpPr txBox="1"/>
-          <p:nvPr/>
-        </p:nvSpPr>
-        <p:spPr>
-          <a:xfrm>
-            <a:off x="8798688" y="5449899"/>
-            <a:ext cx="1776566" cy="830997"/>
-          </a:xfrm>
-          <a:prstGeom prst="rect">
-            <a:avLst/>
-          </a:prstGeom>
-          <a:noFill/>
-        </p:spPr>
-        <p:txBody>
-          <a:bodyPr wrap="square" rtlCol="0">
-            <a:spAutoFit/>
-          </a:bodyPr>
-          <a:lstStyle/>
-          <a:p>
-            <a:r>
-              <a:rPr lang="en-US" sz="4800" dirty="0"/>
-              <a:t>50.1%</a:t>
-            </a:r>
-            <a:endParaRPr lang="LID4096" sz="4800" dirty="0"/>
+          <a:lstStyle>
+            <a:lvl1pPr algn="l" defTabSz="914400" rtl="0" eaLnBrk="1" latinLnBrk="0" hangingPunct="1">
+              <a:lnSpc>
+                <a:spcPct val="90000"/>
+              </a:lnSpc>
+              <a:spcBef>
+                <a:spcPct val="0"/>
+              </a:spcBef>
+              <a:buNone/>
+              <a:defRPr sz="4400" kern="1200">
+                <a:solidFill>
+                  <a:schemeClr val="tx1"/>
+                </a:solidFill>
+                <a:latin typeface="+mj-lt"/>
+                <a:ea typeface="+mj-ea"/>
+                <a:cs typeface="+mj-cs"/>
+              </a:defRPr>
+            </a:lvl1pPr>
+          </a:lstStyle>
+          <a:p>
+            <a:r>
+              <a:rPr lang="en-US" sz="2800" dirty="0"/>
+              <a:t>Validation dataset MAPE = 21.65% </a:t>
+            </a:r>
+            <a:endParaRPr lang="LID4096" sz="2800" dirty="0"/>
           </a:p>
         </p:txBody>
       </p:sp>
     </p:spTree>
     <p:extLst>
       <p:ext uri="{BB962C8B-B14F-4D97-AF65-F5344CB8AC3E}">
-        <p14:creationId xmlns:p14="http://schemas.microsoft.com/office/powerpoint/2010/main" val="884086133"/>
+        <p14:creationId xmlns:p14="http://schemas.microsoft.com/office/powerpoint/2010/main" val="859430705"/>
       </p:ext>
     </p:extLst>
   </p:cSld>
@@ -4739,7 +8221,7 @@
           <p:cNvPr id="2" name="Title 1">
             <a:extLst>
               <a:ext uri="{FF2B5EF4-FFF2-40B4-BE49-F238E27FC236}">
-                <a16:creationId xmlns:a16="http://schemas.microsoft.com/office/drawing/2014/main" id="{8DEDDB36-B4E7-4A0C-90B0-08C2C5BACC71}"/>
+                <a16:creationId xmlns:a16="http://schemas.microsoft.com/office/drawing/2014/main" id="{B8A8C6EC-17C7-42DE-8B67-165E7489BC7C}"/>
               </a:ext>
             </a:extLst>
           </p:cNvPr>
@@ -4756,56 +8238,327 @@
           <a:lstStyle/>
           <a:p>
             <a:r>
-              <a:rPr lang="en-DE" dirty="0"/>
-              <a:t>„</a:t>
-            </a:r>
-            <a:r>
-              <a:rPr lang="en-GB" dirty="0"/>
-              <a:t>Worst Fail“ / „Best Improvement“</a:t>
+              <a:rPr lang="en-US" dirty="0" err="1"/>
+              <a:t>Warengruppen</a:t>
+            </a:r>
+            <a:r>
+              <a:rPr lang="en-US" dirty="0"/>
+              <a:t> MAPEs</a:t>
             </a:r>
             <a:endParaRPr lang="LID4096" dirty="0"/>
           </a:p>
         </p:txBody>
       </p:sp>
-      <p:sp>
-        <p:nvSpPr>
-          <p:cNvPr id="3" name="Content Placeholder 2">
-            <a:extLst>
-              <a:ext uri="{FF2B5EF4-FFF2-40B4-BE49-F238E27FC236}">
-                <a16:creationId xmlns:a16="http://schemas.microsoft.com/office/drawing/2014/main" id="{04AAD76D-5C72-4595-9658-BFE4D84616B8}"/>
-              </a:ext>
-            </a:extLst>
-          </p:cNvPr>
-          <p:cNvSpPr>
-            <a:spLocks noGrp="1"/>
-          </p:cNvSpPr>
+      <p:pic>
+        <p:nvPicPr>
+          <p:cNvPr id="11" name="Content Placeholder 10">
+            <a:extLst>
+              <a:ext uri="{FF2B5EF4-FFF2-40B4-BE49-F238E27FC236}">
+                <a16:creationId xmlns:a16="http://schemas.microsoft.com/office/drawing/2014/main" id="{F5E48BCB-5241-4C25-B796-51534DE98A19}"/>
+              </a:ext>
+            </a:extLst>
+          </p:cNvPr>
+          <p:cNvPicPr>
+            <a:picLocks noGrp="1" noChangeAspect="1"/>
+          </p:cNvPicPr>
           <p:nvPr>
             <p:ph idx="1"/>
           </p:nvPr>
-        </p:nvSpPr>
-        <p:spPr/>
-        <p:txBody>
-          <a:bodyPr/>
+        </p:nvPicPr>
+        <p:blipFill>
+          <a:blip r:embed="rId2">
+            <a:extLst>
+              <a:ext uri="{28A0092B-C50C-407E-A947-70E740481C1C}">
+                <a14:useLocalDpi xmlns:a14="http://schemas.microsoft.com/office/drawing/2010/main" val="0"/>
+              </a:ext>
+            </a:extLst>
+          </a:blip>
+          <a:stretch>
+            <a:fillRect/>
+          </a:stretch>
+        </p:blipFill>
+        <p:spPr>
+          <a:xfrm>
+            <a:off x="3111957" y="1265714"/>
+            <a:ext cx="5405377" cy="5405377"/>
+          </a:xfrm>
+        </p:spPr>
+      </p:pic>
+      <p:sp>
+        <p:nvSpPr>
+          <p:cNvPr id="12" name="TextBox 11">
+            <a:extLst>
+              <a:ext uri="{FF2B5EF4-FFF2-40B4-BE49-F238E27FC236}">
+                <a16:creationId xmlns:a16="http://schemas.microsoft.com/office/drawing/2014/main" id="{66B21DF3-FA28-479D-8E83-70F97F3C7004}"/>
+              </a:ext>
+            </a:extLst>
+          </p:cNvPr>
+          <p:cNvSpPr txBox="1"/>
+          <p:nvPr/>
+        </p:nvSpPr>
+        <p:spPr>
+          <a:xfrm>
+            <a:off x="1391857" y="1275189"/>
+            <a:ext cx="1776566" cy="830997"/>
+          </a:xfrm>
+          <a:prstGeom prst="rect">
+            <a:avLst/>
+          </a:prstGeom>
+          <a:noFill/>
+        </p:spPr>
+        <p:txBody>
+          <a:bodyPr wrap="square" rtlCol="0">
+            <a:spAutoFit/>
+          </a:bodyPr>
           <a:lstStyle/>
           <a:p>
             <a:r>
-              <a:rPr lang="en-US" dirty="0"/>
-              <a:t>Worst fail – insufficient data inspection/visualization</a:t>
-            </a:r>
-          </a:p>
-          <a:p>
-            <a:r>
-              <a:rPr lang="en-US" dirty="0"/>
-              <a:t>Best improvement – learning rate scheduler</a:t>
-            </a:r>
-            <a:endParaRPr lang="LID4096" dirty="0"/>
+              <a:rPr lang="en-US" sz="4800" dirty="0"/>
+              <a:t>20.9%</a:t>
+            </a:r>
+            <a:endParaRPr lang="LID4096" sz="4800" dirty="0"/>
+          </a:p>
+        </p:txBody>
+      </p:sp>
+      <p:sp>
+        <p:nvSpPr>
+          <p:cNvPr id="13" name="TextBox 12">
+            <a:extLst>
+              <a:ext uri="{FF2B5EF4-FFF2-40B4-BE49-F238E27FC236}">
+                <a16:creationId xmlns:a16="http://schemas.microsoft.com/office/drawing/2014/main" id="{90ABEB81-A327-4D5C-AC56-80B773C986B3}"/>
+              </a:ext>
+            </a:extLst>
+          </p:cNvPr>
+          <p:cNvSpPr txBox="1"/>
+          <p:nvPr/>
+        </p:nvSpPr>
+        <p:spPr>
+          <a:xfrm>
+            <a:off x="8683149" y="1265714"/>
+            <a:ext cx="1776566" cy="830997"/>
+          </a:xfrm>
+          <a:prstGeom prst="rect">
+            <a:avLst/>
+          </a:prstGeom>
+          <a:noFill/>
+        </p:spPr>
+        <p:txBody>
+          <a:bodyPr wrap="square" rtlCol="0">
+            <a:spAutoFit/>
+          </a:bodyPr>
+          <a:lstStyle/>
+          <a:p>
+            <a:r>
+              <a:rPr lang="en-US" sz="4800" dirty="0"/>
+              <a:t>18.6%</a:t>
+            </a:r>
+            <a:endParaRPr lang="LID4096" sz="4800" dirty="0"/>
+          </a:p>
+        </p:txBody>
+      </p:sp>
+      <p:sp>
+        <p:nvSpPr>
+          <p:cNvPr id="14" name="TextBox 13">
+            <a:extLst>
+              <a:ext uri="{FF2B5EF4-FFF2-40B4-BE49-F238E27FC236}">
+                <a16:creationId xmlns:a16="http://schemas.microsoft.com/office/drawing/2014/main" id="{26FB1BC8-979D-428A-A7E0-EAB632C358AC}"/>
+              </a:ext>
+            </a:extLst>
+          </p:cNvPr>
+          <p:cNvSpPr txBox="1"/>
+          <p:nvPr/>
+        </p:nvSpPr>
+        <p:spPr>
+          <a:xfrm>
+            <a:off x="1391857" y="3179607"/>
+            <a:ext cx="1776566" cy="830997"/>
+          </a:xfrm>
+          <a:prstGeom prst="rect">
+            <a:avLst/>
+          </a:prstGeom>
+          <a:noFill/>
+        </p:spPr>
+        <p:txBody>
+          <a:bodyPr wrap="square" rtlCol="0">
+            <a:spAutoFit/>
+          </a:bodyPr>
+          <a:lstStyle/>
+          <a:p>
+            <a:r>
+              <a:rPr lang="en-US" sz="4800" dirty="0"/>
+              <a:t>19.4%</a:t>
+            </a:r>
+            <a:endParaRPr lang="LID4096" sz="4800" dirty="0"/>
+          </a:p>
+        </p:txBody>
+      </p:sp>
+      <p:sp>
+        <p:nvSpPr>
+          <p:cNvPr id="15" name="TextBox 14">
+            <a:extLst>
+              <a:ext uri="{FF2B5EF4-FFF2-40B4-BE49-F238E27FC236}">
+                <a16:creationId xmlns:a16="http://schemas.microsoft.com/office/drawing/2014/main" id="{485AE0E1-87BC-4EF3-849A-BF8840A4BC02}"/>
+              </a:ext>
+            </a:extLst>
+          </p:cNvPr>
+          <p:cNvSpPr txBox="1"/>
+          <p:nvPr/>
+        </p:nvSpPr>
+        <p:spPr>
+          <a:xfrm>
+            <a:off x="8683149" y="3080347"/>
+            <a:ext cx="1776566" cy="830997"/>
+          </a:xfrm>
+          <a:prstGeom prst="rect">
+            <a:avLst/>
+          </a:prstGeom>
+          <a:noFill/>
+        </p:spPr>
+        <p:txBody>
+          <a:bodyPr wrap="square" rtlCol="0">
+            <a:spAutoFit/>
+          </a:bodyPr>
+          <a:lstStyle/>
+          <a:p>
+            <a:r>
+              <a:rPr lang="en-US" sz="4800" dirty="0"/>
+              <a:t>25.4%</a:t>
+            </a:r>
+            <a:endParaRPr lang="LID4096" sz="4800" dirty="0"/>
+          </a:p>
+        </p:txBody>
+      </p:sp>
+      <p:sp>
+        <p:nvSpPr>
+          <p:cNvPr id="16" name="TextBox 15">
+            <a:extLst>
+              <a:ext uri="{FF2B5EF4-FFF2-40B4-BE49-F238E27FC236}">
+                <a16:creationId xmlns:a16="http://schemas.microsoft.com/office/drawing/2014/main" id="{8533BFD0-9D04-42B2-B47C-F6F3C28E29CA}"/>
+              </a:ext>
+            </a:extLst>
+          </p:cNvPr>
+          <p:cNvSpPr txBox="1"/>
+          <p:nvPr/>
+        </p:nvSpPr>
+        <p:spPr>
+          <a:xfrm>
+            <a:off x="1391857" y="4892534"/>
+            <a:ext cx="1776566" cy="830997"/>
+          </a:xfrm>
+          <a:prstGeom prst="rect">
+            <a:avLst/>
+          </a:prstGeom>
+          <a:noFill/>
+        </p:spPr>
+        <p:txBody>
+          <a:bodyPr wrap="square" rtlCol="0">
+            <a:spAutoFit/>
+          </a:bodyPr>
+          <a:lstStyle/>
+          <a:p>
+            <a:r>
+              <a:rPr lang="en-US" sz="4800" dirty="0"/>
+              <a:t>17.2%</a:t>
+            </a:r>
+            <a:endParaRPr lang="LID4096" sz="4800" dirty="0"/>
+          </a:p>
+        </p:txBody>
+      </p:sp>
+      <p:pic>
+        <p:nvPicPr>
+          <p:cNvPr id="2050" name="Picture 2" descr="Baguette GIFs | Tenor">
+            <a:extLst>
+              <a:ext uri="{FF2B5EF4-FFF2-40B4-BE49-F238E27FC236}">
+                <a16:creationId xmlns:a16="http://schemas.microsoft.com/office/drawing/2014/main" id="{6A9F90CD-9B58-B343-ADF9-D434BD562D44}"/>
+              </a:ext>
+            </a:extLst>
+          </p:cNvPr>
+          <p:cNvPicPr>
+            <a:picLocks noChangeAspect="1" noChangeArrowheads="1"/>
+          </p:cNvPicPr>
+          <p:nvPr/>
+        </p:nvPicPr>
+        <p:blipFill>
+          <a:blip r:embed="rId3">
+            <a:extLst>
+              <a:ext uri="{28A0092B-C50C-407E-A947-70E740481C1C}">
+                <a14:useLocalDpi xmlns:a14="http://schemas.microsoft.com/office/drawing/2010/main" val="0"/>
+              </a:ext>
+            </a:extLst>
+          </a:blip>
+          <a:srcRect/>
+          <a:stretch>
+            <a:fillRect/>
+          </a:stretch>
+        </p:blipFill>
+        <p:spPr bwMode="auto">
+          <a:xfrm>
+            <a:off x="8667323" y="4953000"/>
+            <a:ext cx="2132820" cy="1454195"/>
+          </a:xfrm>
+          <a:prstGeom prst="rect">
+            <a:avLst/>
+          </a:prstGeom>
+          <a:noFill/>
+          <a:extLst>
+            <a:ext uri="{909E8E84-426E-40DD-AFC4-6F175D3DCCD1}">
+              <a14:hiddenFill xmlns:a14="http://schemas.microsoft.com/office/drawing/2010/main">
+                <a:solidFill>
+                  <a:srgbClr val="FFFFFF"/>
+                </a:solidFill>
+              </a14:hiddenFill>
+            </a:ext>
+          </a:extLst>
+        </p:spPr>
+      </p:pic>
+      <p:sp>
+        <p:nvSpPr>
+          <p:cNvPr id="17" name="TextBox 16">
+            <a:extLst>
+              <a:ext uri="{FF2B5EF4-FFF2-40B4-BE49-F238E27FC236}">
+                <a16:creationId xmlns:a16="http://schemas.microsoft.com/office/drawing/2014/main" id="{1548E990-BBAA-4880-A937-B215061DDE4C}"/>
+              </a:ext>
+            </a:extLst>
+          </p:cNvPr>
+          <p:cNvSpPr txBox="1"/>
+          <p:nvPr/>
+        </p:nvSpPr>
+        <p:spPr>
+          <a:xfrm>
+            <a:off x="8683149" y="5024926"/>
+            <a:ext cx="1776566" cy="830997"/>
+          </a:xfrm>
+          <a:prstGeom prst="rect">
+            <a:avLst/>
+          </a:prstGeom>
+          <a:noFill/>
+        </p:spPr>
+        <p:txBody>
+          <a:bodyPr wrap="square" rtlCol="0">
+            <a:spAutoFit/>
+          </a:bodyPr>
+          <a:lstStyle/>
+          <a:p>
+            <a:r>
+              <a:rPr lang="en-US" sz="4800" dirty="0">
+                <a:solidFill>
+                  <a:schemeClr val="bg1"/>
+                </a:solidFill>
+              </a:rPr>
+              <a:t>50.1%</a:t>
+            </a:r>
+            <a:endParaRPr lang="LID4096" sz="4800" dirty="0">
+              <a:solidFill>
+                <a:schemeClr val="bg1"/>
+              </a:solidFill>
+            </a:endParaRPr>
           </a:p>
         </p:txBody>
       </p:sp>
     </p:spTree>
     <p:extLst>
       <p:ext uri="{BB962C8B-B14F-4D97-AF65-F5344CB8AC3E}">
-        <p14:creationId xmlns:p14="http://schemas.microsoft.com/office/powerpoint/2010/main" val="3383484908"/>
+        <p14:creationId xmlns:p14="http://schemas.microsoft.com/office/powerpoint/2010/main" val="884086133"/>
       </p:ext>
     </p:extLst>
   </p:cSld>
@@ -5108,4 +8861,299 @@
     </a:ext>
   </a:extLst>
 </a:theme>
+</file>
+
+<file path=ppt/theme/theme2.xml><?xml version="1.0" encoding="utf-8"?>
+<a:theme xmlns:a="http://schemas.openxmlformats.org/drawingml/2006/main" name="Office Theme">
+  <a:themeElements>
+    <a:clrScheme name="Office">
+      <a:dk1>
+        <a:sysClr val="windowText" lastClr="000000"/>
+      </a:dk1>
+      <a:lt1>
+        <a:sysClr val="window" lastClr="FFFFFF"/>
+      </a:lt1>
+      <a:dk2>
+        <a:srgbClr val="44546A"/>
+      </a:dk2>
+      <a:lt2>
+        <a:srgbClr val="E7E6E6"/>
+      </a:lt2>
+      <a:accent1>
+        <a:srgbClr val="4472C4"/>
+      </a:accent1>
+      <a:accent2>
+        <a:srgbClr val="ED7D31"/>
+      </a:accent2>
+      <a:accent3>
+        <a:srgbClr val="A5A5A5"/>
+      </a:accent3>
+      <a:accent4>
+        <a:srgbClr val="FFC000"/>
+      </a:accent4>
+      <a:accent5>
+        <a:srgbClr val="5B9BD5"/>
+      </a:accent5>
+      <a:accent6>
+        <a:srgbClr val="70AD47"/>
+      </a:accent6>
+      <a:hlink>
+        <a:srgbClr val="0563C1"/>
+      </a:hlink>
+      <a:folHlink>
+        <a:srgbClr val="954F72"/>
+      </a:folHlink>
+    </a:clrScheme>
+    <a:fontScheme name="Office">
+      <a:majorFont>
+        <a:latin typeface="Calibri Light" panose="020F0302020204030204"/>
+        <a:ea typeface=""/>
+        <a:cs typeface=""/>
+        <a:font script="Jpan" typeface="游ゴシック Light"/>
+        <a:font script="Hang" typeface="맑은 고딕"/>
+        <a:font script="Hans" typeface="等线 Light"/>
+        <a:font script="Hant" typeface="新細明體"/>
+        <a:font script="Arab" typeface="Times New Roman"/>
+        <a:font script="Hebr" typeface="Times New Roman"/>
+        <a:font script="Thai" typeface="Angsana New"/>
+        <a:font script="Ethi" typeface="Nyala"/>
+        <a:font script="Beng" typeface="Vrinda"/>
+        <a:font script="Gujr" typeface="Shruti"/>
+        <a:font script="Khmr" typeface="MoolBoran"/>
+        <a:font script="Knda" typeface="Tunga"/>
+        <a:font script="Guru" typeface="Raavi"/>
+        <a:font script="Cans" typeface="Euphemia"/>
+        <a:font script="Cher" typeface="Plantagenet Cherokee"/>
+        <a:font script="Yiii" typeface="Microsoft Yi Baiti"/>
+        <a:font script="Tibt" typeface="Microsoft Himalaya"/>
+        <a:font script="Thaa" typeface="MV Boli"/>
+        <a:font script="Deva" typeface="Mangal"/>
+        <a:font script="Telu" typeface="Gautami"/>
+        <a:font script="Taml" typeface="Latha"/>
+        <a:font script="Syrc" typeface="Estrangelo Edessa"/>
+        <a:font script="Orya" typeface="Kalinga"/>
+        <a:font script="Mlym" typeface="Kartika"/>
+        <a:font script="Laoo" typeface="DokChampa"/>
+        <a:font script="Sinh" typeface="Iskoola Pota"/>
+        <a:font script="Mong" typeface="Mongolian Baiti"/>
+        <a:font script="Viet" typeface="Times New Roman"/>
+        <a:font script="Uigh" typeface="Microsoft Uighur"/>
+        <a:font script="Geor" typeface="Sylfaen"/>
+        <a:font script="Armn" typeface="Arial"/>
+        <a:font script="Bugi" typeface="Leelawadee UI"/>
+        <a:font script="Bopo" typeface="Microsoft JhengHei"/>
+        <a:font script="Java" typeface="Javanese Text"/>
+        <a:font script="Lisu" typeface="Segoe UI"/>
+        <a:font script="Mymr" typeface="Myanmar Text"/>
+        <a:font script="Nkoo" typeface="Ebrima"/>
+        <a:font script="Olck" typeface="Nirmala UI"/>
+        <a:font script="Osma" typeface="Ebrima"/>
+        <a:font script="Phag" typeface="Phagspa"/>
+        <a:font script="Syrn" typeface="Estrangelo Edessa"/>
+        <a:font script="Syrj" typeface="Estrangelo Edessa"/>
+        <a:font script="Syre" typeface="Estrangelo Edessa"/>
+        <a:font script="Sora" typeface="Nirmala UI"/>
+        <a:font script="Tale" typeface="Microsoft Tai Le"/>
+        <a:font script="Talu" typeface="Microsoft New Tai Lue"/>
+        <a:font script="Tfng" typeface="Ebrima"/>
+      </a:majorFont>
+      <a:minorFont>
+        <a:latin typeface="Calibri" panose="020F0502020204030204"/>
+        <a:ea typeface=""/>
+        <a:cs typeface=""/>
+        <a:font script="Jpan" typeface="游ゴシック"/>
+        <a:font script="Hang" typeface="맑은 고딕"/>
+        <a:font script="Hans" typeface="等线"/>
+        <a:font script="Hant" typeface="新細明體"/>
+        <a:font script="Arab" typeface="Arial"/>
+        <a:font script="Hebr" typeface="Arial"/>
+        <a:font script="Thai" typeface="Cordia New"/>
+        <a:font script="Ethi" typeface="Nyala"/>
+        <a:font script="Beng" typeface="Vrinda"/>
+        <a:font script="Gujr" typeface="Shruti"/>
+        <a:font script="Khmr" typeface="DaunPenh"/>
+        <a:font script="Knda" typeface="Tunga"/>
+        <a:font script="Guru" typeface="Raavi"/>
+        <a:font script="Cans" typeface="Euphemia"/>
+        <a:font script="Cher" typeface="Plantagenet Cherokee"/>
+        <a:font script="Yiii" typeface="Microsoft Yi Baiti"/>
+        <a:font script="Tibt" typeface="Microsoft Himalaya"/>
+        <a:font script="Thaa" typeface="MV Boli"/>
+        <a:font script="Deva" typeface="Mangal"/>
+        <a:font script="Telu" typeface="Gautami"/>
+        <a:font script="Taml" typeface="Latha"/>
+        <a:font script="Syrc" typeface="Estrangelo Edessa"/>
+        <a:font script="Orya" typeface="Kalinga"/>
+        <a:font script="Mlym" typeface="Kartika"/>
+        <a:font script="Laoo" typeface="DokChampa"/>
+        <a:font script="Sinh" typeface="Iskoola Pota"/>
+        <a:font script="Mong" typeface="Mongolian Baiti"/>
+        <a:font script="Viet" typeface="Arial"/>
+        <a:font script="Uigh" typeface="Microsoft Uighur"/>
+        <a:font script="Geor" typeface="Sylfaen"/>
+        <a:font script="Armn" typeface="Arial"/>
+        <a:font script="Bugi" typeface="Leelawadee UI"/>
+        <a:font script="Bopo" typeface="Microsoft JhengHei"/>
+        <a:font script="Java" typeface="Javanese Text"/>
+        <a:font script="Lisu" typeface="Segoe UI"/>
+        <a:font script="Mymr" typeface="Myanmar Text"/>
+        <a:font script="Nkoo" typeface="Ebrima"/>
+        <a:font script="Olck" typeface="Nirmala UI"/>
+        <a:font script="Osma" typeface="Ebrima"/>
+        <a:font script="Phag" typeface="Phagspa"/>
+        <a:font script="Syrn" typeface="Estrangelo Edessa"/>
+        <a:font script="Syrj" typeface="Estrangelo Edessa"/>
+        <a:font script="Syre" typeface="Estrangelo Edessa"/>
+        <a:font script="Sora" typeface="Nirmala UI"/>
+        <a:font script="Tale" typeface="Microsoft Tai Le"/>
+        <a:font script="Talu" typeface="Microsoft New Tai Lue"/>
+        <a:font script="Tfng" typeface="Ebrima"/>
+      </a:minorFont>
+    </a:fontScheme>
+    <a:fmtScheme name="Office">
+      <a:fillStyleLst>
+        <a:solidFill>
+          <a:schemeClr val="phClr"/>
+        </a:solidFill>
+        <a:gradFill rotWithShape="1">
+          <a:gsLst>
+            <a:gs pos="0">
+              <a:schemeClr val="phClr">
+                <a:lumMod val="110000"/>
+                <a:satMod val="105000"/>
+                <a:tint val="67000"/>
+              </a:schemeClr>
+            </a:gs>
+            <a:gs pos="50000">
+              <a:schemeClr val="phClr">
+                <a:lumMod val="105000"/>
+                <a:satMod val="103000"/>
+                <a:tint val="73000"/>
+              </a:schemeClr>
+            </a:gs>
+            <a:gs pos="100000">
+              <a:schemeClr val="phClr">
+                <a:lumMod val="105000"/>
+                <a:satMod val="109000"/>
+                <a:tint val="81000"/>
+              </a:schemeClr>
+            </a:gs>
+          </a:gsLst>
+          <a:lin ang="5400000" scaled="0"/>
+        </a:gradFill>
+        <a:gradFill rotWithShape="1">
+          <a:gsLst>
+            <a:gs pos="0">
+              <a:schemeClr val="phClr">
+                <a:satMod val="103000"/>
+                <a:lumMod val="102000"/>
+                <a:tint val="94000"/>
+              </a:schemeClr>
+            </a:gs>
+            <a:gs pos="50000">
+              <a:schemeClr val="phClr">
+                <a:satMod val="110000"/>
+                <a:lumMod val="100000"/>
+                <a:shade val="100000"/>
+              </a:schemeClr>
+            </a:gs>
+            <a:gs pos="100000">
+              <a:schemeClr val="phClr">
+                <a:lumMod val="99000"/>
+                <a:satMod val="120000"/>
+                <a:shade val="78000"/>
+              </a:schemeClr>
+            </a:gs>
+          </a:gsLst>
+          <a:lin ang="5400000" scaled="0"/>
+        </a:gradFill>
+      </a:fillStyleLst>
+      <a:lnStyleLst>
+        <a:ln w="6350" cap="flat" cmpd="sng" algn="ctr">
+          <a:solidFill>
+            <a:schemeClr val="phClr"/>
+          </a:solidFill>
+          <a:prstDash val="solid"/>
+          <a:miter lim="800000"/>
+        </a:ln>
+        <a:ln w="12700" cap="flat" cmpd="sng" algn="ctr">
+          <a:solidFill>
+            <a:schemeClr val="phClr"/>
+          </a:solidFill>
+          <a:prstDash val="solid"/>
+          <a:miter lim="800000"/>
+        </a:ln>
+        <a:ln w="19050" cap="flat" cmpd="sng" algn="ctr">
+          <a:solidFill>
+            <a:schemeClr val="phClr"/>
+          </a:solidFill>
+          <a:prstDash val="solid"/>
+          <a:miter lim="800000"/>
+        </a:ln>
+      </a:lnStyleLst>
+      <a:effectStyleLst>
+        <a:effectStyle>
+          <a:effectLst/>
+        </a:effectStyle>
+        <a:effectStyle>
+          <a:effectLst/>
+        </a:effectStyle>
+        <a:effectStyle>
+          <a:effectLst>
+            <a:outerShdw blurRad="57150" dist="19050" dir="5400000" algn="ctr" rotWithShape="0">
+              <a:srgbClr val="000000">
+                <a:alpha val="63000"/>
+              </a:srgbClr>
+            </a:outerShdw>
+          </a:effectLst>
+        </a:effectStyle>
+      </a:effectStyleLst>
+      <a:bgFillStyleLst>
+        <a:solidFill>
+          <a:schemeClr val="phClr"/>
+        </a:solidFill>
+        <a:solidFill>
+          <a:schemeClr val="phClr">
+            <a:tint val="95000"/>
+            <a:satMod val="170000"/>
+          </a:schemeClr>
+        </a:solidFill>
+        <a:gradFill rotWithShape="1">
+          <a:gsLst>
+            <a:gs pos="0">
+              <a:schemeClr val="phClr">
+                <a:tint val="93000"/>
+                <a:satMod val="150000"/>
+                <a:shade val="98000"/>
+                <a:lumMod val="102000"/>
+              </a:schemeClr>
+            </a:gs>
+            <a:gs pos="50000">
+              <a:schemeClr val="phClr">
+                <a:tint val="98000"/>
+                <a:satMod val="130000"/>
+                <a:shade val="90000"/>
+                <a:lumMod val="103000"/>
+              </a:schemeClr>
+            </a:gs>
+            <a:gs pos="100000">
+              <a:schemeClr val="phClr">
+                <a:shade val="63000"/>
+                <a:satMod val="120000"/>
+              </a:schemeClr>
+            </a:gs>
+          </a:gsLst>
+          <a:lin ang="5400000" scaled="0"/>
+        </a:gradFill>
+      </a:bgFillStyleLst>
+    </a:fmtScheme>
+  </a:themeElements>
+  <a:objectDefaults/>
+  <a:extraClrSchemeLst/>
+  <a:extLst>
+    <a:ext uri="{05A4C25C-085E-4340-85A3-A5531E510DB2}">
+      <thm15:themeFamily xmlns:thm15="http://schemas.microsoft.com/office/thememl/2012/main" name="Office Theme" id="{62F939B6-93AF-4DB8-9C6B-D6C7DFDC589F}" vid="{4A3C46E8-61CC-4603-A589-7422A47A8E4A}"/>
+    </a:ext>
+  </a:extLst>
+</a:theme>
 </file>
--- a/4_Presentation/Bakery sales predictions.pptx
+++ b/4_Presentation/Bakery sales predictions.pptx
@@ -1,6 +1,6 @@
 
 <file path=ppt/presentation.xml><?xml version="1.0" encoding="utf-8"?>
-<p:presentation xmlns:a="http://schemas.openxmlformats.org/drawingml/2006/main" xmlns:r="http://schemas.openxmlformats.org/officeDocument/2006/relationships" xmlns:p="http://schemas.openxmlformats.org/presentationml/2006/main" saveSubsetFonts="1">
+<p:presentation xmlns:a="http://schemas.openxmlformats.org/drawingml/2006/main" xmlns:r="http://schemas.openxmlformats.org/officeDocument/2006/relationships" xmlns:p="http://schemas.openxmlformats.org/presentationml/2006/main" showSpecialPlsOnTitleSld="0" saveSubsetFonts="1">
   <p:sldMasterIdLst>
     <p:sldMasterId id="2147483648" r:id="rId1"/>
   </p:sldMasterIdLst>
@@ -206,7 +206,7 @@
           <a:p>
             <a:fld id="{E9AC190B-E092-BD46-995A-C1CFF631AF84}" type="datetimeFigureOut">
               <a:rPr lang="en-DE" smtClean="0"/>
-              <a:t>08.01.25</a:t>
+              <a:t>09.01.25</a:t>
             </a:fld>
             <a:endParaRPr lang="en-DE"/>
           </a:p>
@@ -523,6 +523,16 @@
               <a:buAutoNum type="arabicPeriod"/>
             </a:pPr>
             <a:r>
+              <a:rPr lang="en-GB" b="1" i="0" dirty="0">
+                <a:solidFill>
+                  <a:srgbClr val="FFFFFF"/>
+                </a:solidFill>
+                <a:effectLst/>
+                <a:latin typeface="var(--sds-font-family-01)"/>
+              </a:rPr>
+              <a:t>LSTM</a:t>
+            </a:r>
+            <a:r>
               <a:rPr lang="en-GB" b="0" i="0" dirty="0">
                 <a:solidFill>
                   <a:srgbClr val="FFFFFF"/>
@@ -530,7 +540,7 @@
                 <a:effectLst/>
                 <a:latin typeface="var(--sds-font-family-01)"/>
               </a:rPr>
-              <a:t>LSTM(128, activation='</a:t>
+              <a:t>(128, activation='</a:t>
             </a:r>
             <a:r>
               <a:rPr lang="en-GB" b="0" i="0" dirty="0" err="1">
@@ -639,6 +649,16 @@
               <a:buAutoNum type="arabicPeriod"/>
             </a:pPr>
             <a:r>
+              <a:rPr lang="en-GB" b="1" i="0" dirty="0">
+                <a:solidFill>
+                  <a:srgbClr val="FFFFFF"/>
+                </a:solidFill>
+                <a:effectLst/>
+                <a:latin typeface="var(--sds-font-family-01)"/>
+              </a:rPr>
+              <a:t>Dropout</a:t>
+            </a:r>
+            <a:r>
               <a:rPr lang="en-GB" b="0" i="0" dirty="0">
                 <a:solidFill>
                   <a:srgbClr val="FFFFFF"/>
@@ -646,7 +666,7 @@
                 <a:effectLst/>
                 <a:latin typeface="var(--sds-font-family-01)"/>
               </a:rPr>
-              <a:t>Dropout(0.3): This adds a dropout layer with a dropout rate of 0.3 to the model, which helps prevent overfitting.</a:t>
+              <a:t>(0.3): This adds a dropout layer with a dropout rate of 0.3 to the model, which helps prevent overfitting.</a:t>
             </a:r>
           </a:p>
           <a:p>
@@ -655,6 +675,16 @@
               <a:buAutoNum type="arabicPeriod"/>
             </a:pPr>
             <a:r>
+              <a:rPr lang="en-GB" b="1" i="0" dirty="0">
+                <a:solidFill>
+                  <a:srgbClr val="FFFFFF"/>
+                </a:solidFill>
+                <a:effectLst/>
+                <a:latin typeface="var(--sds-font-family-01)"/>
+              </a:rPr>
+              <a:t>Dense</a:t>
+            </a:r>
+            <a:r>
               <a:rPr lang="en-GB" b="0" i="0" dirty="0">
                 <a:solidFill>
                   <a:srgbClr val="FFFFFF"/>
@@ -662,79 +692,7 @@
                 <a:effectLst/>
                 <a:latin typeface="var(--sds-font-family-01)"/>
               </a:rPr>
-              <a:t>Dense(64, activation='</a:t>
-            </a:r>
-            <a:r>
-              <a:rPr lang="en-GB" b="0" i="0" dirty="0" err="1">
-                <a:solidFill>
-                  <a:srgbClr val="FFFFFF"/>
-                </a:solidFill>
-                <a:effectLst/>
-                <a:latin typeface="var(--sds-font-family-01)"/>
-              </a:rPr>
-              <a:t>relu</a:t>
-            </a:r>
-            <a:r>
-              <a:rPr lang="en-GB" b="0" i="0" dirty="0">
-                <a:solidFill>
-                  <a:srgbClr val="FFFFFF"/>
-                </a:solidFill>
-                <a:effectLst/>
-                <a:latin typeface="var(--sds-font-family-01)"/>
-              </a:rPr>
-              <a:t>'): This adds a dense (fully connected) layer with 64 units and a </a:t>
-            </a:r>
-            <a:r>
-              <a:rPr lang="en-GB" b="0" i="0" dirty="0" err="1">
-                <a:solidFill>
-                  <a:srgbClr val="FFFFFF"/>
-                </a:solidFill>
-                <a:effectLst/>
-                <a:latin typeface="var(--sds-font-family-01)"/>
-              </a:rPr>
-              <a:t>ReLU</a:t>
-            </a:r>
-            <a:r>
-              <a:rPr lang="en-GB" b="0" i="0" dirty="0">
-                <a:solidFill>
-                  <a:srgbClr val="FFFFFF"/>
-                </a:solidFill>
-                <a:effectLst/>
-                <a:latin typeface="var(--sds-font-family-01)"/>
-              </a:rPr>
-              <a:t> activation function.</a:t>
-            </a:r>
-          </a:p>
-          <a:p>
-            <a:pPr algn="l" fontAlgn="base">
-              <a:buFont typeface="+mj-lt"/>
-              <a:buAutoNum type="arabicPeriod"/>
-            </a:pPr>
-            <a:r>
-              <a:rPr lang="en-GB" b="0" i="0" dirty="0">
-                <a:solidFill>
-                  <a:srgbClr val="FFFFFF"/>
-                </a:solidFill>
-                <a:effectLst/>
-                <a:latin typeface="var(--sds-font-family-01)"/>
-              </a:rPr>
-              <a:t>Dropout(0.2): Another dropout layer with a dropout rate of 0.2.</a:t>
-            </a:r>
-          </a:p>
-          <a:p>
-            <a:pPr algn="l" fontAlgn="base">
-              <a:buFont typeface="+mj-lt"/>
-              <a:buAutoNum type="arabicPeriod"/>
-            </a:pPr>
-            <a:r>
-              <a:rPr lang="en-GB" b="0" i="0" dirty="0">
-                <a:solidFill>
-                  <a:srgbClr val="FFFFFF"/>
-                </a:solidFill>
-                <a:effectLst/>
-                <a:latin typeface="var(--sds-font-family-01)"/>
-              </a:rPr>
-              <a:t>Dense(1): The final dense layer with a single output unit, which represents the predicted sales value.</a:t>
+              <a:t>(1): The final dense layer with a single output unit, which represents the predicted sales value.</a:t>
             </a:r>
           </a:p>
         </p:txBody>
@@ -1555,6 +1513,90 @@
     <p:extLst>
       <p:ext uri="{BB962C8B-B14F-4D97-AF65-F5344CB8AC3E}">
         <p14:creationId xmlns:p14="http://schemas.microsoft.com/office/powerpoint/2010/main" val="2817831938"/>
+      </p:ext>
+    </p:extLst>
+  </p:cSld>
+  <p:clrMapOvr>
+    <a:masterClrMapping/>
+  </p:clrMapOvr>
+</p:notes>
+</file>
+
+<file path=ppt/notesSlides/notesSlide3.xml><?xml version="1.0" encoding="utf-8"?>
+<p:notes xmlns:a="http://schemas.openxmlformats.org/drawingml/2006/main" xmlns:r="http://schemas.openxmlformats.org/officeDocument/2006/relationships" xmlns:p="http://schemas.openxmlformats.org/presentationml/2006/main">
+  <p:cSld>
+    <p:spTree>
+      <p:nvGrpSpPr>
+        <p:cNvPr id="1" name=""/>
+        <p:cNvGrpSpPr/>
+        <p:nvPr/>
+      </p:nvGrpSpPr>
+      <p:grpSpPr>
+        <a:xfrm>
+          <a:off x="0" y="0"/>
+          <a:ext cx="0" cy="0"/>
+          <a:chOff x="0" y="0"/>
+          <a:chExt cx="0" cy="0"/>
+        </a:xfrm>
+      </p:grpSpPr>
+      <p:sp>
+        <p:nvSpPr>
+          <p:cNvPr id="2" name="Slide Image Placeholder 1"/>
+          <p:cNvSpPr>
+            <a:spLocks noGrp="1" noRot="1" noChangeAspect="1"/>
+          </p:cNvSpPr>
+          <p:nvPr>
+            <p:ph type="sldImg"/>
+          </p:nvPr>
+        </p:nvSpPr>
+        <p:spPr/>
+      </p:sp>
+      <p:sp>
+        <p:nvSpPr>
+          <p:cNvPr id="3" name="Notes Placeholder 2"/>
+          <p:cNvSpPr>
+            <a:spLocks noGrp="1"/>
+          </p:cNvSpPr>
+          <p:nvPr>
+            <p:ph type="body" idx="1"/>
+          </p:nvPr>
+        </p:nvSpPr>
+        <p:spPr/>
+        <p:txBody>
+          <a:bodyPr/>
+          <a:lstStyle/>
+          <a:p>
+            <a:endParaRPr lang="en-DE" dirty="0"/>
+          </a:p>
+        </p:txBody>
+      </p:sp>
+      <p:sp>
+        <p:nvSpPr>
+          <p:cNvPr id="4" name="Slide Number Placeholder 3"/>
+          <p:cNvSpPr>
+            <a:spLocks noGrp="1"/>
+          </p:cNvSpPr>
+          <p:nvPr>
+            <p:ph type="sldNum" sz="quarter" idx="5"/>
+          </p:nvPr>
+        </p:nvSpPr>
+        <p:spPr/>
+        <p:txBody>
+          <a:bodyPr/>
+          <a:lstStyle/>
+          <a:p>
+            <a:fld id="{A0597DCE-CD42-064F-96DA-441DF0E120C3}" type="slidenum">
+              <a:rPr lang="en-DE" smtClean="0"/>
+              <a:t>9</a:t>
+            </a:fld>
+            <a:endParaRPr lang="en-DE"/>
+          </a:p>
+        </p:txBody>
+      </p:sp>
+    </p:spTree>
+    <p:extLst>
+      <p:ext uri="{BB962C8B-B14F-4D97-AF65-F5344CB8AC3E}">
+        <p14:creationId xmlns:p14="http://schemas.microsoft.com/office/powerpoint/2010/main" val="2885009481"/>
       </p:ext>
     </p:extLst>
   </p:cSld>
@@ -1711,9 +1753,9 @@
           <a:bodyPr/>
           <a:lstStyle/>
           <a:p>
-            <a:fld id="{DD07FE25-1F89-43A2-9B43-88BD93BA2E34}" type="datetimeFigureOut">
-              <a:rPr lang="LID4096" smtClean="0"/>
-              <a:t>1/8/25</a:t>
+            <a:fld id="{4B54DBD1-B02D-0043-B815-2D15432837C3}" type="datetime1">
+              <a:rPr lang="de-DE" smtClean="0"/>
+              <a:t>09.01.25</a:t>
             </a:fld>
             <a:endParaRPr lang="LID4096"/>
           </a:p>
@@ -1911,9 +1953,9 @@
           <a:bodyPr/>
           <a:lstStyle/>
           <a:p>
-            <a:fld id="{DD07FE25-1F89-43A2-9B43-88BD93BA2E34}" type="datetimeFigureOut">
-              <a:rPr lang="LID4096" smtClean="0"/>
-              <a:t>1/8/25</a:t>
+            <a:fld id="{E201B028-96D4-C048-B3DE-88313198AF18}" type="datetime1">
+              <a:rPr lang="de-DE" smtClean="0"/>
+              <a:t>09.01.25</a:t>
             </a:fld>
             <a:endParaRPr lang="LID4096"/>
           </a:p>
@@ -2121,9 +2163,9 @@
           <a:bodyPr/>
           <a:lstStyle/>
           <a:p>
-            <a:fld id="{DD07FE25-1F89-43A2-9B43-88BD93BA2E34}" type="datetimeFigureOut">
-              <a:rPr lang="LID4096" smtClean="0"/>
-              <a:t>1/8/25</a:t>
+            <a:fld id="{02149FCC-D9CC-DB4E-9116-0F42AE22B912}" type="datetime1">
+              <a:rPr lang="de-DE" smtClean="0"/>
+              <a:t>09.01.25</a:t>
             </a:fld>
             <a:endParaRPr lang="LID4096"/>
           </a:p>
@@ -2321,9 +2363,9 @@
           <a:bodyPr/>
           <a:lstStyle/>
           <a:p>
-            <a:fld id="{DD07FE25-1F89-43A2-9B43-88BD93BA2E34}" type="datetimeFigureOut">
-              <a:rPr lang="LID4096" smtClean="0"/>
-              <a:t>1/8/25</a:t>
+            <a:fld id="{60339837-2DBD-BB44-8C54-8C8265751F70}" type="datetime1">
+              <a:rPr lang="de-DE" smtClean="0"/>
+              <a:t>09.01.25</a:t>
             </a:fld>
             <a:endParaRPr lang="LID4096"/>
           </a:p>
@@ -2597,9 +2639,9 @@
           <a:bodyPr/>
           <a:lstStyle/>
           <a:p>
-            <a:fld id="{DD07FE25-1F89-43A2-9B43-88BD93BA2E34}" type="datetimeFigureOut">
-              <a:rPr lang="LID4096" smtClean="0"/>
-              <a:t>1/8/25</a:t>
+            <a:fld id="{96A03F9F-921E-484C-A6B8-A35BCC2252AB}" type="datetime1">
+              <a:rPr lang="de-DE" smtClean="0"/>
+              <a:t>09.01.25</a:t>
             </a:fld>
             <a:endParaRPr lang="LID4096"/>
           </a:p>
@@ -2865,9 +2907,9 @@
           <a:bodyPr/>
           <a:lstStyle/>
           <a:p>
-            <a:fld id="{DD07FE25-1F89-43A2-9B43-88BD93BA2E34}" type="datetimeFigureOut">
-              <a:rPr lang="LID4096" smtClean="0"/>
-              <a:t>1/8/25</a:t>
+            <a:fld id="{71998897-F86C-B946-8023-C7E3C13CF6B4}" type="datetime1">
+              <a:rPr lang="de-DE" smtClean="0"/>
+              <a:t>09.01.25</a:t>
             </a:fld>
             <a:endParaRPr lang="LID4096"/>
           </a:p>
@@ -3280,9 +3322,9 @@
           <a:bodyPr/>
           <a:lstStyle/>
           <a:p>
-            <a:fld id="{DD07FE25-1F89-43A2-9B43-88BD93BA2E34}" type="datetimeFigureOut">
-              <a:rPr lang="LID4096" smtClean="0"/>
-              <a:t>1/8/25</a:t>
+            <a:fld id="{DB6B6F75-F01C-D243-83B4-A4F7F79FEF45}" type="datetime1">
+              <a:rPr lang="de-DE" smtClean="0"/>
+              <a:t>09.01.25</a:t>
             </a:fld>
             <a:endParaRPr lang="LID4096"/>
           </a:p>
@@ -3422,9 +3464,9 @@
           <a:bodyPr/>
           <a:lstStyle/>
           <a:p>
-            <a:fld id="{DD07FE25-1F89-43A2-9B43-88BD93BA2E34}" type="datetimeFigureOut">
-              <a:rPr lang="LID4096" smtClean="0"/>
-              <a:t>1/8/25</a:t>
+            <a:fld id="{1E337C07-8947-8E45-BFB8-20F2C8840F7E}" type="datetime1">
+              <a:rPr lang="de-DE" smtClean="0"/>
+              <a:t>09.01.25</a:t>
             </a:fld>
             <a:endParaRPr lang="LID4096"/>
           </a:p>
@@ -3535,9 +3577,9 @@
           <a:bodyPr/>
           <a:lstStyle/>
           <a:p>
-            <a:fld id="{DD07FE25-1F89-43A2-9B43-88BD93BA2E34}" type="datetimeFigureOut">
-              <a:rPr lang="LID4096" smtClean="0"/>
-              <a:t>1/8/25</a:t>
+            <a:fld id="{8D2CC1D3-A4A0-0749-97E2-20BF42AECAD2}" type="datetime1">
+              <a:rPr lang="de-DE" smtClean="0"/>
+              <a:t>09.01.25</a:t>
             </a:fld>
             <a:endParaRPr lang="LID4096"/>
           </a:p>
@@ -3848,9 +3890,9 @@
           <a:bodyPr/>
           <a:lstStyle/>
           <a:p>
-            <a:fld id="{DD07FE25-1F89-43A2-9B43-88BD93BA2E34}" type="datetimeFigureOut">
-              <a:rPr lang="LID4096" smtClean="0"/>
-              <a:t>1/8/25</a:t>
+            <a:fld id="{E363C23A-534C-2F43-8630-C2E7BE5C44EB}" type="datetime1">
+              <a:rPr lang="de-DE" smtClean="0"/>
+              <a:t>09.01.25</a:t>
             </a:fld>
             <a:endParaRPr lang="LID4096"/>
           </a:p>
@@ -4137,9 +4179,9 @@
           <a:bodyPr/>
           <a:lstStyle/>
           <a:p>
-            <a:fld id="{DD07FE25-1F89-43A2-9B43-88BD93BA2E34}" type="datetimeFigureOut">
-              <a:rPr lang="LID4096" smtClean="0"/>
-              <a:t>1/8/25</a:t>
+            <a:fld id="{C5842EA1-3F7C-E64E-9E34-7BABAFF1F4E4}" type="datetime1">
+              <a:rPr lang="de-DE" smtClean="0"/>
+              <a:t>09.01.25</a:t>
             </a:fld>
             <a:endParaRPr lang="LID4096"/>
           </a:p>
@@ -4380,9 +4422,9 @@
             </a:lvl1pPr>
           </a:lstStyle>
           <a:p>
-            <a:fld id="{DD07FE25-1F89-43A2-9B43-88BD93BA2E34}" type="datetimeFigureOut">
-              <a:rPr lang="LID4096" smtClean="0"/>
-              <a:t>1/8/25</a:t>
+            <a:fld id="{60E3DD5B-6F55-9F40-97E3-F2B29B754559}" type="datetime1">
+              <a:rPr lang="de-DE" smtClean="0"/>
+              <a:t>09.01.25</a:t>
             </a:fld>
             <a:endParaRPr lang="LID4096"/>
           </a:p>
@@ -4499,6 +4541,7 @@
     <p:sldLayoutId id="2147483658" r:id="rId10"/>
     <p:sldLayoutId id="2147483659" r:id="rId11"/>
   </p:sldLayoutIdLst>
+  <p:hf hdr="0" dt="0"/>
   <p:txStyles>
     <p:titleStyle>
       <a:lvl1pPr algn="l" defTabSz="914400" rtl="0" eaLnBrk="1" latinLnBrk="0" hangingPunct="1">
@@ -4829,8 +4872,8 @@
         </p:blipFill>
         <p:spPr bwMode="auto">
           <a:xfrm>
-            <a:off x="130629" y="0"/>
-            <a:ext cx="4764928" cy="6949600"/>
+            <a:off x="0" y="0"/>
+            <a:ext cx="4702123" cy="6858000"/>
           </a:xfrm>
           <a:prstGeom prst="rect">
             <a:avLst/>
@@ -4863,17 +4906,30 @@
             <p:ph type="ctrTitle"/>
           </p:nvPr>
         </p:nvSpPr>
-        <p:spPr/>
+        <p:spPr>
+          <a:xfrm>
+            <a:off x="2724445" y="2500997"/>
+            <a:ext cx="9144000" cy="2387600"/>
+          </a:xfrm>
+        </p:spPr>
         <p:txBody>
           <a:bodyPr/>
           <a:lstStyle/>
           <a:p>
             <a:pPr algn="r"/>
             <a:r>
-              <a:rPr lang="en-US" dirty="0"/>
+              <a:rPr lang="en-US" dirty="0">
+                <a:latin typeface="Menlo" panose="020B0609030804020204" pitchFamily="49" charset="0"/>
+                <a:ea typeface="Menlo" panose="020B0609030804020204" pitchFamily="49" charset="0"/>
+                <a:cs typeface="Menlo" panose="020B0609030804020204" pitchFamily="49" charset="0"/>
+              </a:rPr>
               <a:t>Bakery sales predictions</a:t>
             </a:r>
-            <a:endParaRPr lang="LID4096" dirty="0"/>
+            <a:endParaRPr lang="LID4096" dirty="0">
+              <a:latin typeface="Menlo" panose="020B0609030804020204" pitchFamily="49" charset="0"/>
+              <a:ea typeface="Menlo" panose="020B0609030804020204" pitchFamily="49" charset="0"/>
+              <a:cs typeface="Menlo" panose="020B0609030804020204" pitchFamily="49" charset="0"/>
+            </a:endParaRPr>
           </a:p>
         </p:txBody>
       </p:sp>
@@ -4893,33 +4949,48 @@
             <p:ph type="subTitle" idx="1"/>
           </p:nvPr>
         </p:nvSpPr>
-        <p:spPr/>
+        <p:spPr>
+          <a:xfrm>
+            <a:off x="2724445" y="4980672"/>
+            <a:ext cx="9144000" cy="1655762"/>
+          </a:xfrm>
+        </p:spPr>
         <p:txBody>
           <a:bodyPr/>
           <a:lstStyle/>
           <a:p>
             <a:pPr algn="r"/>
             <a:r>
-              <a:rPr lang="en-US" dirty="0"/>
+              <a:rPr lang="en-US" spc="110" dirty="0">
+                <a:latin typeface="Lato" panose="020F0502020204030203" pitchFamily="34" charset="77"/>
+              </a:rPr>
               <a:t>Karolina and Tobias </a:t>
             </a:r>
             <a:r>
-              <a:rPr lang="en-US" dirty="0" err="1"/>
+              <a:rPr lang="en-US" spc="110" dirty="0" err="1">
+                <a:latin typeface="Lato" panose="020F0502020204030203" pitchFamily="34" charset="77"/>
+              </a:rPr>
               <a:t>Saegner</a:t>
             </a:r>
-            <a:endParaRPr lang="en-US" dirty="0"/>
+            <a:endParaRPr lang="en-US" spc="110" dirty="0">
+              <a:latin typeface="Lato" panose="020F0502020204030203" pitchFamily="34" charset="77"/>
+            </a:endParaRPr>
           </a:p>
           <a:p>
             <a:pPr algn="r"/>
             <a:r>
-              <a:rPr lang="en-US" dirty="0"/>
+              <a:rPr lang="en-US" spc="110" dirty="0">
+                <a:latin typeface="Lato" panose="020F0502020204030203" pitchFamily="34" charset="77"/>
+              </a:rPr>
               <a:t>09 01 2025</a:t>
             </a:r>
           </a:p>
           <a:p>
             <a:pPr algn="r"/>
             <a:r>
-              <a:rPr lang="en-US" dirty="0"/>
+              <a:rPr lang="en-US" spc="110" dirty="0">
+                <a:latin typeface="Lato" panose="020F0502020204030203" pitchFamily="34" charset="77"/>
+              </a:rPr>
               <a:t>Kiel</a:t>
             </a:r>
           </a:p>
@@ -4957,35 +5028,6 @@
       </p:grpSpPr>
       <p:sp>
         <p:nvSpPr>
-          <p:cNvPr id="2" name="Title 1">
-            <a:extLst>
-              <a:ext uri="{FF2B5EF4-FFF2-40B4-BE49-F238E27FC236}">
-                <a16:creationId xmlns:a16="http://schemas.microsoft.com/office/drawing/2014/main" id="{8DEDDB36-B4E7-4A0C-90B0-08C2C5BACC71}"/>
-              </a:ext>
-            </a:extLst>
-          </p:cNvPr>
-          <p:cNvSpPr>
-            <a:spLocks noGrp="1"/>
-          </p:cNvSpPr>
-          <p:nvPr>
-            <p:ph type="title"/>
-          </p:nvPr>
-        </p:nvSpPr>
-        <p:spPr/>
-        <p:txBody>
-          <a:bodyPr/>
-          <a:lstStyle/>
-          <a:p>
-            <a:r>
-              <a:rPr lang="en-GB" dirty="0"/>
-              <a:t>Worst Fail / Best Improvement</a:t>
-            </a:r>
-            <a:endParaRPr lang="LID4096" dirty="0"/>
-          </a:p>
-        </p:txBody>
-      </p:sp>
-      <p:sp>
-        <p:nvSpPr>
           <p:cNvPr id="3" name="Content Placeholder 2">
             <a:extLst>
               <a:ext uri="{FF2B5EF4-FFF2-40B4-BE49-F238E27FC236}">
@@ -5011,61 +5053,87 @@
               <a:buNone/>
             </a:pPr>
             <a:r>
-              <a:rPr lang="en-US" b="1" dirty="0"/>
+              <a:rPr lang="en-US" sz="2400" b="1" dirty="0">
+                <a:latin typeface="Lato" panose="020F0502020204030203" pitchFamily="34" charset="77"/>
+              </a:rPr>
               <a:t>Worst fail: </a:t>
             </a:r>
             <a:r>
-              <a:rPr lang="en-US" dirty="0"/>
+              <a:rPr lang="en-US" sz="2400" dirty="0">
+                <a:latin typeface="Lato" panose="020F0502020204030203" pitchFamily="34" charset="77"/>
+              </a:rPr>
               <a:t>insufficient data inspection/visualization</a:t>
             </a:r>
           </a:p>
           <a:p>
             <a:pPr lvl="1"/>
             <a:r>
-              <a:rPr lang="en-US" i="1" dirty="0"/>
+              <a:rPr lang="en-US" sz="2000" i="1" dirty="0">
+                <a:latin typeface="Lato" panose="020F0502020204030203" pitchFamily="34" charset="77"/>
+              </a:rPr>
               <a:t>“Hey Steffen, </a:t>
             </a:r>
             <a:r>
-              <a:rPr lang="en-US" i="1" dirty="0" err="1"/>
+              <a:rPr lang="en-US" sz="2000" i="1" dirty="0" err="1">
+                <a:latin typeface="Lato" panose="020F0502020204030203" pitchFamily="34" charset="77"/>
+              </a:rPr>
               <a:t>kann</a:t>
             </a:r>
             <a:r>
-              <a:rPr lang="en-US" i="1" dirty="0"/>
+              <a:rPr lang="en-US" sz="2000" i="1" dirty="0">
+                <a:latin typeface="Lato" panose="020F0502020204030203" pitchFamily="34" charset="77"/>
+              </a:rPr>
               <a:t> es sein, </a:t>
             </a:r>
             <a:r>
-              <a:rPr lang="en-US" i="1" dirty="0" err="1"/>
+              <a:rPr lang="en-US" sz="2000" i="1" dirty="0" err="1">
+                <a:latin typeface="Lato" panose="020F0502020204030203" pitchFamily="34" charset="77"/>
+              </a:rPr>
               <a:t>dass</a:t>
             </a:r>
             <a:r>
-              <a:rPr lang="en-US" i="1" dirty="0"/>
+              <a:rPr lang="en-US" sz="2000" i="1" dirty="0">
+                <a:latin typeface="Lato" panose="020F0502020204030203" pitchFamily="34" charset="77"/>
+              </a:rPr>
               <a:t> da </a:t>
             </a:r>
             <a:r>
-              <a:rPr lang="en-US" i="1" dirty="0" err="1"/>
+              <a:rPr lang="en-US" sz="2000" i="1" dirty="0" err="1">
+                <a:latin typeface="Lato" panose="020F0502020204030203" pitchFamily="34" charset="77"/>
+              </a:rPr>
               <a:t>Daten</a:t>
             </a:r>
             <a:r>
-              <a:rPr lang="en-US" i="1" dirty="0"/>
+              <a:rPr lang="en-US" sz="2000" i="1" dirty="0">
+                <a:latin typeface="Lato" panose="020F0502020204030203" pitchFamily="34" charset="77"/>
+              </a:rPr>
               <a:t> </a:t>
             </a:r>
             <a:r>
-              <a:rPr lang="en-US" i="1" dirty="0" err="1"/>
+              <a:rPr lang="en-US" sz="2000" i="1" dirty="0" err="1">
+                <a:latin typeface="Lato" panose="020F0502020204030203" pitchFamily="34" charset="77"/>
+              </a:rPr>
               <a:t>fehlen</a:t>
             </a:r>
             <a:r>
-              <a:rPr lang="en-US" i="1" dirty="0"/>
+              <a:rPr lang="en-US" sz="2000" i="1" dirty="0">
+                <a:latin typeface="Lato" panose="020F0502020204030203" pitchFamily="34" charset="77"/>
+              </a:rPr>
               <a:t>?”</a:t>
             </a:r>
           </a:p>
           <a:p>
             <a:pPr lvl="1"/>
             <a:r>
-              <a:rPr lang="en-US" i="1" dirty="0" err="1"/>
+              <a:rPr lang="en-US" sz="2000" i="1" dirty="0" err="1">
+                <a:latin typeface="Lato" panose="020F0502020204030203" pitchFamily="34" charset="77"/>
+              </a:rPr>
               <a:t>Warengruppe</a:t>
             </a:r>
             <a:r>
-              <a:rPr lang="en-US" i="1" dirty="0"/>
+              <a:rPr lang="en-US" sz="2000" i="1" dirty="0">
+                <a:latin typeface="Lato" panose="020F0502020204030203" pitchFamily="34" charset="77"/>
+              </a:rPr>
               <a:t> 6 (MAPE 50%)</a:t>
             </a:r>
           </a:p>
@@ -5073,19 +5141,34 @@
             <a:pPr marL="0" indent="0">
               <a:buNone/>
             </a:pPr>
-            <a:endParaRPr lang="en-US" dirty="0"/>
+            <a:endParaRPr lang="en-US" sz="2400" dirty="0">
+              <a:latin typeface="Lato" panose="020F0502020204030203" pitchFamily="34" charset="77"/>
+            </a:endParaRPr>
           </a:p>
           <a:p>
             <a:pPr marL="0" indent="0">
               <a:buNone/>
             </a:pPr>
             <a:r>
-              <a:rPr lang="en-US" b="1" dirty="0"/>
+              <a:rPr lang="en-US" sz="2400" b="1" dirty="0">
+                <a:latin typeface="Lato" panose="020F0502020204030203" pitchFamily="34" charset="77"/>
+              </a:rPr>
               <a:t>Best improvement:</a:t>
             </a:r>
             <a:r>
-              <a:rPr lang="en-US" dirty="0"/>
-              <a:t> learning rate scheduler</a:t>
+              <a:rPr lang="en-US" sz="2400" dirty="0">
+                <a:latin typeface="Lato" panose="020F0502020204030203" pitchFamily="34" charset="77"/>
+              </a:rPr>
+              <a:t> </a:t>
+            </a:r>
+          </a:p>
+          <a:p>
+            <a:pPr lvl="1"/>
+            <a:r>
+              <a:rPr lang="en-US" sz="2000" dirty="0">
+                <a:latin typeface="Lato" panose="020F0502020204030203" pitchFamily="34" charset="77"/>
+              </a:rPr>
+              <a:t>learning rate scheduler:</a:t>
             </a:r>
           </a:p>
           <a:p>
@@ -5497,6 +5580,96 @@
           <a:p>
             <a:pPr lvl="1"/>
             <a:endParaRPr lang="LID4096" dirty="0"/>
+          </a:p>
+        </p:txBody>
+      </p:sp>
+      <p:sp>
+        <p:nvSpPr>
+          <p:cNvPr id="6" name="Title 1">
+            <a:extLst>
+              <a:ext uri="{FF2B5EF4-FFF2-40B4-BE49-F238E27FC236}">
+                <a16:creationId xmlns:a16="http://schemas.microsoft.com/office/drawing/2014/main" id="{485A4548-7612-F142-8F93-CECCC5F3708D}"/>
+              </a:ext>
+            </a:extLst>
+          </p:cNvPr>
+          <p:cNvSpPr txBox="1">
+            <a:spLocks/>
+          </p:cNvSpPr>
+          <p:nvPr/>
+        </p:nvSpPr>
+        <p:spPr>
+          <a:xfrm>
+            <a:off x="838200" y="365125"/>
+            <a:ext cx="10515600" cy="716859"/>
+          </a:xfrm>
+          <a:prstGeom prst="rect">
+            <a:avLst/>
+          </a:prstGeom>
+        </p:spPr>
+        <p:txBody>
+          <a:bodyPr vert="horz" lIns="91440" tIns="45720" rIns="91440" bIns="45720" rtlCol="0" anchor="ctr">
+            <a:normAutofit/>
+          </a:bodyPr>
+          <a:lstStyle>
+            <a:lvl1pPr algn="l" defTabSz="914400" rtl="0" eaLnBrk="1" latinLnBrk="0" hangingPunct="1">
+              <a:lnSpc>
+                <a:spcPct val="90000"/>
+              </a:lnSpc>
+              <a:spcBef>
+                <a:spcPct val="0"/>
+              </a:spcBef>
+              <a:buNone/>
+              <a:defRPr sz="4400" kern="1200">
+                <a:solidFill>
+                  <a:schemeClr val="tx1"/>
+                </a:solidFill>
+                <a:latin typeface="+mj-lt"/>
+                <a:ea typeface="+mj-ea"/>
+                <a:cs typeface="+mj-cs"/>
+              </a:defRPr>
+            </a:lvl1pPr>
+          </a:lstStyle>
+          <a:p>
+            <a:r>
+              <a:rPr lang="en-GB" spc="120" dirty="0">
+                <a:latin typeface="Lato" panose="020F0502020204030203" pitchFamily="34" charset="77"/>
+              </a:rPr>
+              <a:t>Worst Fail / Best Improvement</a:t>
+            </a:r>
+            <a:endParaRPr lang="LID4096" spc="120" dirty="0">
+              <a:latin typeface="Lato" panose="020F0502020204030203" pitchFamily="34" charset="77"/>
+              <a:ea typeface="Menlo" panose="020B0609030804020204" pitchFamily="49" charset="0"/>
+              <a:cs typeface="Menlo" panose="020B0609030804020204" pitchFamily="49" charset="0"/>
+            </a:endParaRPr>
+          </a:p>
+        </p:txBody>
+      </p:sp>
+      <p:sp>
+        <p:nvSpPr>
+          <p:cNvPr id="8" name="Slide Number Placeholder 7">
+            <a:extLst>
+              <a:ext uri="{FF2B5EF4-FFF2-40B4-BE49-F238E27FC236}">
+                <a16:creationId xmlns:a16="http://schemas.microsoft.com/office/drawing/2014/main" id="{940E49E6-F5C1-654C-BFC4-33C9D68F1A3B}"/>
+              </a:ext>
+            </a:extLst>
+          </p:cNvPr>
+          <p:cNvSpPr>
+            <a:spLocks noGrp="1"/>
+          </p:cNvSpPr>
+          <p:nvPr>
+            <p:ph type="sldNum" sz="quarter" idx="12"/>
+          </p:nvPr>
+        </p:nvSpPr>
+        <p:spPr/>
+        <p:txBody>
+          <a:bodyPr/>
+          <a:lstStyle/>
+          <a:p>
+            <a:fld id="{30D148E0-5172-48D5-9F18-ED545B64C5E9}" type="slidenum">
+              <a:rPr lang="LID4096" smtClean="0"/>
+              <a:t>10</a:t>
+            </a:fld>
+            <a:endParaRPr lang="LID4096"/>
           </a:p>
         </p:txBody>
       </p:sp>
@@ -5576,16 +5749,25 @@
             <p:ph type="title"/>
           </p:nvPr>
         </p:nvSpPr>
-        <p:spPr/>
+        <p:spPr>
+          <a:xfrm>
+            <a:off x="838200" y="365125"/>
+            <a:ext cx="10515600" cy="716859"/>
+          </a:xfrm>
+        </p:spPr>
         <p:txBody>
           <a:bodyPr/>
           <a:lstStyle/>
           <a:p>
             <a:r>
-              <a:rPr lang="en-US" dirty="0"/>
-              <a:t>Self-made variables</a:t>
-            </a:r>
-            <a:endParaRPr lang="LID4096" dirty="0"/>
+              <a:rPr lang="en-US" spc="120" dirty="0">
+                <a:latin typeface="Lato" panose="020F0502020204030203" pitchFamily="34" charset="77"/>
+              </a:rPr>
+              <a:t>Derived variables</a:t>
+            </a:r>
+            <a:endParaRPr lang="LID4096" spc="120" dirty="0">
+              <a:latin typeface="Lato" panose="020F0502020204030203" pitchFamily="34" charset="77"/>
+            </a:endParaRPr>
           </a:p>
         </p:txBody>
       </p:sp>
@@ -5616,16 +5798,51 @@
           <a:lstStyle/>
           <a:p>
             <a:r>
-              <a:rPr lang="en-US" dirty="0"/>
+              <a:rPr lang="en-US" dirty="0">
+                <a:latin typeface="Lato" panose="020F0502020204030203" pitchFamily="34" charset="77"/>
+              </a:rPr>
               <a:t>Day of the week (Monday – Sunday)</a:t>
             </a:r>
           </a:p>
           <a:p>
             <a:pPr lvl="1"/>
             <a:r>
-              <a:rPr lang="en-US" dirty="0"/>
+              <a:rPr lang="en-US" dirty="0">
+                <a:latin typeface="Menlo" panose="020B0609030804020204" pitchFamily="49" charset="0"/>
+                <a:ea typeface="Menlo" panose="020B0609030804020204" pitchFamily="49" charset="0"/>
+                <a:cs typeface="Menlo" panose="020B0609030804020204" pitchFamily="49" charset="0"/>
+              </a:rPr>
               <a:t>Day_0 … Day_7; type – Boolean</a:t>
             </a:r>
+          </a:p>
+        </p:txBody>
+      </p:sp>
+      <p:sp>
+        <p:nvSpPr>
+          <p:cNvPr id="6" name="Slide Number Placeholder 5">
+            <a:extLst>
+              <a:ext uri="{FF2B5EF4-FFF2-40B4-BE49-F238E27FC236}">
+                <a16:creationId xmlns:a16="http://schemas.microsoft.com/office/drawing/2014/main" id="{435566B6-EF00-0941-8E0C-3CC0FDAD10A8}"/>
+              </a:ext>
+            </a:extLst>
+          </p:cNvPr>
+          <p:cNvSpPr>
+            <a:spLocks noGrp="1"/>
+          </p:cNvSpPr>
+          <p:nvPr>
+            <p:ph type="sldNum" sz="quarter" idx="12"/>
+          </p:nvPr>
+        </p:nvSpPr>
+        <p:spPr/>
+        <p:txBody>
+          <a:bodyPr/>
+          <a:lstStyle/>
+          <a:p>
+            <a:fld id="{30D148E0-5172-48D5-9F18-ED545B64C5E9}" type="slidenum">
+              <a:rPr lang="LID4096" smtClean="0"/>
+              <a:t>2</a:t>
+            </a:fld>
+            <a:endParaRPr lang="LID4096"/>
           </a:p>
         </p:txBody>
       </p:sp>
@@ -5661,35 +5878,6 @@
       </p:grpSpPr>
       <p:sp>
         <p:nvSpPr>
-          <p:cNvPr id="2" name="Title 1">
-            <a:extLst>
-              <a:ext uri="{FF2B5EF4-FFF2-40B4-BE49-F238E27FC236}">
-                <a16:creationId xmlns:a16="http://schemas.microsoft.com/office/drawing/2014/main" id="{0BDF2EF7-86BF-4173-8BAD-ED22A6833FEC}"/>
-              </a:ext>
-            </a:extLst>
-          </p:cNvPr>
-          <p:cNvSpPr>
-            <a:spLocks noGrp="1"/>
-          </p:cNvSpPr>
-          <p:nvPr>
-            <p:ph type="title"/>
-          </p:nvPr>
-        </p:nvSpPr>
-        <p:spPr/>
-        <p:txBody>
-          <a:bodyPr/>
-          <a:lstStyle/>
-          <a:p>
-            <a:r>
-              <a:rPr lang="en-US" dirty="0"/>
-              <a:t>Self-made variables</a:t>
-            </a:r>
-            <a:endParaRPr lang="LID4096" dirty="0"/>
-          </a:p>
-        </p:txBody>
-      </p:sp>
-      <p:sp>
-        <p:nvSpPr>
           <p:cNvPr id="3" name="Content Placeholder 2">
             <a:extLst>
               <a:ext uri="{FF2B5EF4-FFF2-40B4-BE49-F238E27FC236}">
@@ -5715,19 +5903,27 @@
           <a:lstStyle/>
           <a:p>
             <a:r>
-              <a:rPr lang="en-US" dirty="0"/>
+              <a:rPr lang="en-US" dirty="0">
+                <a:latin typeface="Lato" panose="020F0502020204030203" pitchFamily="34" charset="77"/>
+              </a:rPr>
               <a:t>Month (January – December)</a:t>
             </a:r>
           </a:p>
           <a:p>
             <a:pPr lvl="1"/>
             <a:r>
-              <a:rPr lang="en-US" dirty="0"/>
+              <a:rPr lang="en-US" dirty="0">
+                <a:latin typeface="Menlo" panose="020B0609030804020204" pitchFamily="49" charset="0"/>
+                <a:ea typeface="Menlo" panose="020B0609030804020204" pitchFamily="49" charset="0"/>
+                <a:cs typeface="Menlo" panose="020B0609030804020204" pitchFamily="49" charset="0"/>
+              </a:rPr>
               <a:t>Month_1 … Month_12; type – Boolean </a:t>
             </a:r>
           </a:p>
           <a:p>
-            <a:endParaRPr lang="LID4096" dirty="0"/>
+            <a:endParaRPr lang="LID4096" dirty="0">
+              <a:latin typeface="Lato" panose="020F0502020204030203" pitchFamily="34" charset="77"/>
+            </a:endParaRPr>
           </a:p>
         </p:txBody>
       </p:sp>
@@ -5761,6 +5957,94 @@
           </a:prstGeom>
         </p:spPr>
       </p:pic>
+      <p:sp>
+        <p:nvSpPr>
+          <p:cNvPr id="6" name="Title 1">
+            <a:extLst>
+              <a:ext uri="{FF2B5EF4-FFF2-40B4-BE49-F238E27FC236}">
+                <a16:creationId xmlns:a16="http://schemas.microsoft.com/office/drawing/2014/main" id="{4DF9F4D0-5308-8B45-8E95-F17E659D06BF}"/>
+              </a:ext>
+            </a:extLst>
+          </p:cNvPr>
+          <p:cNvSpPr txBox="1">
+            <a:spLocks/>
+          </p:cNvSpPr>
+          <p:nvPr/>
+        </p:nvSpPr>
+        <p:spPr>
+          <a:xfrm>
+            <a:off x="838200" y="365125"/>
+            <a:ext cx="10515600" cy="716859"/>
+          </a:xfrm>
+          <a:prstGeom prst="rect">
+            <a:avLst/>
+          </a:prstGeom>
+        </p:spPr>
+        <p:txBody>
+          <a:bodyPr vert="horz" lIns="91440" tIns="45720" rIns="91440" bIns="45720" rtlCol="0" anchor="ctr">
+            <a:normAutofit/>
+          </a:bodyPr>
+          <a:lstStyle>
+            <a:lvl1pPr algn="l" defTabSz="914400" rtl="0" eaLnBrk="1" latinLnBrk="0" hangingPunct="1">
+              <a:lnSpc>
+                <a:spcPct val="90000"/>
+              </a:lnSpc>
+              <a:spcBef>
+                <a:spcPct val="0"/>
+              </a:spcBef>
+              <a:buNone/>
+              <a:defRPr sz="4400" kern="1200">
+                <a:solidFill>
+                  <a:schemeClr val="tx1"/>
+                </a:solidFill>
+                <a:latin typeface="+mj-lt"/>
+                <a:ea typeface="+mj-ea"/>
+                <a:cs typeface="+mj-cs"/>
+              </a:defRPr>
+            </a:lvl1pPr>
+          </a:lstStyle>
+          <a:p>
+            <a:r>
+              <a:rPr lang="en-US" spc="120" dirty="0">
+                <a:latin typeface="Lato" panose="020F0502020204030203" pitchFamily="34" charset="77"/>
+              </a:rPr>
+              <a:t>Derived variables</a:t>
+            </a:r>
+            <a:endParaRPr lang="LID4096" spc="120" dirty="0">
+              <a:latin typeface="Lato" panose="020F0502020204030203" pitchFamily="34" charset="77"/>
+            </a:endParaRPr>
+          </a:p>
+        </p:txBody>
+      </p:sp>
+      <p:sp>
+        <p:nvSpPr>
+          <p:cNvPr id="9" name="Slide Number Placeholder 8">
+            <a:extLst>
+              <a:ext uri="{FF2B5EF4-FFF2-40B4-BE49-F238E27FC236}">
+                <a16:creationId xmlns:a16="http://schemas.microsoft.com/office/drawing/2014/main" id="{0668780A-5FF1-FF4D-81AC-F9CC64A0648E}"/>
+              </a:ext>
+            </a:extLst>
+          </p:cNvPr>
+          <p:cNvSpPr>
+            <a:spLocks noGrp="1"/>
+          </p:cNvSpPr>
+          <p:nvPr>
+            <p:ph type="sldNum" sz="quarter" idx="12"/>
+          </p:nvPr>
+        </p:nvSpPr>
+        <p:spPr/>
+        <p:txBody>
+          <a:bodyPr/>
+          <a:lstStyle/>
+          <a:p>
+            <a:fld id="{30D148E0-5172-48D5-9F18-ED545B64C5E9}" type="slidenum">
+              <a:rPr lang="LID4096" smtClean="0"/>
+              <a:t>3</a:t>
+            </a:fld>
+            <a:endParaRPr lang="LID4096"/>
+          </a:p>
+        </p:txBody>
+      </p:sp>
     </p:spTree>
     <p:extLst>
       <p:ext uri="{BB962C8B-B14F-4D97-AF65-F5344CB8AC3E}">
@@ -5793,63 +6077,6 @@
       </p:grpSpPr>
       <p:sp>
         <p:nvSpPr>
-          <p:cNvPr id="2" name="Title 1">
-            <a:extLst>
-              <a:ext uri="{FF2B5EF4-FFF2-40B4-BE49-F238E27FC236}">
-                <a16:creationId xmlns:a16="http://schemas.microsoft.com/office/drawing/2014/main" id="{11624197-FBF7-481C-B644-DE69EBAC2320}"/>
-              </a:ext>
-            </a:extLst>
-          </p:cNvPr>
-          <p:cNvSpPr>
-            <a:spLocks noGrp="1"/>
-          </p:cNvSpPr>
-          <p:nvPr>
-            <p:ph type="title"/>
-          </p:nvPr>
-        </p:nvSpPr>
-        <p:spPr/>
-        <p:txBody>
-          <a:bodyPr/>
-          <a:lstStyle/>
-          <a:p>
-            <a:r>
-              <a:rPr lang="en-US" dirty="0" err="1"/>
-              <a:t>Optimierung</a:t>
-            </a:r>
-            <a:r>
-              <a:rPr lang="en-US" dirty="0"/>
-              <a:t> des </a:t>
-            </a:r>
-            <a:r>
-              <a:rPr lang="en-US" dirty="0" err="1"/>
-              <a:t>linearen</a:t>
-            </a:r>
-            <a:r>
-              <a:rPr lang="en-US" dirty="0"/>
-              <a:t> </a:t>
-            </a:r>
-            <a:r>
-              <a:rPr lang="en-US" dirty="0" err="1"/>
-              <a:t>Modells</a:t>
-            </a:r>
-            <a:r>
-              <a:rPr lang="en-US" dirty="0"/>
-              <a:t>: </a:t>
-            </a:r>
-            <a:r>
-              <a:rPr lang="en-GB" dirty="0" err="1"/>
-              <a:t>Modellgleichung</a:t>
-            </a:r>
-            <a:r>
-              <a:rPr lang="en-GB" dirty="0"/>
-              <a:t> und adjusted r²</a:t>
-            </a:r>
-            <a:endParaRPr lang="LID4096" dirty="0"/>
-          </a:p>
-        </p:txBody>
-      </p:sp>
-      <p:sp>
-        <p:nvSpPr>
           <p:cNvPr id="3" name="Content Placeholder 2">
             <a:extLst>
               <a:ext uri="{FF2B5EF4-FFF2-40B4-BE49-F238E27FC236}">
@@ -5872,7 +6099,7 @@
         </p:spPr>
         <p:txBody>
           <a:bodyPr>
-            <a:normAutofit lnSpcReduction="10000"/>
+            <a:normAutofit fontScale="85000" lnSpcReduction="10000"/>
           </a:bodyPr>
           <a:lstStyle/>
           <a:p>
@@ -5883,152 +6110,218 @@
               <a:buNone/>
             </a:pPr>
             <a:r>
-              <a:rPr lang="en-GB" dirty="0" err="1">
-                <a:effectLst/>
+              <a:rPr lang="en-GB" sz="1800" b="1" dirty="0" err="1">
+                <a:effectLst/>
+                <a:latin typeface="Menlo" panose="020B0609030804020204" pitchFamily="49" charset="0"/>
+                <a:ea typeface="Menlo" panose="020B0609030804020204" pitchFamily="49" charset="0"/>
+                <a:cs typeface="Menlo" panose="020B0609030804020204" pitchFamily="49" charset="0"/>
               </a:rPr>
               <a:t>Umsatz</a:t>
             </a:r>
             <a:r>
-              <a:rPr lang="en-GB" dirty="0">
-                <a:effectLst/>
-              </a:rPr>
-              <a:t> = </a:t>
-            </a:r>
-            <a:r>
               <a:rPr lang="en-GB" sz="1800" dirty="0">
                 <a:effectLst/>
-              </a:rPr>
-              <a:t>180.56 - 6.62*</a:t>
+                <a:latin typeface="Menlo" panose="020B0609030804020204" pitchFamily="49" charset="0"/>
+                <a:ea typeface="Menlo" panose="020B0609030804020204" pitchFamily="49" charset="0"/>
+                <a:cs typeface="Menlo" panose="020B0609030804020204" pitchFamily="49" charset="0"/>
+              </a:rPr>
+              <a:t> = 180.56 - 6.62*</a:t>
             </a:r>
             <a:r>
               <a:rPr lang="en-GB" sz="1800" dirty="0" err="1">
                 <a:effectLst/>
+                <a:latin typeface="Menlo" panose="020B0609030804020204" pitchFamily="49" charset="0"/>
+                <a:ea typeface="Menlo" panose="020B0609030804020204" pitchFamily="49" charset="0"/>
+                <a:cs typeface="Menlo" panose="020B0609030804020204" pitchFamily="49" charset="0"/>
               </a:rPr>
               <a:t>Bewoelkung</a:t>
             </a:r>
             <a:r>
               <a:rPr lang="en-GB" sz="1800" dirty="0">
                 <a:effectLst/>
+                <a:latin typeface="Menlo" panose="020B0609030804020204" pitchFamily="49" charset="0"/>
+                <a:ea typeface="Menlo" panose="020B0609030804020204" pitchFamily="49" charset="0"/>
+                <a:cs typeface="Menlo" panose="020B0609030804020204" pitchFamily="49" charset="0"/>
               </a:rPr>
               <a:t> + 1.34*</a:t>
             </a:r>
             <a:r>
               <a:rPr lang="en-GB" sz="1800" dirty="0" err="1">
                 <a:effectLst/>
+                <a:latin typeface="Menlo" panose="020B0609030804020204" pitchFamily="49" charset="0"/>
+                <a:ea typeface="Menlo" panose="020B0609030804020204" pitchFamily="49" charset="0"/>
+                <a:cs typeface="Menlo" panose="020B0609030804020204" pitchFamily="49" charset="0"/>
               </a:rPr>
               <a:t>Windgeschwindigkeit</a:t>
             </a:r>
             <a:r>
               <a:rPr lang="en-GB" sz="1800" dirty="0">
                 <a:effectLst/>
+                <a:latin typeface="Menlo" panose="020B0609030804020204" pitchFamily="49" charset="0"/>
+                <a:ea typeface="Menlo" panose="020B0609030804020204" pitchFamily="49" charset="0"/>
+                <a:cs typeface="Menlo" panose="020B0609030804020204" pitchFamily="49" charset="0"/>
               </a:rPr>
               <a:t> + 2.28*</a:t>
             </a:r>
             <a:r>
               <a:rPr lang="en-GB" sz="1800" dirty="0" err="1">
                 <a:effectLst/>
+                <a:latin typeface="Menlo" panose="020B0609030804020204" pitchFamily="49" charset="0"/>
+                <a:ea typeface="Menlo" panose="020B0609030804020204" pitchFamily="49" charset="0"/>
+                <a:cs typeface="Menlo" panose="020B0609030804020204" pitchFamily="49" charset="0"/>
               </a:rPr>
               <a:t>Wettercode</a:t>
             </a:r>
             <a:r>
               <a:rPr lang="en-GB" sz="1800" dirty="0">
                 <a:effectLst/>
+                <a:latin typeface="Menlo" panose="020B0609030804020204" pitchFamily="49" charset="0"/>
+                <a:ea typeface="Menlo" panose="020B0609030804020204" pitchFamily="49" charset="0"/>
+                <a:cs typeface="Menlo" panose="020B0609030804020204" pitchFamily="49" charset="0"/>
               </a:rPr>
               <a:t> + 5.10*</a:t>
             </a:r>
             <a:r>
               <a:rPr lang="en-GB" sz="1800" dirty="0" err="1">
                 <a:effectLst/>
+                <a:latin typeface="Menlo" panose="020B0609030804020204" pitchFamily="49" charset="0"/>
+                <a:ea typeface="Menlo" panose="020B0609030804020204" pitchFamily="49" charset="0"/>
+                <a:cs typeface="Menlo" panose="020B0609030804020204" pitchFamily="49" charset="0"/>
               </a:rPr>
               <a:t>KielerWoche</a:t>
             </a:r>
             <a:r>
               <a:rPr lang="en-GB" sz="1800" dirty="0">
                 <a:effectLst/>
+                <a:latin typeface="Menlo" panose="020B0609030804020204" pitchFamily="49" charset="0"/>
+                <a:ea typeface="Menlo" panose="020B0609030804020204" pitchFamily="49" charset="0"/>
+                <a:cs typeface="Menlo" panose="020B0609030804020204" pitchFamily="49" charset="0"/>
               </a:rPr>
               <a:t> + 19.02*</a:t>
             </a:r>
             <a:r>
               <a:rPr lang="en-GB" sz="1800" dirty="0" err="1">
                 <a:effectLst/>
+                <a:latin typeface="Menlo" panose="020B0609030804020204" pitchFamily="49" charset="0"/>
+                <a:ea typeface="Menlo" panose="020B0609030804020204" pitchFamily="49" charset="0"/>
+                <a:cs typeface="Menlo" panose="020B0609030804020204" pitchFamily="49" charset="0"/>
               </a:rPr>
               <a:t>DayOfWeek</a:t>
             </a:r>
             <a:r>
               <a:rPr lang="en-GB" sz="1800" dirty="0">
                 <a:effectLst/>
+                <a:latin typeface="Menlo" panose="020B0609030804020204" pitchFamily="49" charset="0"/>
+                <a:ea typeface="Menlo" panose="020B0609030804020204" pitchFamily="49" charset="0"/>
+                <a:cs typeface="Menlo" panose="020B0609030804020204" pitchFamily="49" charset="0"/>
               </a:rPr>
               <a:t> + 4.11*Month - 68.57*Warengruppe_1 + 220.69*Warengruppe_2 - 25.76*Warengruppe_3 - 101.39*Warengruppe_4 + 90.99*Warengruppe_5 - 115.96*Warengruppe_6 - 14.30*</a:t>
             </a:r>
             <a:r>
               <a:rPr lang="en-GB" sz="1800" dirty="0" err="1">
                 <a:effectLst/>
+                <a:latin typeface="Menlo" panose="020B0609030804020204" pitchFamily="49" charset="0"/>
+                <a:ea typeface="Menlo" panose="020B0609030804020204" pitchFamily="49" charset="0"/>
+                <a:cs typeface="Menlo" panose="020B0609030804020204" pitchFamily="49" charset="0"/>
               </a:rPr>
               <a:t>Temperatur_binned_Mild</a:t>
             </a:r>
             <a:r>
               <a:rPr lang="en-GB" sz="1800" dirty="0">
                 <a:effectLst/>
+                <a:latin typeface="Menlo" panose="020B0609030804020204" pitchFamily="49" charset="0"/>
+                <a:ea typeface="Menlo" panose="020B0609030804020204" pitchFamily="49" charset="0"/>
+                <a:cs typeface="Menlo" panose="020B0609030804020204" pitchFamily="49" charset="0"/>
               </a:rPr>
               <a:t> - 12.87*</a:t>
             </a:r>
             <a:r>
               <a:rPr lang="en-GB" sz="1800" dirty="0" err="1">
                 <a:effectLst/>
+                <a:latin typeface="Menlo" panose="020B0609030804020204" pitchFamily="49" charset="0"/>
+                <a:ea typeface="Menlo" panose="020B0609030804020204" pitchFamily="49" charset="0"/>
+                <a:cs typeface="Menlo" panose="020B0609030804020204" pitchFamily="49" charset="0"/>
               </a:rPr>
               <a:t>Temperatur_binned_Warm</a:t>
             </a:r>
             <a:r>
               <a:rPr lang="en-GB" sz="1800" dirty="0">
                 <a:effectLst/>
+                <a:latin typeface="Menlo" panose="020B0609030804020204" pitchFamily="49" charset="0"/>
+                <a:ea typeface="Menlo" panose="020B0609030804020204" pitchFamily="49" charset="0"/>
+                <a:cs typeface="Menlo" panose="020B0609030804020204" pitchFamily="49" charset="0"/>
               </a:rPr>
               <a:t> + 1.40*</a:t>
             </a:r>
             <a:r>
               <a:rPr lang="en-GB" sz="1800" dirty="0" err="1">
                 <a:effectLst/>
+                <a:latin typeface="Menlo" panose="020B0609030804020204" pitchFamily="49" charset="0"/>
+                <a:ea typeface="Menlo" panose="020B0609030804020204" pitchFamily="49" charset="0"/>
+                <a:cs typeface="Menlo" panose="020B0609030804020204" pitchFamily="49" charset="0"/>
               </a:rPr>
               <a:t>Temperatur_binned_Hot</a:t>
             </a:r>
             <a:r>
               <a:rPr lang="en-GB" sz="1800" dirty="0">
                 <a:effectLst/>
+                <a:latin typeface="Menlo" panose="020B0609030804020204" pitchFamily="49" charset="0"/>
+                <a:ea typeface="Menlo" panose="020B0609030804020204" pitchFamily="49" charset="0"/>
+                <a:cs typeface="Menlo" panose="020B0609030804020204" pitchFamily="49" charset="0"/>
               </a:rPr>
               <a:t> + 15.09*</a:t>
             </a:r>
             <a:r>
               <a:rPr lang="en-GB" sz="1800" dirty="0" err="1">
                 <a:effectLst/>
+                <a:latin typeface="Menlo" panose="020B0609030804020204" pitchFamily="49" charset="0"/>
+                <a:ea typeface="Menlo" panose="020B0609030804020204" pitchFamily="49" charset="0"/>
+                <a:cs typeface="Menlo" panose="020B0609030804020204" pitchFamily="49" charset="0"/>
               </a:rPr>
               <a:t>Temperatur_binned_Cool</a:t>
             </a:r>
             <a:r>
               <a:rPr lang="en-GB" sz="1800" dirty="0">
                 <a:effectLst/>
+                <a:latin typeface="Menlo" panose="020B0609030804020204" pitchFamily="49" charset="0"/>
+                <a:ea typeface="Menlo" panose="020B0609030804020204" pitchFamily="49" charset="0"/>
+                <a:cs typeface="Menlo" panose="020B0609030804020204" pitchFamily="49" charset="0"/>
               </a:rPr>
               <a:t> - 20.82*</a:t>
             </a:r>
             <a:r>
               <a:rPr lang="en-GB" sz="1800" dirty="0" err="1">
                 <a:effectLst/>
+                <a:latin typeface="Menlo" panose="020B0609030804020204" pitchFamily="49" charset="0"/>
+                <a:ea typeface="Menlo" panose="020B0609030804020204" pitchFamily="49" charset="0"/>
+                <a:cs typeface="Menlo" panose="020B0609030804020204" pitchFamily="49" charset="0"/>
               </a:rPr>
               <a:t>Temperatur_binned_Cold</a:t>
             </a:r>
             <a:r>
               <a:rPr lang="en-GB" sz="1800" dirty="0">
                 <a:effectLst/>
+                <a:latin typeface="Menlo" panose="020B0609030804020204" pitchFamily="49" charset="0"/>
+                <a:ea typeface="Menlo" panose="020B0609030804020204" pitchFamily="49" charset="0"/>
+                <a:cs typeface="Menlo" panose="020B0609030804020204" pitchFamily="49" charset="0"/>
               </a:rPr>
               <a:t> + 31.50*</a:t>
             </a:r>
             <a:r>
               <a:rPr lang="en-GB" sz="1800" dirty="0" err="1">
                 <a:effectLst/>
+                <a:latin typeface="Menlo" panose="020B0609030804020204" pitchFamily="49" charset="0"/>
+                <a:ea typeface="Menlo" panose="020B0609030804020204" pitchFamily="49" charset="0"/>
+                <a:cs typeface="Menlo" panose="020B0609030804020204" pitchFamily="49" charset="0"/>
               </a:rPr>
               <a:t>Temperatur_binned_Very</a:t>
             </a:r>
             <a:r>
               <a:rPr lang="en-GB" sz="1800" dirty="0">
                 <a:effectLst/>
+                <a:latin typeface="Menlo" panose="020B0609030804020204" pitchFamily="49" charset="0"/>
+                <a:ea typeface="Menlo" panose="020B0609030804020204" pitchFamily="49" charset="0"/>
+                <a:cs typeface="Menlo" panose="020B0609030804020204" pitchFamily="49" charset="0"/>
               </a:rPr>
               <a:t> Cold </a:t>
             </a:r>
@@ -6037,7 +6330,11 @@
             <a:pPr marL="0" indent="0">
               <a:buNone/>
             </a:pPr>
-            <a:endParaRPr lang="en-GB" dirty="0"/>
+            <a:endParaRPr lang="en-GB" dirty="0">
+              <a:latin typeface="Menlo" panose="020B0609030804020204" pitchFamily="49" charset="0"/>
+              <a:ea typeface="Menlo" panose="020B0609030804020204" pitchFamily="49" charset="0"/>
+              <a:cs typeface="Menlo" panose="020B0609030804020204" pitchFamily="49" charset="0"/>
+            </a:endParaRPr>
           </a:p>
           <a:p>
             <a:pPr marL="0" indent="0">
@@ -6046,6 +6343,9 @@
             <a:r>
               <a:rPr lang="en-GB" dirty="0">
                 <a:effectLst/>
+                <a:latin typeface="Menlo" panose="020B0609030804020204" pitchFamily="49" charset="0"/>
+                <a:ea typeface="Menlo" panose="020B0609030804020204" pitchFamily="49" charset="0"/>
+                <a:cs typeface="Menlo" panose="020B0609030804020204" pitchFamily="49" charset="0"/>
               </a:rPr>
               <a:t>Adjusted R²: 0.6668 </a:t>
             </a:r>
@@ -6054,7 +6354,11 @@
             <a:pPr marL="0" indent="0">
               <a:buNone/>
             </a:pPr>
-            <a:endParaRPr lang="LID4096" dirty="0"/>
+            <a:endParaRPr lang="LID4096" dirty="0">
+              <a:latin typeface="Menlo" panose="020B0609030804020204" pitchFamily="49" charset="0"/>
+              <a:ea typeface="Menlo" panose="020B0609030804020204" pitchFamily="49" charset="0"/>
+              <a:cs typeface="Menlo" panose="020B0609030804020204" pitchFamily="49" charset="0"/>
+            </a:endParaRPr>
           </a:p>
         </p:txBody>
       </p:sp>
@@ -6088,6 +6392,136 @@
           </a:prstGeom>
         </p:spPr>
       </p:pic>
+      <p:sp>
+        <p:nvSpPr>
+          <p:cNvPr id="6" name="Title 1">
+            <a:extLst>
+              <a:ext uri="{FF2B5EF4-FFF2-40B4-BE49-F238E27FC236}">
+                <a16:creationId xmlns:a16="http://schemas.microsoft.com/office/drawing/2014/main" id="{2FAFB50C-6926-5E4A-A9F6-2A3CAB74EC23}"/>
+              </a:ext>
+            </a:extLst>
+          </p:cNvPr>
+          <p:cNvSpPr txBox="1">
+            <a:spLocks/>
+          </p:cNvSpPr>
+          <p:nvPr/>
+        </p:nvSpPr>
+        <p:spPr>
+          <a:xfrm>
+            <a:off x="838200" y="365125"/>
+            <a:ext cx="10515600" cy="1351133"/>
+          </a:xfrm>
+          <a:prstGeom prst="rect">
+            <a:avLst/>
+          </a:prstGeom>
+        </p:spPr>
+        <p:txBody>
+          <a:bodyPr vert="horz" lIns="91440" tIns="45720" rIns="91440" bIns="45720" rtlCol="0" anchor="ctr">
+            <a:normAutofit/>
+          </a:bodyPr>
+          <a:lstStyle>
+            <a:lvl1pPr algn="l" defTabSz="914400" rtl="0" eaLnBrk="1" latinLnBrk="0" hangingPunct="1">
+              <a:lnSpc>
+                <a:spcPct val="90000"/>
+              </a:lnSpc>
+              <a:spcBef>
+                <a:spcPct val="0"/>
+              </a:spcBef>
+              <a:buNone/>
+              <a:defRPr sz="4400" kern="1200">
+                <a:solidFill>
+                  <a:schemeClr val="tx1"/>
+                </a:solidFill>
+                <a:latin typeface="+mj-lt"/>
+                <a:ea typeface="+mj-ea"/>
+                <a:cs typeface="+mj-cs"/>
+              </a:defRPr>
+            </a:lvl1pPr>
+          </a:lstStyle>
+          <a:p>
+            <a:r>
+              <a:rPr lang="en-US" spc="120" dirty="0" err="1">
+                <a:latin typeface="Lato" panose="020F0502020204030203" pitchFamily="34" charset="77"/>
+              </a:rPr>
+              <a:t>Optimierung</a:t>
+            </a:r>
+            <a:r>
+              <a:rPr lang="en-US" spc="120" dirty="0">
+                <a:latin typeface="Lato" panose="020F0502020204030203" pitchFamily="34" charset="77"/>
+              </a:rPr>
+              <a:t> des </a:t>
+            </a:r>
+            <a:r>
+              <a:rPr lang="en-US" spc="120" dirty="0" err="1">
+                <a:latin typeface="Lato" panose="020F0502020204030203" pitchFamily="34" charset="77"/>
+              </a:rPr>
+              <a:t>linearen</a:t>
+            </a:r>
+            <a:r>
+              <a:rPr lang="en-US" spc="120" dirty="0">
+                <a:latin typeface="Lato" panose="020F0502020204030203" pitchFamily="34" charset="77"/>
+              </a:rPr>
+              <a:t> </a:t>
+            </a:r>
+            <a:r>
+              <a:rPr lang="en-US" spc="120" dirty="0" err="1">
+                <a:latin typeface="Lato" panose="020F0502020204030203" pitchFamily="34" charset="77"/>
+              </a:rPr>
+              <a:t>Modells</a:t>
+            </a:r>
+            <a:r>
+              <a:rPr lang="en-US" spc="120" dirty="0">
+                <a:latin typeface="Lato" panose="020F0502020204030203" pitchFamily="34" charset="77"/>
+              </a:rPr>
+              <a:t>: </a:t>
+            </a:r>
+            <a:r>
+              <a:rPr lang="en-GB" spc="120" dirty="0" err="1">
+                <a:latin typeface="Lato" panose="020F0502020204030203" pitchFamily="34" charset="77"/>
+              </a:rPr>
+              <a:t>Modellgleichung</a:t>
+            </a:r>
+            <a:r>
+              <a:rPr lang="en-GB" spc="120" dirty="0">
+                <a:latin typeface="Lato" panose="020F0502020204030203" pitchFamily="34" charset="77"/>
+              </a:rPr>
+              <a:t> und adjusted r²</a:t>
+            </a:r>
+            <a:endParaRPr lang="LID4096" spc="120" dirty="0">
+              <a:latin typeface="Lato" panose="020F0502020204030203" pitchFamily="34" charset="77"/>
+            </a:endParaRPr>
+          </a:p>
+        </p:txBody>
+      </p:sp>
+      <p:sp>
+        <p:nvSpPr>
+          <p:cNvPr id="7" name="Slide Number Placeholder 6">
+            <a:extLst>
+              <a:ext uri="{FF2B5EF4-FFF2-40B4-BE49-F238E27FC236}">
+                <a16:creationId xmlns:a16="http://schemas.microsoft.com/office/drawing/2014/main" id="{8C39E61B-E172-8F4D-B97A-6E664023C591}"/>
+              </a:ext>
+            </a:extLst>
+          </p:cNvPr>
+          <p:cNvSpPr>
+            <a:spLocks noGrp="1"/>
+          </p:cNvSpPr>
+          <p:nvPr>
+            <p:ph type="sldNum" sz="quarter" idx="12"/>
+          </p:nvPr>
+        </p:nvSpPr>
+        <p:spPr/>
+        <p:txBody>
+          <a:bodyPr/>
+          <a:lstStyle/>
+          <a:p>
+            <a:fld id="{30D148E0-5172-48D5-9F18-ED545B64C5E9}" type="slidenum">
+              <a:rPr lang="LID4096" smtClean="0"/>
+              <a:t>4</a:t>
+            </a:fld>
+            <a:endParaRPr lang="LID4096"/>
+          </a:p>
+        </p:txBody>
+      </p:sp>
     </p:spTree>
     <p:extLst>
       <p:ext uri="{BB962C8B-B14F-4D97-AF65-F5344CB8AC3E}">
@@ -6149,87 +6583,53 @@
       </p:sp>
       <p:sp>
         <p:nvSpPr>
-          <p:cNvPr id="4" name="Rectangle 1">
-            <a:extLst>
-              <a:ext uri="{FF2B5EF4-FFF2-40B4-BE49-F238E27FC236}">
-                <a16:creationId xmlns:a16="http://schemas.microsoft.com/office/drawing/2014/main" id="{3573798C-E9F8-4B3E-BF9D-BEBF4C55D630}"/>
-              </a:ext>
-            </a:extLst>
-          </p:cNvPr>
-          <p:cNvSpPr>
-            <a:spLocks noGrp="1" noChangeArrowheads="1"/>
-          </p:cNvSpPr>
-          <p:nvPr>
-            <p:ph type="title"/>
-          </p:nvPr>
-        </p:nvSpPr>
-        <p:spPr bwMode="auto">
+          <p:cNvPr id="6" name="Title 1">
+            <a:extLst>
+              <a:ext uri="{FF2B5EF4-FFF2-40B4-BE49-F238E27FC236}">
+                <a16:creationId xmlns:a16="http://schemas.microsoft.com/office/drawing/2014/main" id="{2DCA6981-0114-ED40-A702-B492267588C3}"/>
+              </a:ext>
+            </a:extLst>
+          </p:cNvPr>
+          <p:cNvSpPr txBox="1">
+            <a:spLocks/>
+          </p:cNvSpPr>
+          <p:nvPr/>
+        </p:nvSpPr>
+        <p:spPr>
           <a:xfrm>
-            <a:off x="838200" y="843240"/>
-            <a:ext cx="3501792" cy="369332"/>
+            <a:off x="838200" y="365125"/>
+            <a:ext cx="10515600" cy="716859"/>
           </a:xfrm>
           <a:prstGeom prst="rect">
             <a:avLst/>
           </a:prstGeom>
-          <a:noFill/>
-          <a:ln>
-            <a:noFill/>
-          </a:ln>
-          <a:effectLst/>
-          <a:extLst>
-            <a:ext uri="{909E8E84-426E-40DD-AFC4-6F175D3DCCD1}">
-              <a14:hiddenFill xmlns:a14="http://schemas.microsoft.com/office/drawing/2010/main">
-                <a:solidFill>
-                  <a:schemeClr val="accent1"/>
-                </a:solidFill>
-              </a14:hiddenFill>
-            </a:ext>
-            <a:ext uri="{91240B29-F687-4F45-9708-019B960494DF}">
-              <a14:hiddenLine xmlns:a14="http://schemas.microsoft.com/office/drawing/2010/main" w="9525">
-                <a:solidFill>
-                  <a:schemeClr val="tx1"/>
-                </a:solidFill>
-                <a:miter lim="800000"/>
-                <a:headEnd/>
-                <a:tailEnd/>
-              </a14:hiddenLine>
-            </a:ext>
-            <a:ext uri="{AF507438-7753-43E0-B8FC-AC1667EBCBE1}">
-              <a14:hiddenEffects xmlns:a14="http://schemas.microsoft.com/office/drawing/2010/main">
-                <a:effectLst>
-                  <a:outerShdw dist="35921" dir="2700000" algn="ctr" rotWithShape="0">
-                    <a:schemeClr val="bg2"/>
-                  </a:outerShdw>
-                </a:effectLst>
-              </a14:hiddenEffects>
-            </a:ext>
-          </a:extLst>
         </p:spPr>
         <p:txBody>
-          <a:bodyPr vert="horz" wrap="none" lIns="91440" tIns="45720" rIns="91440" bIns="45720" numCol="1" anchor="ctr" anchorCtr="0" compatLnSpc="1">
-            <a:prstTxWarp prst="textNoShape">
-              <a:avLst/>
-            </a:prstTxWarp>
-            <a:spAutoFit/>
+          <a:bodyPr vert="horz" lIns="91440" tIns="45720" rIns="91440" bIns="45720" rtlCol="0" anchor="ctr">
+            <a:normAutofit/>
           </a:bodyPr>
-          <a:lstStyle/>
-          <a:p>
-            <a:pPr marL="0" marR="0" lvl="0" indent="0" algn="l" defTabSz="914400" rtl="0" eaLnBrk="0" fontAlgn="base" latinLnBrk="0" hangingPunct="0">
+          <a:lstStyle>
+            <a:lvl1pPr algn="l" defTabSz="914400" rtl="0" eaLnBrk="1" latinLnBrk="0" hangingPunct="1">
               <a:lnSpc>
-                <a:spcPct val="100000"/>
+                <a:spcPct val="90000"/>
               </a:lnSpc>
               <a:spcBef>
                 <a:spcPct val="0"/>
               </a:spcBef>
-              <a:spcAft>
-                <a:spcPct val="0"/>
-              </a:spcAft>
-              <a:buClrTx/>
-              <a:buSzTx/>
-              <a:tabLst/>
-            </a:pPr>
-            <a:r>
-              <a:rPr kumimoji="0" lang="LID4096" altLang="LID4096" sz="1800" b="0" i="0" u="none" strike="noStrike" cap="none" normalizeH="0" baseline="0" dirty="0">
+              <a:buNone/>
+              <a:defRPr sz="4400" kern="1200">
+                <a:solidFill>
+                  <a:schemeClr val="tx1"/>
+                </a:solidFill>
+                <a:latin typeface="+mj-lt"/>
+                <a:ea typeface="+mj-ea"/>
+                <a:cs typeface="+mj-cs"/>
+              </a:defRPr>
+            </a:lvl1pPr>
+          </a:lstStyle>
+          <a:p>
+            <a:r>
+              <a:rPr kumimoji="0" lang="LID4096" altLang="LID4096" sz="4400" b="0" i="0" u="none" strike="noStrike" cap="none" spc="120" normalizeH="0">
                 <a:ln>
                   <a:noFill/>
                 </a:ln>
@@ -6237,10 +6637,42 @@
                   <a:schemeClr val="tx1"/>
                 </a:solidFill>
                 <a:effectLst/>
-                <a:latin typeface="Arial" panose="020B0604020202020204" pitchFamily="34" charset="0"/>
+                <a:latin typeface="Lato" panose="020F0502020204030203" pitchFamily="34" charset="77"/>
               </a:rPr>
               <a:t>Art der Missing Value Imputation</a:t>
             </a:r>
+            <a:endParaRPr lang="LID4096" spc="120" dirty="0">
+              <a:latin typeface="Lato" panose="020F0502020204030203" pitchFamily="34" charset="77"/>
+            </a:endParaRPr>
+          </a:p>
+        </p:txBody>
+      </p:sp>
+      <p:sp>
+        <p:nvSpPr>
+          <p:cNvPr id="8" name="Slide Number Placeholder 7">
+            <a:extLst>
+              <a:ext uri="{FF2B5EF4-FFF2-40B4-BE49-F238E27FC236}">
+                <a16:creationId xmlns:a16="http://schemas.microsoft.com/office/drawing/2014/main" id="{696D82E3-9703-904C-8C87-EA2219F13EDA}"/>
+              </a:ext>
+            </a:extLst>
+          </p:cNvPr>
+          <p:cNvSpPr>
+            <a:spLocks noGrp="1"/>
+          </p:cNvSpPr>
+          <p:nvPr>
+            <p:ph type="sldNum" sz="quarter" idx="12"/>
+          </p:nvPr>
+        </p:nvSpPr>
+        <p:spPr/>
+        <p:txBody>
+          <a:bodyPr/>
+          <a:lstStyle/>
+          <a:p>
+            <a:fld id="{30D148E0-5172-48D5-9F18-ED545B64C5E9}" type="slidenum">
+              <a:rPr lang="LID4096" smtClean="0"/>
+              <a:t>5</a:t>
+            </a:fld>
+            <a:endParaRPr lang="LID4096"/>
           </a:p>
         </p:txBody>
       </p:sp>
@@ -6276,51 +6708,6 @@
       </p:grpSpPr>
       <p:sp>
         <p:nvSpPr>
-          <p:cNvPr id="2" name="Title 1">
-            <a:extLst>
-              <a:ext uri="{FF2B5EF4-FFF2-40B4-BE49-F238E27FC236}">
-                <a16:creationId xmlns:a16="http://schemas.microsoft.com/office/drawing/2014/main" id="{5975FA0C-7299-4942-AAF2-AA1A7DB25708}"/>
-              </a:ext>
-            </a:extLst>
-          </p:cNvPr>
-          <p:cNvSpPr>
-            <a:spLocks noGrp="1"/>
-          </p:cNvSpPr>
-          <p:nvPr>
-            <p:ph type="title"/>
-          </p:nvPr>
-        </p:nvSpPr>
-        <p:spPr/>
-        <p:txBody>
-          <a:bodyPr/>
-          <a:lstStyle/>
-          <a:p>
-            <a:r>
-              <a:rPr lang="en-GB" dirty="0" err="1"/>
-              <a:t>Optimierung</a:t>
-            </a:r>
-            <a:r>
-              <a:rPr lang="en-GB" dirty="0"/>
-              <a:t> des </a:t>
-            </a:r>
-            <a:r>
-              <a:rPr lang="en-GB" dirty="0" err="1"/>
-              <a:t>neuronalen</a:t>
-            </a:r>
-            <a:r>
-              <a:rPr lang="en-GB" dirty="0"/>
-              <a:t> </a:t>
-            </a:r>
-            <a:r>
-              <a:rPr lang="en-GB" dirty="0" err="1"/>
-              <a:t>Netzes</a:t>
-            </a:r>
-            <a:endParaRPr lang="LID4096" dirty="0"/>
-          </a:p>
-        </p:txBody>
-      </p:sp>
-      <p:sp>
-        <p:nvSpPr>
           <p:cNvPr id="3" name="Content Placeholder 2">
             <a:extLst>
               <a:ext uri="{FF2B5EF4-FFF2-40B4-BE49-F238E27FC236}">
@@ -6335,18 +6722,22 @@
             <p:ph idx="1"/>
           </p:nvPr>
         </p:nvSpPr>
-        <p:spPr/>
+        <p:spPr>
+          <a:xfrm>
+            <a:off x="886264" y="1081984"/>
+            <a:ext cx="10467535" cy="5094979"/>
+          </a:xfrm>
+        </p:spPr>
         <p:txBody>
           <a:bodyPr/>
           <a:lstStyle/>
           <a:p>
-            <a:pPr>
-              <a:buFont typeface="Arial" panose="020B0604020202020204" pitchFamily="34" charset="0"/>
-              <a:buChar char="•"/>
+            <a:pPr marL="0" indent="0">
+              <a:buNone/>
             </a:pPr>
             <a:r>
               <a:rPr lang="de-DE" dirty="0"/>
-              <a:t>Source Code zur Definition des neuronalen Netzes</a:t>
+              <a:t>Source Code zur Definition des neuronalen Netzes:</a:t>
             </a:r>
           </a:p>
           <a:p>
@@ -6368,8 +6759,8 @@
         </p:nvSpPr>
         <p:spPr>
           <a:xfrm>
-            <a:off x="838199" y="2333685"/>
-            <a:ext cx="11353801" cy="3139321"/>
+            <a:off x="1111348" y="2207076"/>
+            <a:ext cx="11080652" cy="3139321"/>
           </a:xfrm>
           <a:prstGeom prst="rect">
             <a:avLst/>
@@ -6383,46 +6774,17 @@
           <a:lstStyle/>
           <a:p>
             <a:r>
-              <a:rPr lang="en-GB" b="0" dirty="0">
+              <a:rPr lang="en-GB" b="0" spc="-90" dirty="0">
                 <a:solidFill>
                   <a:srgbClr val="001080"/>
                 </a:solidFill>
                 <a:effectLst/>
                 <a:latin typeface="Menlo" panose="020B0609030804020204" pitchFamily="49" charset="0"/>
               </a:rPr>
-              <a:t># </a:t>
-            </a:r>
-            <a:r>
-              <a:rPr lang="en-GB" b="0" dirty="0" err="1">
-                <a:solidFill>
-                  <a:srgbClr val="001080"/>
-                </a:solidFill>
-                <a:effectLst/>
-                <a:latin typeface="Menlo" panose="020B0609030804020204" pitchFamily="49" charset="0"/>
-              </a:rPr>
-              <a:t>Tensorflow</a:t>
-            </a:r>
-            <a:endParaRPr lang="en-GB" b="0" dirty="0">
-              <a:solidFill>
-                <a:srgbClr val="001080"/>
-              </a:solidFill>
-              <a:effectLst/>
-              <a:latin typeface="Menlo" panose="020B0609030804020204" pitchFamily="49" charset="0"/>
-            </a:endParaRPr>
-          </a:p>
-          <a:p>
-            <a:r>
-              <a:rPr lang="en-GB" b="0" dirty="0">
-                <a:solidFill>
-                  <a:srgbClr val="001080"/>
-                </a:solidFill>
-                <a:effectLst/>
-                <a:latin typeface="Menlo" panose="020B0609030804020204" pitchFamily="49" charset="0"/>
-              </a:rPr>
               <a:t>model</a:t>
             </a:r>
             <a:r>
-              <a:rPr lang="en-GB" b="0" dirty="0">
+              <a:rPr lang="en-GB" b="0" spc="-90" dirty="0">
                 <a:solidFill>
                   <a:srgbClr val="000000"/>
                 </a:solidFill>
@@ -6432,7 +6794,7 @@
               <a:t> = </a:t>
             </a:r>
             <a:r>
-              <a:rPr lang="en-GB" b="0" dirty="0" err="1">
+              <a:rPr lang="en-GB" b="0" spc="-90" dirty="0" err="1">
                 <a:solidFill>
                   <a:srgbClr val="267F99"/>
                 </a:solidFill>
@@ -6442,7 +6804,7 @@
               <a:t>tf</a:t>
             </a:r>
             <a:r>
-              <a:rPr lang="en-GB" b="0" dirty="0" err="1">
+              <a:rPr lang="en-GB" b="0" spc="-90" dirty="0" err="1">
                 <a:solidFill>
                   <a:srgbClr val="000000"/>
                 </a:solidFill>
@@ -6452,7 +6814,7 @@
               <a:t>.keras.Sequential</a:t>
             </a:r>
             <a:r>
-              <a:rPr lang="en-GB" b="0" dirty="0">
+              <a:rPr lang="en-GB" b="0" spc="-90" dirty="0">
                 <a:solidFill>
                   <a:srgbClr val="000000"/>
                 </a:solidFill>
@@ -6461,73 +6823,16 @@
               </a:rPr>
               <a:t>([</a:t>
             </a:r>
-          </a:p>
-          <a:p>
-            <a:r>
-              <a:rPr lang="en-GB" b="0" dirty="0">
-                <a:solidFill>
-                  <a:schemeClr val="tx1">
-                    <a:lumMod val="50000"/>
-                    <a:lumOff val="50000"/>
-                  </a:schemeClr>
-                </a:solidFill>
-                <a:effectLst/>
-                <a:latin typeface="Menlo" panose="020B0609030804020204" pitchFamily="49" charset="0"/>
-              </a:rPr>
-              <a:t>	# Long Short-Term Memory (LSTM) layer w/ 128 units </a:t>
-            </a:r>
             <a:br>
-              <a:rPr lang="en-GB" b="0" dirty="0">
-                <a:solidFill>
-                  <a:schemeClr val="tx1">
-                    <a:lumMod val="50000"/>
-                    <a:lumOff val="50000"/>
-                  </a:schemeClr>
+              <a:rPr lang="en-GB" b="0" spc="-90" dirty="0">
+                <a:solidFill>
+                  <a:srgbClr val="000000"/>
                 </a:solidFill>
                 <a:effectLst/>
                 <a:latin typeface="Menlo" panose="020B0609030804020204" pitchFamily="49" charset="0"/>
               </a:rPr>
             </a:br>
-            <a:r>
-              <a:rPr lang="en-GB" b="0" dirty="0">
-                <a:solidFill>
-                  <a:schemeClr val="tx1">
-                    <a:lumMod val="50000"/>
-                    <a:lumOff val="50000"/>
-                  </a:schemeClr>
-                </a:solidFill>
-                <a:effectLst/>
-                <a:latin typeface="Menlo" panose="020B0609030804020204" pitchFamily="49" charset="0"/>
-              </a:rPr>
-              <a:t>	and a </a:t>
-            </a:r>
-            <a:r>
-              <a:rPr lang="en-GB" b="0" dirty="0" err="1">
-                <a:solidFill>
-                  <a:schemeClr val="tx1">
-                    <a:lumMod val="50000"/>
-                    <a:lumOff val="50000"/>
-                  </a:schemeClr>
-                </a:solidFill>
-                <a:effectLst/>
-                <a:latin typeface="Menlo" panose="020B0609030804020204" pitchFamily="49" charset="0"/>
-              </a:rPr>
-              <a:t>ReLU</a:t>
-            </a:r>
-            <a:r>
-              <a:rPr lang="en-GB" b="0" dirty="0">
-                <a:solidFill>
-                  <a:schemeClr val="tx1">
-                    <a:lumMod val="50000"/>
-                    <a:lumOff val="50000"/>
-                  </a:schemeClr>
-                </a:solidFill>
-                <a:effectLst/>
-                <a:latin typeface="Menlo" panose="020B0609030804020204" pitchFamily="49" charset="0"/>
-              </a:rPr>
-              <a:t> activation function</a:t>
-            </a:r>
-            <a:endParaRPr lang="en-GB" b="0" dirty="0">
+            <a:endParaRPr lang="en-GB" b="0" spc="-90" dirty="0">
               <a:solidFill>
                 <a:srgbClr val="000000"/>
               </a:solidFill>
@@ -6537,345 +6842,7 @@
           </a:p>
           <a:p>
             <a:r>
-              <a:rPr lang="en-GB" b="0" dirty="0">
-                <a:solidFill>
-                  <a:srgbClr val="000000"/>
-                </a:solidFill>
-                <a:effectLst/>
-                <a:latin typeface="Menlo" panose="020B0609030804020204" pitchFamily="49" charset="0"/>
-              </a:rPr>
-              <a:t>LSTM(</a:t>
-            </a:r>
-            <a:r>
-              <a:rPr lang="en-GB" b="0" dirty="0">
-                <a:solidFill>
-                  <a:srgbClr val="098658"/>
-                </a:solidFill>
-                <a:effectLst/>
-                <a:latin typeface="Menlo" panose="020B0609030804020204" pitchFamily="49" charset="0"/>
-              </a:rPr>
-              <a:t>128</a:t>
-            </a:r>
-            <a:r>
-              <a:rPr lang="en-GB" b="0" dirty="0">
-                <a:solidFill>
-                  <a:srgbClr val="000000"/>
-                </a:solidFill>
-                <a:effectLst/>
-                <a:latin typeface="Menlo" panose="020B0609030804020204" pitchFamily="49" charset="0"/>
-              </a:rPr>
-              <a:t>, </a:t>
-            </a:r>
-            <a:r>
-              <a:rPr lang="en-GB" b="0" dirty="0">
-                <a:solidFill>
-                  <a:srgbClr val="001080"/>
-                </a:solidFill>
-                <a:effectLst/>
-                <a:latin typeface="Menlo" panose="020B0609030804020204" pitchFamily="49" charset="0"/>
-              </a:rPr>
-              <a:t>activation</a:t>
-            </a:r>
-            <a:r>
-              <a:rPr lang="en-GB" b="0" dirty="0">
-                <a:solidFill>
-                  <a:srgbClr val="000000"/>
-                </a:solidFill>
-                <a:effectLst/>
-                <a:latin typeface="Menlo" panose="020B0609030804020204" pitchFamily="49" charset="0"/>
-              </a:rPr>
-              <a:t>=</a:t>
-            </a:r>
-            <a:r>
-              <a:rPr lang="en-GB" b="0" dirty="0">
-                <a:solidFill>
-                  <a:srgbClr val="A31515"/>
-                </a:solidFill>
-                <a:effectLst/>
-                <a:latin typeface="Menlo" panose="020B0609030804020204" pitchFamily="49" charset="0"/>
-              </a:rPr>
-              <a:t>'</a:t>
-            </a:r>
-            <a:r>
-              <a:rPr lang="en-GB" b="0" dirty="0" err="1">
-                <a:solidFill>
-                  <a:srgbClr val="A31515"/>
-                </a:solidFill>
-                <a:effectLst/>
-                <a:latin typeface="Menlo" panose="020B0609030804020204" pitchFamily="49" charset="0"/>
-              </a:rPr>
-              <a:t>relu</a:t>
-            </a:r>
-            <a:r>
-              <a:rPr lang="en-GB" b="0" dirty="0">
-                <a:solidFill>
-                  <a:srgbClr val="A31515"/>
-                </a:solidFill>
-                <a:effectLst/>
-                <a:latin typeface="Menlo" panose="020B0609030804020204" pitchFamily="49" charset="0"/>
-              </a:rPr>
-              <a:t>'</a:t>
-            </a:r>
-            <a:r>
-              <a:rPr lang="en-GB" b="0" dirty="0">
-                <a:solidFill>
-                  <a:srgbClr val="000000"/>
-                </a:solidFill>
-                <a:effectLst/>
-                <a:latin typeface="Menlo" panose="020B0609030804020204" pitchFamily="49" charset="0"/>
-              </a:rPr>
-              <a:t>, </a:t>
-            </a:r>
-            <a:r>
-              <a:rPr lang="en-GB" b="0" dirty="0" err="1">
-                <a:solidFill>
-                  <a:srgbClr val="001080"/>
-                </a:solidFill>
-                <a:effectLst/>
-                <a:latin typeface="Menlo" panose="020B0609030804020204" pitchFamily="49" charset="0"/>
-              </a:rPr>
-              <a:t>input_shape</a:t>
-            </a:r>
-            <a:r>
-              <a:rPr lang="en-GB" b="0" dirty="0">
-                <a:solidFill>
-                  <a:srgbClr val="000000"/>
-                </a:solidFill>
-                <a:effectLst/>
-                <a:latin typeface="Menlo" panose="020B0609030804020204" pitchFamily="49" charset="0"/>
-              </a:rPr>
-              <a:t>=(</a:t>
-            </a:r>
-            <a:r>
-              <a:rPr lang="en-GB" b="0" dirty="0">
-                <a:solidFill>
-                  <a:srgbClr val="098658"/>
-                </a:solidFill>
-                <a:effectLst/>
-                <a:latin typeface="Menlo" panose="020B0609030804020204" pitchFamily="49" charset="0"/>
-              </a:rPr>
-              <a:t>1</a:t>
-            </a:r>
-            <a:r>
-              <a:rPr lang="en-GB" b="0" dirty="0">
-                <a:solidFill>
-                  <a:srgbClr val="000000"/>
-                </a:solidFill>
-                <a:effectLst/>
-                <a:latin typeface="Menlo" panose="020B0609030804020204" pitchFamily="49" charset="0"/>
-              </a:rPr>
-              <a:t>, </a:t>
-            </a:r>
-            <a:r>
-              <a:rPr lang="en-GB" b="0" dirty="0" err="1">
-                <a:solidFill>
-                  <a:srgbClr val="001080"/>
-                </a:solidFill>
-                <a:effectLst/>
-                <a:latin typeface="Menlo" panose="020B0609030804020204" pitchFamily="49" charset="0"/>
-              </a:rPr>
-              <a:t>X_train_seq</a:t>
-            </a:r>
-            <a:r>
-              <a:rPr lang="en-GB" b="0" dirty="0" err="1">
-                <a:solidFill>
-                  <a:srgbClr val="000000"/>
-                </a:solidFill>
-                <a:effectLst/>
-                <a:latin typeface="Menlo" panose="020B0609030804020204" pitchFamily="49" charset="0"/>
-              </a:rPr>
-              <a:t>.shape</a:t>
-            </a:r>
-            <a:r>
-              <a:rPr lang="en-GB" b="0" dirty="0">
-                <a:solidFill>
-                  <a:srgbClr val="000000"/>
-                </a:solidFill>
-                <a:effectLst/>
-                <a:latin typeface="Menlo" panose="020B0609030804020204" pitchFamily="49" charset="0"/>
-              </a:rPr>
-              <a:t>[</a:t>
-            </a:r>
-            <a:r>
-              <a:rPr lang="en-GB" b="0" dirty="0">
-                <a:solidFill>
-                  <a:srgbClr val="098658"/>
-                </a:solidFill>
-                <a:effectLst/>
-                <a:latin typeface="Menlo" panose="020B0609030804020204" pitchFamily="49" charset="0"/>
-              </a:rPr>
-              <a:t>2</a:t>
-            </a:r>
-            <a:r>
-              <a:rPr lang="en-GB" b="0" dirty="0">
-                <a:solidFill>
-                  <a:srgbClr val="000000"/>
-                </a:solidFill>
-                <a:effectLst/>
-                <a:latin typeface="Menlo" panose="020B0609030804020204" pitchFamily="49" charset="0"/>
-              </a:rPr>
-              <a:t>])),</a:t>
-            </a:r>
-          </a:p>
-          <a:p>
-            <a:r>
-              <a:rPr lang="en-GB" b="0" dirty="0">
-                <a:solidFill>
-                  <a:srgbClr val="000000"/>
-                </a:solidFill>
-                <a:effectLst/>
-                <a:latin typeface="Menlo" panose="020B0609030804020204" pitchFamily="49" charset="0"/>
-              </a:rPr>
-              <a:t>Dropout(</a:t>
-            </a:r>
-            <a:r>
-              <a:rPr lang="en-GB" b="0" dirty="0">
-                <a:solidFill>
-                  <a:srgbClr val="098658"/>
-                </a:solidFill>
-                <a:effectLst/>
-                <a:latin typeface="Menlo" panose="020B0609030804020204" pitchFamily="49" charset="0"/>
-              </a:rPr>
-              <a:t>0.3</a:t>
-            </a:r>
-            <a:r>
-              <a:rPr lang="en-GB" b="0" dirty="0">
-                <a:solidFill>
-                  <a:srgbClr val="000000"/>
-                </a:solidFill>
-                <a:effectLst/>
-                <a:latin typeface="Menlo" panose="020B0609030804020204" pitchFamily="49" charset="0"/>
-              </a:rPr>
-              <a:t>),</a:t>
-            </a:r>
-          </a:p>
-          <a:p>
-            <a:r>
-              <a:rPr lang="en-GB" b="0" dirty="0">
-                <a:solidFill>
-                  <a:srgbClr val="000000"/>
-                </a:solidFill>
-                <a:effectLst/>
-                <a:latin typeface="Menlo" panose="020B0609030804020204" pitchFamily="49" charset="0"/>
-              </a:rPr>
-              <a:t>Dense(</a:t>
-            </a:r>
-            <a:r>
-              <a:rPr lang="en-GB" b="0" dirty="0">
-                <a:solidFill>
-                  <a:srgbClr val="098658"/>
-                </a:solidFill>
-                <a:effectLst/>
-                <a:latin typeface="Menlo" panose="020B0609030804020204" pitchFamily="49" charset="0"/>
-              </a:rPr>
-              <a:t>64</a:t>
-            </a:r>
-            <a:r>
-              <a:rPr lang="en-GB" b="0" dirty="0">
-                <a:solidFill>
-                  <a:srgbClr val="000000"/>
-                </a:solidFill>
-                <a:effectLst/>
-                <a:latin typeface="Menlo" panose="020B0609030804020204" pitchFamily="49" charset="0"/>
-              </a:rPr>
-              <a:t>, </a:t>
-            </a:r>
-            <a:r>
-              <a:rPr lang="en-GB" b="0" dirty="0">
-                <a:solidFill>
-                  <a:srgbClr val="001080"/>
-                </a:solidFill>
-                <a:effectLst/>
-                <a:latin typeface="Menlo" panose="020B0609030804020204" pitchFamily="49" charset="0"/>
-              </a:rPr>
-              <a:t>activation</a:t>
-            </a:r>
-            <a:r>
-              <a:rPr lang="en-GB" b="0" dirty="0">
-                <a:solidFill>
-                  <a:srgbClr val="000000"/>
-                </a:solidFill>
-                <a:effectLst/>
-                <a:latin typeface="Menlo" panose="020B0609030804020204" pitchFamily="49" charset="0"/>
-              </a:rPr>
-              <a:t>=</a:t>
-            </a:r>
-            <a:r>
-              <a:rPr lang="en-GB" b="0" dirty="0">
-                <a:solidFill>
-                  <a:srgbClr val="A31515"/>
-                </a:solidFill>
-                <a:effectLst/>
-                <a:latin typeface="Menlo" panose="020B0609030804020204" pitchFamily="49" charset="0"/>
-              </a:rPr>
-              <a:t>'</a:t>
-            </a:r>
-            <a:r>
-              <a:rPr lang="en-GB" b="0" dirty="0" err="1">
-                <a:solidFill>
-                  <a:srgbClr val="A31515"/>
-                </a:solidFill>
-                <a:effectLst/>
-                <a:latin typeface="Menlo" panose="020B0609030804020204" pitchFamily="49" charset="0"/>
-              </a:rPr>
-              <a:t>relu</a:t>
-            </a:r>
-            <a:r>
-              <a:rPr lang="en-GB" b="0" dirty="0">
-                <a:solidFill>
-                  <a:srgbClr val="A31515"/>
-                </a:solidFill>
-                <a:effectLst/>
-                <a:latin typeface="Menlo" panose="020B0609030804020204" pitchFamily="49" charset="0"/>
-              </a:rPr>
-              <a:t>’</a:t>
-            </a:r>
-            <a:r>
-              <a:rPr lang="en-GB" b="0" dirty="0">
-                <a:solidFill>
-                  <a:srgbClr val="000000"/>
-                </a:solidFill>
-                <a:effectLst/>
-                <a:latin typeface="Menlo" panose="020B0609030804020204" pitchFamily="49" charset="0"/>
-              </a:rPr>
-              <a:t>),</a:t>
-            </a:r>
-          </a:p>
-          <a:p>
-            <a:r>
-              <a:rPr lang="en-GB" b="0" dirty="0">
-                <a:solidFill>
-                  <a:srgbClr val="000000"/>
-                </a:solidFill>
-                <a:effectLst/>
-                <a:latin typeface="Menlo" panose="020B0609030804020204" pitchFamily="49" charset="0"/>
-              </a:rPr>
-              <a:t>Dropout(</a:t>
-            </a:r>
-            <a:r>
-              <a:rPr lang="en-GB" b="0" dirty="0">
-                <a:solidFill>
-                  <a:srgbClr val="098658"/>
-                </a:solidFill>
-                <a:effectLst/>
-                <a:latin typeface="Menlo" panose="020B0609030804020204" pitchFamily="49" charset="0"/>
-              </a:rPr>
-              <a:t>0.2</a:t>
-            </a:r>
-            <a:r>
-              <a:rPr lang="en-GB" b="0" dirty="0">
-                <a:solidFill>
-                  <a:srgbClr val="000000"/>
-                </a:solidFill>
-                <a:effectLst/>
-                <a:latin typeface="Menlo" panose="020B0609030804020204" pitchFamily="49" charset="0"/>
-              </a:rPr>
-              <a:t>),</a:t>
-            </a:r>
-          </a:p>
-          <a:p>
-            <a:r>
-              <a:rPr lang="en-GB" b="0" dirty="0">
+              <a:rPr lang="en-GB" b="0" spc="-90" dirty="0">
                 <a:solidFill>
                   <a:schemeClr val="tx1">
                     <a:lumMod val="50000"/>
@@ -6885,22 +6852,337 @@
                 <a:effectLst/>
                 <a:latin typeface="Menlo" panose="020B0609030804020204" pitchFamily="49" charset="0"/>
               </a:rPr>
-              <a:t>	# Final output: predicted sales value</a:t>
-            </a:r>
-          </a:p>
-          <a:p>
-            <a:r>
-              <a:rPr lang="en-GB" b="0" dirty="0">
+              <a:t># Long Short-Term Memory (LSTM) layer w/ 128 units	and a </a:t>
+            </a:r>
+            <a:r>
+              <a:rPr lang="en-GB" b="0" spc="-90" dirty="0" err="1">
+                <a:solidFill>
+                  <a:schemeClr val="tx1">
+                    <a:lumMod val="50000"/>
+                    <a:lumOff val="50000"/>
+                  </a:schemeClr>
+                </a:solidFill>
+                <a:effectLst/>
+                <a:latin typeface="Menlo" panose="020B0609030804020204" pitchFamily="49" charset="0"/>
+              </a:rPr>
+              <a:t>ReLU</a:t>
+            </a:r>
+            <a:r>
+              <a:rPr lang="en-GB" b="0" spc="-90" dirty="0">
+                <a:solidFill>
+                  <a:schemeClr val="tx1">
+                    <a:lumMod val="50000"/>
+                    <a:lumOff val="50000"/>
+                  </a:schemeClr>
+                </a:solidFill>
+                <a:effectLst/>
+                <a:latin typeface="Menlo" panose="020B0609030804020204" pitchFamily="49" charset="0"/>
+              </a:rPr>
+              <a:t> activation function</a:t>
+            </a:r>
+            <a:endParaRPr lang="en-GB" b="0" spc="-90" dirty="0">
+              <a:solidFill>
+                <a:srgbClr val="000000"/>
+              </a:solidFill>
+              <a:effectLst/>
+              <a:latin typeface="Menlo" panose="020B0609030804020204" pitchFamily="49" charset="0"/>
+            </a:endParaRPr>
+          </a:p>
+          <a:p>
+            <a:r>
+              <a:rPr lang="en-GB" b="0" spc="-90" dirty="0">
                 <a:solidFill>
                   <a:srgbClr val="000000"/>
                 </a:solidFill>
                 <a:effectLst/>
                 <a:latin typeface="Menlo" panose="020B0609030804020204" pitchFamily="49" charset="0"/>
               </a:rPr>
+              <a:t>LSTM(</a:t>
+            </a:r>
+            <a:r>
+              <a:rPr lang="en-GB" b="0" spc="-90" dirty="0">
+                <a:solidFill>
+                  <a:srgbClr val="098658"/>
+                </a:solidFill>
+                <a:effectLst/>
+                <a:latin typeface="Menlo" panose="020B0609030804020204" pitchFamily="49" charset="0"/>
+              </a:rPr>
+              <a:t>128</a:t>
+            </a:r>
+            <a:r>
+              <a:rPr lang="en-GB" b="0" spc="-90" dirty="0">
+                <a:solidFill>
+                  <a:srgbClr val="000000"/>
+                </a:solidFill>
+                <a:effectLst/>
+                <a:latin typeface="Menlo" panose="020B0609030804020204" pitchFamily="49" charset="0"/>
+              </a:rPr>
+              <a:t>, </a:t>
+            </a:r>
+            <a:r>
+              <a:rPr lang="en-GB" b="0" spc="-90" dirty="0">
+                <a:solidFill>
+                  <a:srgbClr val="001080"/>
+                </a:solidFill>
+                <a:effectLst/>
+                <a:latin typeface="Menlo" panose="020B0609030804020204" pitchFamily="49" charset="0"/>
+              </a:rPr>
+              <a:t>activation</a:t>
+            </a:r>
+            <a:r>
+              <a:rPr lang="en-GB" b="0" spc="-90" dirty="0">
+                <a:solidFill>
+                  <a:srgbClr val="000000"/>
+                </a:solidFill>
+                <a:effectLst/>
+                <a:latin typeface="Menlo" panose="020B0609030804020204" pitchFamily="49" charset="0"/>
+              </a:rPr>
+              <a:t>=</a:t>
+            </a:r>
+            <a:r>
+              <a:rPr lang="en-GB" b="0" spc="-90" dirty="0">
+                <a:solidFill>
+                  <a:srgbClr val="A31515"/>
+                </a:solidFill>
+                <a:effectLst/>
+                <a:latin typeface="Menlo" panose="020B0609030804020204" pitchFamily="49" charset="0"/>
+              </a:rPr>
+              <a:t>'</a:t>
+            </a:r>
+            <a:r>
+              <a:rPr lang="en-GB" b="0" spc="-90" dirty="0" err="1">
+                <a:solidFill>
+                  <a:srgbClr val="A31515"/>
+                </a:solidFill>
+                <a:effectLst/>
+                <a:latin typeface="Menlo" panose="020B0609030804020204" pitchFamily="49" charset="0"/>
+              </a:rPr>
+              <a:t>relu</a:t>
+            </a:r>
+            <a:r>
+              <a:rPr lang="en-GB" b="0" spc="-90" dirty="0">
+                <a:solidFill>
+                  <a:srgbClr val="A31515"/>
+                </a:solidFill>
+                <a:effectLst/>
+                <a:latin typeface="Menlo" panose="020B0609030804020204" pitchFamily="49" charset="0"/>
+              </a:rPr>
+              <a:t>'</a:t>
+            </a:r>
+            <a:r>
+              <a:rPr lang="en-GB" b="0" spc="-90" dirty="0">
+                <a:solidFill>
+                  <a:srgbClr val="000000"/>
+                </a:solidFill>
+                <a:effectLst/>
+                <a:latin typeface="Menlo" panose="020B0609030804020204" pitchFamily="49" charset="0"/>
+              </a:rPr>
+              <a:t>, </a:t>
+            </a:r>
+            <a:r>
+              <a:rPr lang="en-GB" b="0" spc="-90" dirty="0" err="1">
+                <a:solidFill>
+                  <a:srgbClr val="001080"/>
+                </a:solidFill>
+                <a:effectLst/>
+                <a:latin typeface="Menlo" panose="020B0609030804020204" pitchFamily="49" charset="0"/>
+              </a:rPr>
+              <a:t>input_shape</a:t>
+            </a:r>
+            <a:r>
+              <a:rPr lang="en-GB" b="0" spc="-90" dirty="0">
+                <a:solidFill>
+                  <a:srgbClr val="000000"/>
+                </a:solidFill>
+                <a:effectLst/>
+                <a:latin typeface="Menlo" panose="020B0609030804020204" pitchFamily="49" charset="0"/>
+              </a:rPr>
+              <a:t>=(</a:t>
+            </a:r>
+            <a:r>
+              <a:rPr lang="en-GB" b="0" spc="-90" dirty="0">
+                <a:solidFill>
+                  <a:srgbClr val="098658"/>
+                </a:solidFill>
+                <a:effectLst/>
+                <a:latin typeface="Menlo" panose="020B0609030804020204" pitchFamily="49" charset="0"/>
+              </a:rPr>
+              <a:t>1</a:t>
+            </a:r>
+            <a:r>
+              <a:rPr lang="en-GB" b="0" spc="-90" dirty="0">
+                <a:solidFill>
+                  <a:srgbClr val="000000"/>
+                </a:solidFill>
+                <a:effectLst/>
+                <a:latin typeface="Menlo" panose="020B0609030804020204" pitchFamily="49" charset="0"/>
+              </a:rPr>
+              <a:t>, </a:t>
+            </a:r>
+            <a:r>
+              <a:rPr lang="en-GB" b="0" spc="-90" dirty="0" err="1">
+                <a:solidFill>
+                  <a:srgbClr val="001080"/>
+                </a:solidFill>
+                <a:effectLst/>
+                <a:latin typeface="Menlo" panose="020B0609030804020204" pitchFamily="49" charset="0"/>
+              </a:rPr>
+              <a:t>X_train_seq</a:t>
+            </a:r>
+            <a:r>
+              <a:rPr lang="en-GB" b="0" spc="-90" dirty="0" err="1">
+                <a:solidFill>
+                  <a:srgbClr val="000000"/>
+                </a:solidFill>
+                <a:effectLst/>
+                <a:latin typeface="Menlo" panose="020B0609030804020204" pitchFamily="49" charset="0"/>
+              </a:rPr>
+              <a:t>.shape</a:t>
+            </a:r>
+            <a:r>
+              <a:rPr lang="en-GB" b="0" spc="-90" dirty="0">
+                <a:solidFill>
+                  <a:srgbClr val="000000"/>
+                </a:solidFill>
+                <a:effectLst/>
+                <a:latin typeface="Menlo" panose="020B0609030804020204" pitchFamily="49" charset="0"/>
+              </a:rPr>
+              <a:t>[</a:t>
+            </a:r>
+            <a:r>
+              <a:rPr lang="en-GB" b="0" spc="-90" dirty="0">
+                <a:solidFill>
+                  <a:srgbClr val="098658"/>
+                </a:solidFill>
+                <a:effectLst/>
+                <a:latin typeface="Menlo" panose="020B0609030804020204" pitchFamily="49" charset="0"/>
+              </a:rPr>
+              <a:t>2</a:t>
+            </a:r>
+            <a:r>
+              <a:rPr lang="en-GB" b="0" spc="-90" dirty="0">
+                <a:solidFill>
+                  <a:srgbClr val="000000"/>
+                </a:solidFill>
+                <a:effectLst/>
+                <a:latin typeface="Menlo" panose="020B0609030804020204" pitchFamily="49" charset="0"/>
+              </a:rPr>
+              <a:t>])),</a:t>
+            </a:r>
+          </a:p>
+          <a:p>
+            <a:br>
+              <a:rPr lang="en-GB" spc="-90" dirty="0">
+                <a:solidFill>
+                  <a:schemeClr val="tx1">
+                    <a:lumMod val="50000"/>
+                    <a:lumOff val="50000"/>
+                  </a:schemeClr>
+                </a:solidFill>
+                <a:latin typeface="Menlo" panose="020B0609030804020204" pitchFamily="49" charset="0"/>
+              </a:rPr>
+            </a:br>
+            <a:r>
+              <a:rPr lang="en-GB" spc="-90" dirty="0">
+                <a:solidFill>
+                  <a:schemeClr val="tx1">
+                    <a:lumMod val="50000"/>
+                    <a:lumOff val="50000"/>
+                  </a:schemeClr>
+                </a:solidFill>
+                <a:latin typeface="Menlo" panose="020B0609030804020204" pitchFamily="49" charset="0"/>
+              </a:rPr>
+              <a:t># Dropout layer</a:t>
+            </a:r>
+            <a:r>
+              <a:rPr lang="en-GB" spc="-90" dirty="0">
+                <a:solidFill>
+                  <a:srgbClr val="000000"/>
+                </a:solidFill>
+                <a:latin typeface="Menlo" panose="020B0609030804020204" pitchFamily="49" charset="0"/>
+              </a:rPr>
+              <a:t> </a:t>
+            </a:r>
+            <a:endParaRPr lang="en-GB" b="0" spc="-90" dirty="0">
+              <a:solidFill>
+                <a:srgbClr val="000000"/>
+              </a:solidFill>
+              <a:effectLst/>
+              <a:latin typeface="Menlo" panose="020B0609030804020204" pitchFamily="49" charset="0"/>
+            </a:endParaRPr>
+          </a:p>
+          <a:p>
+            <a:r>
+              <a:rPr lang="en-GB" b="0" spc="-90" dirty="0">
+                <a:solidFill>
+                  <a:srgbClr val="000000"/>
+                </a:solidFill>
+                <a:effectLst/>
+                <a:latin typeface="Menlo" panose="020B0609030804020204" pitchFamily="49" charset="0"/>
+              </a:rPr>
+              <a:t>Dropout(</a:t>
+            </a:r>
+            <a:r>
+              <a:rPr lang="en-GB" b="0" spc="-90" dirty="0">
+                <a:solidFill>
+                  <a:srgbClr val="098658"/>
+                </a:solidFill>
+                <a:effectLst/>
+                <a:latin typeface="Menlo" panose="020B0609030804020204" pitchFamily="49" charset="0"/>
+              </a:rPr>
+              <a:t>0.3</a:t>
+            </a:r>
+            <a:r>
+              <a:rPr lang="en-GB" b="0" spc="-90" dirty="0">
+                <a:solidFill>
+                  <a:srgbClr val="000000"/>
+                </a:solidFill>
+                <a:effectLst/>
+                <a:latin typeface="Menlo" panose="020B0609030804020204" pitchFamily="49" charset="0"/>
+              </a:rPr>
+              <a:t>),</a:t>
+            </a:r>
+          </a:p>
+          <a:p>
+            <a:br>
+              <a:rPr lang="en-GB" b="0" spc="-90" dirty="0">
+                <a:solidFill>
+                  <a:schemeClr val="tx1">
+                    <a:lumMod val="50000"/>
+                    <a:lumOff val="50000"/>
+                  </a:schemeClr>
+                </a:solidFill>
+                <a:effectLst/>
+                <a:latin typeface="Menlo" panose="020B0609030804020204" pitchFamily="49" charset="0"/>
+              </a:rPr>
+            </a:br>
+            <a:r>
+              <a:rPr lang="en-GB" b="0" spc="-90" dirty="0">
+                <a:solidFill>
+                  <a:schemeClr val="tx1">
+                    <a:lumMod val="50000"/>
+                    <a:lumOff val="50000"/>
+                  </a:schemeClr>
+                </a:solidFill>
+                <a:effectLst/>
+                <a:latin typeface="Menlo" panose="020B0609030804020204" pitchFamily="49" charset="0"/>
+              </a:rPr>
+              <a:t># Final output: predicted sales value</a:t>
+            </a:r>
+          </a:p>
+          <a:p>
+            <a:r>
+              <a:rPr lang="en-GB" b="0" spc="-90" dirty="0">
+                <a:solidFill>
+                  <a:srgbClr val="000000"/>
+                </a:solidFill>
+                <a:effectLst/>
+                <a:latin typeface="Menlo" panose="020B0609030804020204" pitchFamily="49" charset="0"/>
+              </a:rPr>
               <a:t>Dense(</a:t>
             </a:r>
             <a:r>
-              <a:rPr lang="en-GB" b="0" dirty="0">
+              <a:rPr lang="en-GB" b="0" spc="-90" dirty="0">
                 <a:solidFill>
                   <a:srgbClr val="098658"/>
                 </a:solidFill>
@@ -6910,7 +7192,7 @@
               <a:t>1</a:t>
             </a:r>
             <a:r>
-              <a:rPr lang="en-GB" b="0" dirty="0">
+              <a:rPr lang="en-GB" b="0" spc="-90" dirty="0">
                 <a:solidFill>
                   <a:srgbClr val="000000"/>
                 </a:solidFill>
@@ -6922,7 +7204,7 @@
           </a:p>
           <a:p>
             <a:r>
-              <a:rPr lang="en-GB" b="0" dirty="0">
+              <a:rPr lang="en-GB" b="0" spc="-90" dirty="0">
                 <a:solidFill>
                   <a:srgbClr val="000000"/>
                 </a:solidFill>
@@ -6931,6 +7213,130 @@
               </a:rPr>
               <a:t>])</a:t>
             </a:r>
+          </a:p>
+        </p:txBody>
+      </p:sp>
+      <p:sp>
+        <p:nvSpPr>
+          <p:cNvPr id="5" name="Title 1">
+            <a:extLst>
+              <a:ext uri="{FF2B5EF4-FFF2-40B4-BE49-F238E27FC236}">
+                <a16:creationId xmlns:a16="http://schemas.microsoft.com/office/drawing/2014/main" id="{B66F8F70-7EE2-A445-B632-AEA3152D08E9}"/>
+              </a:ext>
+            </a:extLst>
+          </p:cNvPr>
+          <p:cNvSpPr txBox="1">
+            <a:spLocks/>
+          </p:cNvSpPr>
+          <p:nvPr/>
+        </p:nvSpPr>
+        <p:spPr>
+          <a:xfrm>
+            <a:off x="838200" y="365125"/>
+            <a:ext cx="10515600" cy="716859"/>
+          </a:xfrm>
+          <a:prstGeom prst="rect">
+            <a:avLst/>
+          </a:prstGeom>
+        </p:spPr>
+        <p:txBody>
+          <a:bodyPr vert="horz" lIns="91440" tIns="45720" rIns="91440" bIns="45720" rtlCol="0" anchor="ctr">
+            <a:normAutofit/>
+          </a:bodyPr>
+          <a:lstStyle>
+            <a:lvl1pPr algn="l" defTabSz="914400" rtl="0" eaLnBrk="1" latinLnBrk="0" hangingPunct="1">
+              <a:lnSpc>
+                <a:spcPct val="90000"/>
+              </a:lnSpc>
+              <a:spcBef>
+                <a:spcPct val="0"/>
+              </a:spcBef>
+              <a:buNone/>
+              <a:defRPr sz="4400" kern="1200">
+                <a:solidFill>
+                  <a:schemeClr val="tx1"/>
+                </a:solidFill>
+                <a:latin typeface="+mj-lt"/>
+                <a:ea typeface="+mj-ea"/>
+                <a:cs typeface="+mj-cs"/>
+              </a:defRPr>
+            </a:lvl1pPr>
+          </a:lstStyle>
+          <a:p>
+            <a:r>
+              <a:rPr lang="en-GB" spc="120" dirty="0" err="1">
+                <a:latin typeface="Lato" panose="020F0502020204030203" pitchFamily="34" charset="77"/>
+                <a:ea typeface="Menlo" panose="020B0609030804020204" pitchFamily="49" charset="0"/>
+                <a:cs typeface="Menlo" panose="020B0609030804020204" pitchFamily="49" charset="0"/>
+              </a:rPr>
+              <a:t>Optimierung</a:t>
+            </a:r>
+            <a:r>
+              <a:rPr lang="en-GB" spc="120" dirty="0">
+                <a:latin typeface="Lato" panose="020F0502020204030203" pitchFamily="34" charset="77"/>
+                <a:ea typeface="Menlo" panose="020B0609030804020204" pitchFamily="49" charset="0"/>
+                <a:cs typeface="Menlo" panose="020B0609030804020204" pitchFamily="49" charset="0"/>
+              </a:rPr>
+              <a:t> des </a:t>
+            </a:r>
+            <a:r>
+              <a:rPr lang="en-GB" spc="120" dirty="0" err="1">
+                <a:latin typeface="Lato" panose="020F0502020204030203" pitchFamily="34" charset="77"/>
+                <a:ea typeface="Menlo" panose="020B0609030804020204" pitchFamily="49" charset="0"/>
+                <a:cs typeface="Menlo" panose="020B0609030804020204" pitchFamily="49" charset="0"/>
+              </a:rPr>
+              <a:t>neuronalen</a:t>
+            </a:r>
+            <a:r>
+              <a:rPr lang="en-GB" spc="120" dirty="0">
+                <a:latin typeface="Lato" panose="020F0502020204030203" pitchFamily="34" charset="77"/>
+                <a:ea typeface="Menlo" panose="020B0609030804020204" pitchFamily="49" charset="0"/>
+                <a:cs typeface="Menlo" panose="020B0609030804020204" pitchFamily="49" charset="0"/>
+              </a:rPr>
+              <a:t> </a:t>
+            </a:r>
+            <a:r>
+              <a:rPr lang="en-GB" spc="120" dirty="0" err="1">
+                <a:latin typeface="Lato" panose="020F0502020204030203" pitchFamily="34" charset="77"/>
+                <a:ea typeface="Menlo" panose="020B0609030804020204" pitchFamily="49" charset="0"/>
+                <a:cs typeface="Menlo" panose="020B0609030804020204" pitchFamily="49" charset="0"/>
+              </a:rPr>
+              <a:t>Netzes</a:t>
+            </a:r>
+            <a:endParaRPr lang="LID4096" spc="120" dirty="0">
+              <a:latin typeface="Lato" panose="020F0502020204030203" pitchFamily="34" charset="77"/>
+              <a:ea typeface="Menlo" panose="020B0609030804020204" pitchFamily="49" charset="0"/>
+              <a:cs typeface="Menlo" panose="020B0609030804020204" pitchFamily="49" charset="0"/>
+            </a:endParaRPr>
+          </a:p>
+        </p:txBody>
+      </p:sp>
+      <p:sp>
+        <p:nvSpPr>
+          <p:cNvPr id="7" name="Slide Number Placeholder 6">
+            <a:extLst>
+              <a:ext uri="{FF2B5EF4-FFF2-40B4-BE49-F238E27FC236}">
+                <a16:creationId xmlns:a16="http://schemas.microsoft.com/office/drawing/2014/main" id="{A9248A2F-C53A-944E-A827-16A811B45A3C}"/>
+              </a:ext>
+            </a:extLst>
+          </p:cNvPr>
+          <p:cNvSpPr>
+            <a:spLocks noGrp="1"/>
+          </p:cNvSpPr>
+          <p:nvPr>
+            <p:ph type="sldNum" sz="quarter" idx="12"/>
+          </p:nvPr>
+        </p:nvSpPr>
+        <p:spPr/>
+        <p:txBody>
+          <a:bodyPr/>
+          <a:lstStyle/>
+          <a:p>
+            <a:fld id="{30D148E0-5172-48D5-9F18-ED545B64C5E9}" type="slidenum">
+              <a:rPr lang="LID4096" smtClean="0"/>
+              <a:t>6</a:t>
+            </a:fld>
+            <a:endParaRPr lang="LID4096"/>
           </a:p>
         </p:txBody>
       </p:sp>
@@ -6966,51 +7372,6 @@
       </p:grpSpPr>
       <p:sp>
         <p:nvSpPr>
-          <p:cNvPr id="2" name="Title 1">
-            <a:extLst>
-              <a:ext uri="{FF2B5EF4-FFF2-40B4-BE49-F238E27FC236}">
-                <a16:creationId xmlns:a16="http://schemas.microsoft.com/office/drawing/2014/main" id="{5975FA0C-7299-4942-AAF2-AA1A7DB25708}"/>
-              </a:ext>
-            </a:extLst>
-          </p:cNvPr>
-          <p:cNvSpPr>
-            <a:spLocks noGrp="1"/>
-          </p:cNvSpPr>
-          <p:nvPr>
-            <p:ph type="title"/>
-          </p:nvPr>
-        </p:nvSpPr>
-        <p:spPr/>
-        <p:txBody>
-          <a:bodyPr/>
-          <a:lstStyle/>
-          <a:p>
-            <a:r>
-              <a:rPr lang="en-GB" dirty="0" err="1"/>
-              <a:t>Optimierung</a:t>
-            </a:r>
-            <a:r>
-              <a:rPr lang="en-GB" dirty="0"/>
-              <a:t> des </a:t>
-            </a:r>
-            <a:r>
-              <a:rPr lang="en-GB" dirty="0" err="1"/>
-              <a:t>neuronalen</a:t>
-            </a:r>
-            <a:r>
-              <a:rPr lang="en-GB" dirty="0"/>
-              <a:t> </a:t>
-            </a:r>
-            <a:r>
-              <a:rPr lang="en-GB" dirty="0" err="1"/>
-              <a:t>Netzes</a:t>
-            </a:r>
-            <a:endParaRPr lang="LID4096" dirty="0"/>
-          </a:p>
-        </p:txBody>
-      </p:sp>
-      <p:sp>
-        <p:nvSpPr>
           <p:cNvPr id="3" name="Content Placeholder 2">
             <a:extLst>
               <a:ext uri="{FF2B5EF4-FFF2-40B4-BE49-F238E27FC236}">
@@ -7027,8 +7388,8 @@
         </p:nvSpPr>
         <p:spPr>
           <a:xfrm>
-            <a:off x="838200" y="1448972"/>
-            <a:ext cx="10515600" cy="5043903"/>
+            <a:off x="900332" y="1081984"/>
+            <a:ext cx="10453468" cy="5776016"/>
           </a:xfrm>
         </p:spPr>
         <p:txBody>
@@ -7041,9 +7402,19 @@
               <a:buNone/>
             </a:pPr>
             <a:r>
-              <a:rPr lang="de-DE" sz="2600" dirty="0"/>
+              <a:rPr lang="de-DE" sz="2400" dirty="0">
+                <a:latin typeface="Lato" panose="020F0502020204030203" pitchFamily="34" charset="77"/>
+              </a:rPr>
               <a:t>Darstellung der Loss-Funktionen für Trainings- und Validierungsdatensatz</a:t>
             </a:r>
+            <a:br>
+              <a:rPr lang="de-DE" sz="2400" dirty="0">
+                <a:latin typeface="Lato" panose="020F0502020204030203" pitchFamily="34" charset="77"/>
+              </a:rPr>
+            </a:br>
+            <a:endParaRPr lang="de-DE" sz="2400" dirty="0">
+              <a:latin typeface="Lato" panose="020F0502020204030203" pitchFamily="34" charset="77"/>
+            </a:endParaRPr>
           </a:p>
           <a:p>
             <a:pPr marL="0" indent="0">
@@ -7057,7 +7428,7 @@
                 <a:effectLst/>
                 <a:latin typeface="Menlo" panose="020B0609030804020204" pitchFamily="49" charset="0"/>
               </a:rPr>
-              <a:t># mean squared error</a:t>
+              <a:t># loss function: mean squared error</a:t>
             </a:r>
             <a:endParaRPr lang="en-GB" sz="1800" b="0" dirty="0">
               <a:solidFill>
@@ -7269,7 +7640,7 @@
                 <a:effectLst/>
                 <a:latin typeface="Menlo" panose="020B0609030804020204" pitchFamily="49" charset="0"/>
               </a:rPr>
-              <a:t>'</a:t>
+              <a:t>’</a:t>
             </a:r>
             <a:r>
               <a:rPr lang="en-GB" sz="1800" b="0" dirty="0">
@@ -7290,6 +7661,45 @@
               <a:buNone/>
             </a:pPr>
             <a:r>
+              <a:rPr lang="en-GB" sz="1800" b="0" dirty="0">
+                <a:solidFill>
+                  <a:srgbClr val="008000"/>
+                </a:solidFill>
+                <a:effectLst/>
+                <a:latin typeface="Menlo" panose="020B0609030804020204" pitchFamily="49" charset="0"/>
+              </a:rPr>
+              <a:t># patience=20 monitors the validation loss and stops the training if the validation loss does not improve for 20 epochs</a:t>
+            </a:r>
+            <a:r>
+              <a:rPr lang="en-GB" sz="1800" b="0" dirty="0">
+                <a:solidFill>
+                  <a:srgbClr val="001080"/>
+                </a:solidFill>
+                <a:effectLst/>
+                <a:latin typeface="Menlo" panose="020B0609030804020204" pitchFamily="49" charset="0"/>
+              </a:rPr>
+              <a:t> </a:t>
+            </a:r>
+            <a:r>
+              <a:rPr lang="en-GB" sz="1000" b="0" i="0" dirty="0">
+                <a:solidFill>
+                  <a:srgbClr val="FFFFFF"/>
+                </a:solidFill>
+                <a:effectLst/>
+                <a:latin typeface="var(--sds-font-family-01)"/>
+              </a:rPr>
+              <a:t>monitors the validation loss and stops the training if the validation loss does not improve for 20 epochs</a:t>
+            </a:r>
+            <a:br>
+              <a:rPr lang="en-GB" sz="1000" b="0" i="0" dirty="0">
+                <a:solidFill>
+                  <a:srgbClr val="FFFFFF"/>
+                </a:solidFill>
+                <a:effectLst/>
+                <a:latin typeface="var(--sds-font-family-01)"/>
+              </a:rPr>
+            </a:br>
+            <a:r>
               <a:rPr lang="en-GB" sz="1800" b="0" dirty="0" err="1">
                 <a:solidFill>
                   <a:srgbClr val="001080"/>
@@ -7315,6 +7725,9 @@
               <a:lnSpc>
                 <a:spcPct val="100000"/>
               </a:lnSpc>
+              <a:spcBef>
+                <a:spcPts val="0"/>
+              </a:spcBef>
               <a:buNone/>
             </a:pPr>
             <a:r>
@@ -7483,6 +7896,9 @@
               <a:lnSpc>
                 <a:spcPct val="100000"/>
               </a:lnSpc>
+              <a:spcBef>
+                <a:spcPts val="0"/>
+              </a:spcBef>
               <a:buNone/>
             </a:pPr>
             <a:r>
@@ -8023,6 +8439,130 @@
           </a:p>
           <a:p>
             <a:endParaRPr lang="LID4096" sz="1800" dirty="0"/>
+          </a:p>
+        </p:txBody>
+      </p:sp>
+      <p:sp>
+        <p:nvSpPr>
+          <p:cNvPr id="4" name="Title 1">
+            <a:extLst>
+              <a:ext uri="{FF2B5EF4-FFF2-40B4-BE49-F238E27FC236}">
+                <a16:creationId xmlns:a16="http://schemas.microsoft.com/office/drawing/2014/main" id="{64722E9D-7F10-FA47-BA0A-E706AE108A5C}"/>
+              </a:ext>
+            </a:extLst>
+          </p:cNvPr>
+          <p:cNvSpPr txBox="1">
+            <a:spLocks/>
+          </p:cNvSpPr>
+          <p:nvPr/>
+        </p:nvSpPr>
+        <p:spPr>
+          <a:xfrm>
+            <a:off x="838200" y="365125"/>
+            <a:ext cx="10515600" cy="716859"/>
+          </a:xfrm>
+          <a:prstGeom prst="rect">
+            <a:avLst/>
+          </a:prstGeom>
+        </p:spPr>
+        <p:txBody>
+          <a:bodyPr vert="horz" lIns="91440" tIns="45720" rIns="91440" bIns="45720" rtlCol="0" anchor="ctr">
+            <a:normAutofit/>
+          </a:bodyPr>
+          <a:lstStyle>
+            <a:lvl1pPr algn="l" defTabSz="914400" rtl="0" eaLnBrk="1" latinLnBrk="0" hangingPunct="1">
+              <a:lnSpc>
+                <a:spcPct val="90000"/>
+              </a:lnSpc>
+              <a:spcBef>
+                <a:spcPct val="0"/>
+              </a:spcBef>
+              <a:buNone/>
+              <a:defRPr sz="4400" kern="1200">
+                <a:solidFill>
+                  <a:schemeClr val="tx1"/>
+                </a:solidFill>
+                <a:latin typeface="+mj-lt"/>
+                <a:ea typeface="+mj-ea"/>
+                <a:cs typeface="+mj-cs"/>
+              </a:defRPr>
+            </a:lvl1pPr>
+          </a:lstStyle>
+          <a:p>
+            <a:r>
+              <a:rPr lang="en-GB" spc="120" dirty="0" err="1">
+                <a:latin typeface="Lato" panose="020F0502020204030203" pitchFamily="34" charset="77"/>
+                <a:ea typeface="Menlo" panose="020B0609030804020204" pitchFamily="49" charset="0"/>
+                <a:cs typeface="Menlo" panose="020B0609030804020204" pitchFamily="49" charset="0"/>
+              </a:rPr>
+              <a:t>Optimierung</a:t>
+            </a:r>
+            <a:r>
+              <a:rPr lang="en-GB" spc="120" dirty="0">
+                <a:latin typeface="Lato" panose="020F0502020204030203" pitchFamily="34" charset="77"/>
+                <a:ea typeface="Menlo" panose="020B0609030804020204" pitchFamily="49" charset="0"/>
+                <a:cs typeface="Menlo" panose="020B0609030804020204" pitchFamily="49" charset="0"/>
+              </a:rPr>
+              <a:t> des </a:t>
+            </a:r>
+            <a:r>
+              <a:rPr lang="en-GB" spc="120" dirty="0" err="1">
+                <a:latin typeface="Lato" panose="020F0502020204030203" pitchFamily="34" charset="77"/>
+                <a:ea typeface="Menlo" panose="020B0609030804020204" pitchFamily="49" charset="0"/>
+                <a:cs typeface="Menlo" panose="020B0609030804020204" pitchFamily="49" charset="0"/>
+              </a:rPr>
+              <a:t>neuronalen</a:t>
+            </a:r>
+            <a:r>
+              <a:rPr lang="en-GB" spc="120" dirty="0">
+                <a:latin typeface="Lato" panose="020F0502020204030203" pitchFamily="34" charset="77"/>
+                <a:ea typeface="Menlo" panose="020B0609030804020204" pitchFamily="49" charset="0"/>
+                <a:cs typeface="Menlo" panose="020B0609030804020204" pitchFamily="49" charset="0"/>
+              </a:rPr>
+              <a:t> </a:t>
+            </a:r>
+            <a:r>
+              <a:rPr lang="en-GB" spc="120" dirty="0" err="1">
+                <a:latin typeface="Lato" panose="020F0502020204030203" pitchFamily="34" charset="77"/>
+                <a:ea typeface="Menlo" panose="020B0609030804020204" pitchFamily="49" charset="0"/>
+                <a:cs typeface="Menlo" panose="020B0609030804020204" pitchFamily="49" charset="0"/>
+              </a:rPr>
+              <a:t>Netzes</a:t>
+            </a:r>
+            <a:endParaRPr lang="LID4096" spc="120" dirty="0">
+              <a:latin typeface="Lato" panose="020F0502020204030203" pitchFamily="34" charset="77"/>
+              <a:ea typeface="Menlo" panose="020B0609030804020204" pitchFamily="49" charset="0"/>
+              <a:cs typeface="Menlo" panose="020B0609030804020204" pitchFamily="49" charset="0"/>
+            </a:endParaRPr>
+          </a:p>
+        </p:txBody>
+      </p:sp>
+      <p:sp>
+        <p:nvSpPr>
+          <p:cNvPr id="8" name="Slide Number Placeholder 7">
+            <a:extLst>
+              <a:ext uri="{FF2B5EF4-FFF2-40B4-BE49-F238E27FC236}">
+                <a16:creationId xmlns:a16="http://schemas.microsoft.com/office/drawing/2014/main" id="{447F2D57-CB97-0247-BADA-D2ED937D41BC}"/>
+              </a:ext>
+            </a:extLst>
+          </p:cNvPr>
+          <p:cNvSpPr>
+            <a:spLocks noGrp="1"/>
+          </p:cNvSpPr>
+          <p:nvPr>
+            <p:ph type="sldNum" sz="quarter" idx="12"/>
+          </p:nvPr>
+        </p:nvSpPr>
+        <p:spPr/>
+        <p:txBody>
+          <a:bodyPr/>
+          <a:lstStyle/>
+          <a:p>
+            <a:fld id="{30D148E0-5172-48D5-9F18-ED545B64C5E9}" type="slidenum">
+              <a:rPr lang="LID4096" smtClean="0"/>
+              <a:t>7</a:t>
+            </a:fld>
+            <a:endParaRPr lang="LID4096"/>
           </a:p>
         </p:txBody>
       </p:sp>
@@ -8056,51 +8596,6 @@
           <a:chExt cx="0" cy="0"/>
         </a:xfrm>
       </p:grpSpPr>
-      <p:sp>
-        <p:nvSpPr>
-          <p:cNvPr id="2" name="Title 1">
-            <a:extLst>
-              <a:ext uri="{FF2B5EF4-FFF2-40B4-BE49-F238E27FC236}">
-                <a16:creationId xmlns:a16="http://schemas.microsoft.com/office/drawing/2014/main" id="{5975FA0C-7299-4942-AAF2-AA1A7DB25708}"/>
-              </a:ext>
-            </a:extLst>
-          </p:cNvPr>
-          <p:cNvSpPr>
-            <a:spLocks noGrp="1"/>
-          </p:cNvSpPr>
-          <p:nvPr>
-            <p:ph type="title"/>
-          </p:nvPr>
-        </p:nvSpPr>
-        <p:spPr/>
-        <p:txBody>
-          <a:bodyPr/>
-          <a:lstStyle/>
-          <a:p>
-            <a:r>
-              <a:rPr lang="en-GB" dirty="0" err="1"/>
-              <a:t>Optimierung</a:t>
-            </a:r>
-            <a:r>
-              <a:rPr lang="en-GB" dirty="0"/>
-              <a:t> des </a:t>
-            </a:r>
-            <a:r>
-              <a:rPr lang="en-GB" dirty="0" err="1"/>
-              <a:t>neuronalen</a:t>
-            </a:r>
-            <a:r>
-              <a:rPr lang="en-GB" dirty="0"/>
-              <a:t> </a:t>
-            </a:r>
-            <a:r>
-              <a:rPr lang="en-GB" dirty="0" err="1"/>
-              <a:t>Netzes</a:t>
-            </a:r>
-            <a:endParaRPr lang="LID4096" dirty="0"/>
-          </a:p>
-        </p:txBody>
-      </p:sp>
       <p:pic>
         <p:nvPicPr>
           <p:cNvPr id="5" name="Picture 4">
@@ -8179,10 +8674,148 @@
           </a:lstStyle>
           <a:p>
             <a:r>
-              <a:rPr lang="en-US" sz="2800" dirty="0"/>
-              <a:t>Validation dataset MAPE = 21.65% </a:t>
-            </a:r>
-            <a:endParaRPr lang="LID4096" sz="2800" dirty="0"/>
+              <a:rPr lang="en-US" sz="2800" dirty="0">
+                <a:latin typeface="Lato" panose="020F0502020204030203" pitchFamily="34" charset="77"/>
+              </a:rPr>
+              <a:t>Validation dataset MAPE = </a:t>
+            </a:r>
+            <a:r>
+              <a:rPr lang="en-US" sz="2800" dirty="0">
+                <a:latin typeface="Menlo" panose="020B0609030804020204" pitchFamily="49" charset="0"/>
+                <a:ea typeface="Menlo" panose="020B0609030804020204" pitchFamily="49" charset="0"/>
+                <a:cs typeface="Menlo" panose="020B0609030804020204" pitchFamily="49" charset="0"/>
+              </a:rPr>
+              <a:t>21.65% </a:t>
+            </a:r>
+            <a:endParaRPr lang="LID4096" sz="2800" dirty="0">
+              <a:latin typeface="Menlo" panose="020B0609030804020204" pitchFamily="49" charset="0"/>
+              <a:ea typeface="Menlo" panose="020B0609030804020204" pitchFamily="49" charset="0"/>
+              <a:cs typeface="Menlo" panose="020B0609030804020204" pitchFamily="49" charset="0"/>
+            </a:endParaRPr>
+          </a:p>
+        </p:txBody>
+      </p:sp>
+      <p:sp>
+        <p:nvSpPr>
+          <p:cNvPr id="6" name="Title 1">
+            <a:extLst>
+              <a:ext uri="{FF2B5EF4-FFF2-40B4-BE49-F238E27FC236}">
+                <a16:creationId xmlns:a16="http://schemas.microsoft.com/office/drawing/2014/main" id="{56F0A759-CAAE-7F45-BFBB-C0F9068085E3}"/>
+              </a:ext>
+            </a:extLst>
+          </p:cNvPr>
+          <p:cNvSpPr txBox="1">
+            <a:spLocks/>
+          </p:cNvSpPr>
+          <p:nvPr/>
+        </p:nvSpPr>
+        <p:spPr>
+          <a:xfrm>
+            <a:off x="838200" y="365125"/>
+            <a:ext cx="10515600" cy="716859"/>
+          </a:xfrm>
+          <a:prstGeom prst="rect">
+            <a:avLst/>
+          </a:prstGeom>
+        </p:spPr>
+        <p:txBody>
+          <a:bodyPr vert="horz" lIns="91440" tIns="45720" rIns="91440" bIns="45720" rtlCol="0" anchor="ctr">
+            <a:normAutofit/>
+          </a:bodyPr>
+          <a:lstStyle>
+            <a:lvl1pPr algn="l" defTabSz="914400" rtl="0" eaLnBrk="1" latinLnBrk="0" hangingPunct="1">
+              <a:lnSpc>
+                <a:spcPct val="90000"/>
+              </a:lnSpc>
+              <a:spcBef>
+                <a:spcPct val="0"/>
+              </a:spcBef>
+              <a:buNone/>
+              <a:defRPr sz="4400" kern="1200">
+                <a:solidFill>
+                  <a:schemeClr val="tx1"/>
+                </a:solidFill>
+                <a:latin typeface="+mj-lt"/>
+                <a:ea typeface="+mj-ea"/>
+                <a:cs typeface="+mj-cs"/>
+              </a:defRPr>
+            </a:lvl1pPr>
+          </a:lstStyle>
+          <a:p>
+            <a:r>
+              <a:rPr lang="en-GB" spc="120" dirty="0" err="1">
+                <a:latin typeface="Lato" panose="020F0502020204030203" pitchFamily="34" charset="77"/>
+                <a:ea typeface="Menlo" panose="020B0609030804020204" pitchFamily="49" charset="0"/>
+                <a:cs typeface="Menlo" panose="020B0609030804020204" pitchFamily="49" charset="0"/>
+              </a:rPr>
+              <a:t>Optimierung</a:t>
+            </a:r>
+            <a:r>
+              <a:rPr lang="en-GB" spc="120" dirty="0">
+                <a:latin typeface="Lato" panose="020F0502020204030203" pitchFamily="34" charset="77"/>
+                <a:ea typeface="Menlo" panose="020B0609030804020204" pitchFamily="49" charset="0"/>
+                <a:cs typeface="Menlo" panose="020B0609030804020204" pitchFamily="49" charset="0"/>
+              </a:rPr>
+              <a:t> des </a:t>
+            </a:r>
+            <a:r>
+              <a:rPr lang="en-GB" spc="120" dirty="0" err="1">
+                <a:latin typeface="Lato" panose="020F0502020204030203" pitchFamily="34" charset="77"/>
+                <a:ea typeface="Menlo" panose="020B0609030804020204" pitchFamily="49" charset="0"/>
+                <a:cs typeface="Menlo" panose="020B0609030804020204" pitchFamily="49" charset="0"/>
+              </a:rPr>
+              <a:t>neuronalen</a:t>
+            </a:r>
+            <a:r>
+              <a:rPr lang="en-GB" spc="120" dirty="0">
+                <a:latin typeface="Lato" panose="020F0502020204030203" pitchFamily="34" charset="77"/>
+                <a:ea typeface="Menlo" panose="020B0609030804020204" pitchFamily="49" charset="0"/>
+                <a:cs typeface="Menlo" panose="020B0609030804020204" pitchFamily="49" charset="0"/>
+              </a:rPr>
+              <a:t> </a:t>
+            </a:r>
+            <a:r>
+              <a:rPr lang="en-GB" spc="120" dirty="0" err="1">
+                <a:latin typeface="Lato" panose="020F0502020204030203" pitchFamily="34" charset="77"/>
+                <a:ea typeface="Menlo" panose="020B0609030804020204" pitchFamily="49" charset="0"/>
+                <a:cs typeface="Menlo" panose="020B0609030804020204" pitchFamily="49" charset="0"/>
+              </a:rPr>
+              <a:t>Netzes</a:t>
+            </a:r>
+            <a:endParaRPr lang="LID4096" spc="120" dirty="0">
+              <a:latin typeface="Lato" panose="020F0502020204030203" pitchFamily="34" charset="77"/>
+              <a:ea typeface="Menlo" panose="020B0609030804020204" pitchFamily="49" charset="0"/>
+              <a:cs typeface="Menlo" panose="020B0609030804020204" pitchFamily="49" charset="0"/>
+            </a:endParaRPr>
+          </a:p>
+        </p:txBody>
+      </p:sp>
+      <p:sp>
+        <p:nvSpPr>
+          <p:cNvPr id="9" name="Slide Number Placeholder 8">
+            <a:extLst>
+              <a:ext uri="{FF2B5EF4-FFF2-40B4-BE49-F238E27FC236}">
+                <a16:creationId xmlns:a16="http://schemas.microsoft.com/office/drawing/2014/main" id="{E658D9B1-488A-4F4D-AE10-73F064562046}"/>
+              </a:ext>
+            </a:extLst>
+          </p:cNvPr>
+          <p:cNvSpPr>
+            <a:spLocks noGrp="1"/>
+          </p:cNvSpPr>
+          <p:nvPr>
+            <p:ph type="sldNum" sz="quarter" idx="12"/>
+          </p:nvPr>
+        </p:nvSpPr>
+        <p:spPr/>
+        <p:txBody>
+          <a:bodyPr/>
+          <a:lstStyle/>
+          <a:p>
+            <a:fld id="{30D148E0-5172-48D5-9F18-ED545B64C5E9}" type="slidenum">
+              <a:rPr lang="LID4096" smtClean="0"/>
+              <a:t>8</a:t>
+            </a:fld>
+            <a:endParaRPr lang="LID4096"/>
           </a:p>
         </p:txBody>
       </p:sp>
@@ -8216,39 +8849,6 @@
           <a:chExt cx="0" cy="0"/>
         </a:xfrm>
       </p:grpSpPr>
-      <p:sp>
-        <p:nvSpPr>
-          <p:cNvPr id="2" name="Title 1">
-            <a:extLst>
-              <a:ext uri="{FF2B5EF4-FFF2-40B4-BE49-F238E27FC236}">
-                <a16:creationId xmlns:a16="http://schemas.microsoft.com/office/drawing/2014/main" id="{B8A8C6EC-17C7-42DE-8B67-165E7489BC7C}"/>
-              </a:ext>
-            </a:extLst>
-          </p:cNvPr>
-          <p:cNvSpPr>
-            <a:spLocks noGrp="1"/>
-          </p:cNvSpPr>
-          <p:nvPr>
-            <p:ph type="title"/>
-          </p:nvPr>
-        </p:nvSpPr>
-        <p:spPr/>
-        <p:txBody>
-          <a:bodyPr/>
-          <a:lstStyle/>
-          <a:p>
-            <a:r>
-              <a:rPr lang="en-US" dirty="0" err="1"/>
-              <a:t>Warengruppen</a:t>
-            </a:r>
-            <a:r>
-              <a:rPr lang="en-US" dirty="0"/>
-              <a:t> MAPEs</a:t>
-            </a:r>
-            <a:endParaRPr lang="LID4096" dirty="0"/>
-          </a:p>
-        </p:txBody>
-      </p:sp>
       <p:pic>
         <p:nvPicPr>
           <p:cNvPr id="11" name="Content Placeholder 10">
@@ -8266,7 +8866,7 @@
           </p:nvPr>
         </p:nvPicPr>
         <p:blipFill>
-          <a:blip r:embed="rId2">
+          <a:blip r:embed="rId3">
             <a:extLst>
               <a:ext uri="{28A0092B-C50C-407E-A947-70E740481C1C}">
                 <a14:useLocalDpi xmlns:a14="http://schemas.microsoft.com/office/drawing/2010/main" val="0"/>
@@ -8279,7 +8879,7 @@
         </p:blipFill>
         <p:spPr>
           <a:xfrm>
-            <a:off x="3111957" y="1265714"/>
+            <a:off x="3111957" y="1350120"/>
             <a:ext cx="5405377" cy="5405377"/>
           </a:xfrm>
         </p:spPr>
@@ -8298,8 +8898,8 @@
         </p:nvSpPr>
         <p:spPr>
           <a:xfrm>
-            <a:off x="1391857" y="1275189"/>
-            <a:ext cx="1776566" cy="830997"/>
+            <a:off x="1391857" y="1497428"/>
+            <a:ext cx="1776566" cy="646331"/>
           </a:xfrm>
           <a:prstGeom prst="rect">
             <a:avLst/>
@@ -8313,10 +8913,18 @@
           <a:lstStyle/>
           <a:p>
             <a:r>
-              <a:rPr lang="en-US" sz="4800" dirty="0"/>
+              <a:rPr lang="en-US" sz="3600" dirty="0">
+                <a:latin typeface="Menlo" panose="020B0609030804020204" pitchFamily="49" charset="0"/>
+                <a:ea typeface="Menlo" panose="020B0609030804020204" pitchFamily="49" charset="0"/>
+                <a:cs typeface="Menlo" panose="020B0609030804020204" pitchFamily="49" charset="0"/>
+              </a:rPr>
               <a:t>20.9%</a:t>
             </a:r>
-            <a:endParaRPr lang="LID4096" sz="4800" dirty="0"/>
+            <a:endParaRPr lang="LID4096" sz="3600" dirty="0">
+              <a:latin typeface="Menlo" panose="020B0609030804020204" pitchFamily="49" charset="0"/>
+              <a:ea typeface="Menlo" panose="020B0609030804020204" pitchFamily="49" charset="0"/>
+              <a:cs typeface="Menlo" panose="020B0609030804020204" pitchFamily="49" charset="0"/>
+            </a:endParaRPr>
           </a:p>
         </p:txBody>
       </p:sp>
@@ -8334,8 +8942,8 @@
         </p:nvSpPr>
         <p:spPr>
           <a:xfrm>
-            <a:off x="8683149" y="1265714"/>
-            <a:ext cx="1776566" cy="830997"/>
+            <a:off x="8683149" y="1497428"/>
+            <a:ext cx="1776566" cy="646331"/>
           </a:xfrm>
           <a:prstGeom prst="rect">
             <a:avLst/>
@@ -8349,10 +8957,18 @@
           <a:lstStyle/>
           <a:p>
             <a:r>
-              <a:rPr lang="en-US" sz="4800" dirty="0"/>
+              <a:rPr lang="en-US" sz="3600" dirty="0">
+                <a:latin typeface="Menlo" panose="020B0609030804020204" pitchFamily="49" charset="0"/>
+                <a:ea typeface="Menlo" panose="020B0609030804020204" pitchFamily="49" charset="0"/>
+                <a:cs typeface="Menlo" panose="020B0609030804020204" pitchFamily="49" charset="0"/>
+              </a:rPr>
               <a:t>18.6%</a:t>
             </a:r>
-            <a:endParaRPr lang="LID4096" sz="4800" dirty="0"/>
+            <a:endParaRPr lang="LID4096" sz="3600" dirty="0">
+              <a:latin typeface="Menlo" panose="020B0609030804020204" pitchFamily="49" charset="0"/>
+              <a:ea typeface="Menlo" panose="020B0609030804020204" pitchFamily="49" charset="0"/>
+              <a:cs typeface="Menlo" panose="020B0609030804020204" pitchFamily="49" charset="0"/>
+            </a:endParaRPr>
           </a:p>
         </p:txBody>
       </p:sp>
@@ -8370,8 +8986,8 @@
         </p:nvSpPr>
         <p:spPr>
           <a:xfrm>
-            <a:off x="1391857" y="3179607"/>
-            <a:ext cx="1776566" cy="830997"/>
+            <a:off x="1391857" y="3312061"/>
+            <a:ext cx="1776566" cy="646331"/>
           </a:xfrm>
           <a:prstGeom prst="rect">
             <a:avLst/>
@@ -8385,10 +9001,18 @@
           <a:lstStyle/>
           <a:p>
             <a:r>
-              <a:rPr lang="en-US" sz="4800" dirty="0"/>
+              <a:rPr lang="en-US" sz="3600" dirty="0">
+                <a:latin typeface="Menlo" panose="020B0609030804020204" pitchFamily="49" charset="0"/>
+                <a:ea typeface="Menlo" panose="020B0609030804020204" pitchFamily="49" charset="0"/>
+                <a:cs typeface="Menlo" panose="020B0609030804020204" pitchFamily="49" charset="0"/>
+              </a:rPr>
               <a:t>19.4%</a:t>
             </a:r>
-            <a:endParaRPr lang="LID4096" sz="4800" dirty="0"/>
+            <a:endParaRPr lang="LID4096" sz="3600" dirty="0">
+              <a:latin typeface="Menlo" panose="020B0609030804020204" pitchFamily="49" charset="0"/>
+              <a:ea typeface="Menlo" panose="020B0609030804020204" pitchFamily="49" charset="0"/>
+              <a:cs typeface="Menlo" panose="020B0609030804020204" pitchFamily="49" charset="0"/>
+            </a:endParaRPr>
           </a:p>
         </p:txBody>
       </p:sp>
@@ -8406,8 +9030,8 @@
         </p:nvSpPr>
         <p:spPr>
           <a:xfrm>
-            <a:off x="8683149" y="3080347"/>
-            <a:ext cx="1776566" cy="830997"/>
+            <a:off x="8683149" y="3312061"/>
+            <a:ext cx="1776566" cy="646331"/>
           </a:xfrm>
           <a:prstGeom prst="rect">
             <a:avLst/>
@@ -8421,10 +9045,18 @@
           <a:lstStyle/>
           <a:p>
             <a:r>
-              <a:rPr lang="en-US" sz="4800" dirty="0"/>
+              <a:rPr lang="en-US" sz="3600" dirty="0">
+                <a:latin typeface="Menlo" panose="020B0609030804020204" pitchFamily="49" charset="0"/>
+                <a:ea typeface="Menlo" panose="020B0609030804020204" pitchFamily="49" charset="0"/>
+                <a:cs typeface="Menlo" panose="020B0609030804020204" pitchFamily="49" charset="0"/>
+              </a:rPr>
               <a:t>25.4%</a:t>
             </a:r>
-            <a:endParaRPr lang="LID4096" sz="4800" dirty="0"/>
+            <a:endParaRPr lang="LID4096" sz="3600" dirty="0">
+              <a:latin typeface="Menlo" panose="020B0609030804020204" pitchFamily="49" charset="0"/>
+              <a:ea typeface="Menlo" panose="020B0609030804020204" pitchFamily="49" charset="0"/>
+              <a:cs typeface="Menlo" panose="020B0609030804020204" pitchFamily="49" charset="0"/>
+            </a:endParaRPr>
           </a:p>
         </p:txBody>
       </p:sp>
@@ -8442,8 +9074,8 @@
         </p:nvSpPr>
         <p:spPr>
           <a:xfrm>
-            <a:off x="1391857" y="4892534"/>
-            <a:ext cx="1776566" cy="830997"/>
+            <a:off x="1391857" y="5098552"/>
+            <a:ext cx="1776566" cy="646331"/>
           </a:xfrm>
           <a:prstGeom prst="rect">
             <a:avLst/>
@@ -8457,10 +9089,18 @@
           <a:lstStyle/>
           <a:p>
             <a:r>
-              <a:rPr lang="en-US" sz="4800" dirty="0"/>
+              <a:rPr lang="en-US" sz="3600" dirty="0">
+                <a:latin typeface="Menlo" panose="020B0609030804020204" pitchFamily="49" charset="0"/>
+                <a:ea typeface="Menlo" panose="020B0609030804020204" pitchFamily="49" charset="0"/>
+                <a:cs typeface="Menlo" panose="020B0609030804020204" pitchFamily="49" charset="0"/>
+              </a:rPr>
               <a:t>17.2%</a:t>
             </a:r>
-            <a:endParaRPr lang="LID4096" sz="4800" dirty="0"/>
+            <a:endParaRPr lang="LID4096" sz="3600" dirty="0">
+              <a:latin typeface="Menlo" panose="020B0609030804020204" pitchFamily="49" charset="0"/>
+              <a:ea typeface="Menlo" panose="020B0609030804020204" pitchFamily="49" charset="0"/>
+              <a:cs typeface="Menlo" panose="020B0609030804020204" pitchFamily="49" charset="0"/>
+            </a:endParaRPr>
           </a:p>
         </p:txBody>
       </p:sp>
@@ -8479,7 +9119,7 @@
           <p:nvPr/>
         </p:nvPicPr>
         <p:blipFill>
-          <a:blip r:embed="rId3">
+          <a:blip r:embed="rId4">
             <a:extLst>
               <a:ext uri="{28A0092B-C50C-407E-A947-70E740481C1C}">
                 <a14:useLocalDpi xmlns:a14="http://schemas.microsoft.com/office/drawing/2010/main" val="0"/>
@@ -8493,7 +9133,7 @@
         </p:blipFill>
         <p:spPr bwMode="auto">
           <a:xfrm>
-            <a:off x="8667323" y="4953000"/>
+            <a:off x="8667323" y="5037406"/>
             <a:ext cx="2132820" cy="1454195"/>
           </a:xfrm>
           <a:prstGeom prst="rect">
@@ -8525,8 +9165,8 @@
         </p:nvSpPr>
         <p:spPr>
           <a:xfrm>
-            <a:off x="8683149" y="5024926"/>
-            <a:ext cx="1776566" cy="830997"/>
+            <a:off x="8683149" y="5099400"/>
+            <a:ext cx="1776566" cy="646331"/>
           </a:xfrm>
           <a:prstGeom prst="rect">
             <a:avLst/>
@@ -8540,18 +9180,120 @@
           <a:lstStyle/>
           <a:p>
             <a:r>
-              <a:rPr lang="en-US" sz="4800" dirty="0">
+              <a:rPr lang="en-US" sz="3600" dirty="0">
                 <a:solidFill>
                   <a:schemeClr val="bg1"/>
                 </a:solidFill>
+                <a:latin typeface="Menlo" panose="020B0609030804020204" pitchFamily="49" charset="0"/>
+                <a:ea typeface="Menlo" panose="020B0609030804020204" pitchFamily="49" charset="0"/>
+                <a:cs typeface="Menlo" panose="020B0609030804020204" pitchFamily="49" charset="0"/>
               </a:rPr>
               <a:t>50.1%</a:t>
             </a:r>
-            <a:endParaRPr lang="LID4096" sz="4800" dirty="0">
+            <a:endParaRPr lang="LID4096" sz="3600" dirty="0">
               <a:solidFill>
                 <a:schemeClr val="bg1"/>
               </a:solidFill>
+              <a:latin typeface="Menlo" panose="020B0609030804020204" pitchFamily="49" charset="0"/>
+              <a:ea typeface="Menlo" panose="020B0609030804020204" pitchFamily="49" charset="0"/>
+              <a:cs typeface="Menlo" panose="020B0609030804020204" pitchFamily="49" charset="0"/>
             </a:endParaRPr>
+          </a:p>
+        </p:txBody>
+      </p:sp>
+      <p:sp>
+        <p:nvSpPr>
+          <p:cNvPr id="18" name="Title 1">
+            <a:extLst>
+              <a:ext uri="{FF2B5EF4-FFF2-40B4-BE49-F238E27FC236}">
+                <a16:creationId xmlns:a16="http://schemas.microsoft.com/office/drawing/2014/main" id="{0C74F502-637F-F44B-94A8-36DE5EE633F7}"/>
+              </a:ext>
+            </a:extLst>
+          </p:cNvPr>
+          <p:cNvSpPr txBox="1">
+            <a:spLocks/>
+          </p:cNvSpPr>
+          <p:nvPr/>
+        </p:nvSpPr>
+        <p:spPr>
+          <a:xfrm>
+            <a:off x="838200" y="365125"/>
+            <a:ext cx="10515600" cy="716859"/>
+          </a:xfrm>
+          <a:prstGeom prst="rect">
+            <a:avLst/>
+          </a:prstGeom>
+        </p:spPr>
+        <p:txBody>
+          <a:bodyPr vert="horz" lIns="91440" tIns="45720" rIns="91440" bIns="45720" rtlCol="0" anchor="ctr">
+            <a:normAutofit/>
+          </a:bodyPr>
+          <a:lstStyle>
+            <a:lvl1pPr algn="l" defTabSz="914400" rtl="0" eaLnBrk="1" latinLnBrk="0" hangingPunct="1">
+              <a:lnSpc>
+                <a:spcPct val="90000"/>
+              </a:lnSpc>
+              <a:spcBef>
+                <a:spcPct val="0"/>
+              </a:spcBef>
+              <a:buNone/>
+              <a:defRPr sz="4400" kern="1200">
+                <a:solidFill>
+                  <a:schemeClr val="tx1"/>
+                </a:solidFill>
+                <a:latin typeface="+mj-lt"/>
+                <a:ea typeface="+mj-ea"/>
+                <a:cs typeface="+mj-cs"/>
+              </a:defRPr>
+            </a:lvl1pPr>
+          </a:lstStyle>
+          <a:p>
+            <a:r>
+              <a:rPr lang="en-US" spc="120" dirty="0" err="1">
+                <a:latin typeface="Lato" panose="020F0502020204030203" pitchFamily="34" charset="77"/>
+              </a:rPr>
+              <a:t>Warengruppen</a:t>
+            </a:r>
+            <a:r>
+              <a:rPr lang="en-US" spc="120" dirty="0">
+                <a:latin typeface="Lato" panose="020F0502020204030203" pitchFamily="34" charset="77"/>
+              </a:rPr>
+              <a:t> MAPEs</a:t>
+            </a:r>
+            <a:endParaRPr lang="LID4096" spc="120" dirty="0">
+              <a:latin typeface="Lato" panose="020F0502020204030203" pitchFamily="34" charset="77"/>
+              <a:ea typeface="Menlo" panose="020B0609030804020204" pitchFamily="49" charset="0"/>
+              <a:cs typeface="Menlo" panose="020B0609030804020204" pitchFamily="49" charset="0"/>
+            </a:endParaRPr>
+          </a:p>
+        </p:txBody>
+      </p:sp>
+      <p:sp>
+        <p:nvSpPr>
+          <p:cNvPr id="4" name="Slide Number Placeholder 3">
+            <a:extLst>
+              <a:ext uri="{FF2B5EF4-FFF2-40B4-BE49-F238E27FC236}">
+                <a16:creationId xmlns:a16="http://schemas.microsoft.com/office/drawing/2014/main" id="{A1351B78-8ADA-4847-A9D5-886ADED10AFF}"/>
+              </a:ext>
+            </a:extLst>
+          </p:cNvPr>
+          <p:cNvSpPr>
+            <a:spLocks noGrp="1"/>
+          </p:cNvSpPr>
+          <p:nvPr>
+            <p:ph type="sldNum" sz="quarter" idx="12"/>
+          </p:nvPr>
+        </p:nvSpPr>
+        <p:spPr/>
+        <p:txBody>
+          <a:bodyPr/>
+          <a:lstStyle/>
+          <a:p>
+            <a:fld id="{30D148E0-5172-48D5-9F18-ED545B64C5E9}" type="slidenum">
+              <a:rPr lang="LID4096" smtClean="0"/>
+              <a:t>9</a:t>
+            </a:fld>
+            <a:endParaRPr lang="LID4096"/>
           </a:p>
         </p:txBody>
       </p:sp>
